--- a/SDD 관련 자료/작업 결과물/처리 모형도/이전파일/강의평과 결과 조회.pptx
+++ b/SDD 관련 자료/작업 결과물/처리 모형도/이전파일/강의평과 결과 조회.pptx
@@ -4779,15 +4779,7 @@
                     <a:sysClr val="windowText" lastClr="000000"/>
                   </a:solidFill>
                 </a:rPr>
-                <a:t>조회 </a:t>
-              </a:r>
-              <a:r>
-                <a:rPr lang="ko-KR" altLang="en-US" sz="1100" dirty="0" smtClean="0">
-                  <a:solidFill>
-                    <a:sysClr val="windowText" lastClr="000000"/>
-                  </a:solidFill>
-                </a:rPr>
-                <a:t>정보 입력</a:t>
+                <a:t>조회 정보 입력</a:t>
               </a:r>
               <a:endParaRPr lang="ko-KR" altLang="en-US" sz="1100" dirty="0">
                 <a:solidFill>
@@ -5390,7 +5382,7 @@
                     <a:sysClr val="windowText" lastClr="000000"/>
                   </a:solidFill>
                 </a:rPr>
-                <a:t>조회 </a:t>
+                <a:t>조회 정보 </a:t>
               </a:r>
               <a:r>
                 <a:rPr lang="ko-KR" altLang="en-US" sz="1100" dirty="0" smtClean="0">
@@ -5398,7 +5390,7 @@
                     <a:sysClr val="windowText" lastClr="000000"/>
                   </a:solidFill>
                 </a:rPr>
-                <a:t>정보 처리</a:t>
+                <a:t>변환</a:t>
               </a:r>
               <a:endParaRPr lang="ko-KR" altLang="en-US" sz="1100" dirty="0">
                 <a:solidFill>
@@ -6001,15 +5993,7 @@
                     <a:sysClr val="windowText" lastClr="000000"/>
                   </a:solidFill>
                 </a:rPr>
-                <a:t>조회 </a:t>
-              </a:r>
-              <a:r>
-                <a:rPr lang="ko-KR" altLang="en-US" sz="1100" dirty="0" smtClean="0">
-                  <a:solidFill>
-                    <a:sysClr val="windowText" lastClr="000000"/>
-                  </a:solidFill>
-                </a:rPr>
-                <a:t>정보 출력</a:t>
+                <a:t>조회 정보 출력</a:t>
               </a:r>
               <a:endParaRPr lang="ko-KR" altLang="en-US" sz="1100" dirty="0">
                 <a:solidFill>

--- a/SDD 관련 자료/작업 결과물/처리 모형도/이전파일/강의평과 결과 조회.pptx
+++ b/SDD 관련 자료/작업 결과물/처리 모형도/이전파일/강의평과 결과 조회.pptx
@@ -6,9 +6,12 @@
   </p:sldMasterIdLst>
   <p:sldIdLst>
     <p:sldId id="256" r:id="rId2"/>
-    <p:sldId id="257" r:id="rId3"/>
-    <p:sldId id="258" r:id="rId4"/>
-    <p:sldId id="259" r:id="rId5"/>
+    <p:sldId id="261" r:id="rId3"/>
+    <p:sldId id="260" r:id="rId4"/>
+    <p:sldId id="257" r:id="rId5"/>
+    <p:sldId id="258" r:id="rId6"/>
+    <p:sldId id="259" r:id="rId7"/>
+    <p:sldId id="262" r:id="rId8"/>
   </p:sldIdLst>
   <p:sldSz cx="12192000" cy="6858000"/>
   <p:notesSz cx="6858000" cy="9144000"/>
@@ -4406,141 +4409,156 @@
       </p:cxnSp>
       <p:grpSp>
         <p:nvGrpSpPr>
-          <p:cNvPr id="70" name="그룹 69"/>
+          <p:cNvPr id="2" name="그룹 1"/>
           <p:cNvGrpSpPr/>
           <p:nvPr/>
         </p:nvGrpSpPr>
         <p:grpSpPr>
-          <a:xfrm rot="21416685">
-            <a:off x="6135886" y="947170"/>
-            <a:ext cx="465295" cy="429840"/>
-            <a:chOff x="5764817" y="2081712"/>
-            <a:chExt cx="465295" cy="429840"/>
+          <a:xfrm>
+            <a:off x="6135886" y="740132"/>
+            <a:ext cx="875728" cy="636878"/>
+            <a:chOff x="6135886" y="740132"/>
+            <a:chExt cx="875728" cy="636878"/>
           </a:xfrm>
         </p:grpSpPr>
+        <p:grpSp>
+          <p:nvGrpSpPr>
+            <p:cNvPr id="70" name="그룹 69"/>
+            <p:cNvGrpSpPr/>
+            <p:nvPr/>
+          </p:nvGrpSpPr>
+          <p:grpSpPr>
+            <a:xfrm rot="21416685">
+              <a:off x="6135886" y="947170"/>
+              <a:ext cx="465295" cy="429840"/>
+              <a:chOff x="5764817" y="2081712"/>
+              <a:chExt cx="465295" cy="429840"/>
+            </a:xfrm>
+          </p:grpSpPr>
+          <p:sp>
+            <p:nvSpPr>
+              <p:cNvPr id="71" name="타원 70"/>
+              <p:cNvSpPr/>
+              <p:nvPr/>
+            </p:nvSpPr>
+            <p:spPr>
+              <a:xfrm>
+                <a:off x="5764817" y="2081712"/>
+                <a:ext cx="254984" cy="254984"/>
+              </a:xfrm>
+              <a:prstGeom prst="ellipse">
+                <a:avLst/>
+              </a:prstGeom>
+              <a:solidFill>
+                <a:schemeClr val="accent1"/>
+              </a:solidFill>
+              <a:ln w="38100">
+                <a:solidFill>
+                  <a:schemeClr val="accent1"/>
+                </a:solidFill>
+              </a:ln>
+            </p:spPr>
+            <p:style>
+              <a:lnRef idx="2">
+                <a:schemeClr val="accent1">
+                  <a:shade val="50000"/>
+                </a:schemeClr>
+              </a:lnRef>
+              <a:fillRef idx="1">
+                <a:schemeClr val="accent1"/>
+              </a:fillRef>
+              <a:effectRef idx="0">
+                <a:schemeClr val="accent1"/>
+              </a:effectRef>
+              <a:fontRef idx="minor">
+                <a:schemeClr val="lt1"/>
+              </a:fontRef>
+            </p:style>
+            <p:txBody>
+              <a:bodyPr rtlCol="0" anchor="ctr"/>
+              <a:lstStyle/>
+              <a:p>
+                <a:pPr algn="ctr"/>
+                <a:endParaRPr lang="ko-KR" altLang="en-US"/>
+              </a:p>
+            </p:txBody>
+          </p:sp>
+          <p:cxnSp>
+            <p:nvCxnSpPr>
+              <p:cNvPr id="73" name="직선 연결선 72"/>
+              <p:cNvCxnSpPr>
+                <a:endCxn id="71" idx="5"/>
+              </p:cNvCxnSpPr>
+              <p:nvPr/>
+            </p:nvCxnSpPr>
+            <p:spPr>
+              <a:xfrm flipH="1" flipV="1">
+                <a:off x="5982459" y="2299354"/>
+                <a:ext cx="247653" cy="212198"/>
+              </a:xfrm>
+              <a:prstGeom prst="line">
+                <a:avLst/>
+              </a:prstGeom>
+              <a:ln w="38100">
+                <a:headEnd type="stealth" w="lg" len="lg"/>
+              </a:ln>
+            </p:spPr>
+            <p:style>
+              <a:lnRef idx="1">
+                <a:schemeClr val="accent1"/>
+              </a:lnRef>
+              <a:fillRef idx="0">
+                <a:schemeClr val="accent1"/>
+              </a:fillRef>
+              <a:effectRef idx="0">
+                <a:schemeClr val="accent1"/>
+              </a:effectRef>
+              <a:fontRef idx="minor">
+                <a:schemeClr val="tx1"/>
+              </a:fontRef>
+            </p:style>
+          </p:cxnSp>
+        </p:grpSp>
         <p:sp>
           <p:nvSpPr>
-            <p:cNvPr id="71" name="타원 70"/>
-            <p:cNvSpPr/>
+            <p:cNvPr id="74" name="TextBox 73"/>
+            <p:cNvSpPr txBox="1"/>
             <p:nvPr/>
           </p:nvSpPr>
           <p:spPr>
-            <a:xfrm>
-              <a:off x="5764817" y="2081712"/>
-              <a:ext cx="254984" cy="254984"/>
+            <a:xfrm rot="2373847">
+              <a:off x="6212997" y="740132"/>
+              <a:ext cx="798617" cy="430887"/>
             </a:xfrm>
-            <a:prstGeom prst="ellipse">
+            <a:prstGeom prst="rect">
               <a:avLst/>
             </a:prstGeom>
-            <a:solidFill>
-              <a:schemeClr val="accent1"/>
-            </a:solidFill>
-            <a:ln w="38100">
-              <a:solidFill>
-                <a:schemeClr val="accent1"/>
-              </a:solidFill>
-            </a:ln>
+            <a:noFill/>
           </p:spPr>
-          <p:style>
-            <a:lnRef idx="2">
-              <a:schemeClr val="accent1">
-                <a:shade val="50000"/>
-              </a:schemeClr>
-            </a:lnRef>
-            <a:fillRef idx="1">
-              <a:schemeClr val="accent1"/>
-            </a:fillRef>
-            <a:effectRef idx="0">
-              <a:schemeClr val="accent1"/>
-            </a:effectRef>
-            <a:fontRef idx="minor">
-              <a:schemeClr val="lt1"/>
-            </a:fontRef>
-          </p:style>
           <p:txBody>
-            <a:bodyPr rtlCol="0" anchor="ctr"/>
+            <a:bodyPr wrap="none" rtlCol="0">
+              <a:spAutoFit/>
+            </a:bodyPr>
             <a:lstStyle/>
             <a:p>
               <a:pPr algn="ctr"/>
-              <a:endParaRPr lang="ko-KR" altLang="en-US"/>
+              <a:r>
+                <a:rPr lang="ko-KR" altLang="en-US" sz="1100" dirty="0"/>
+                <a:t>권한 확인</a:t>
+              </a:r>
+              <a:endParaRPr lang="en-US" altLang="ko-KR" sz="1100" dirty="0"/>
+            </a:p>
+            <a:p>
+              <a:pPr algn="ctr"/>
+              <a:r>
+                <a:rPr lang="ko-KR" altLang="en-US" sz="1100" dirty="0"/>
+                <a:t>정보</a:t>
+              </a:r>
+              <a:endParaRPr lang="ko-KR" altLang="en-US" sz="1600" dirty="0"/>
             </a:p>
           </p:txBody>
         </p:sp>
-        <p:cxnSp>
-          <p:nvCxnSpPr>
-            <p:cNvPr id="73" name="직선 연결선 72"/>
-            <p:cNvCxnSpPr>
-              <a:endCxn id="71" idx="5"/>
-            </p:cNvCxnSpPr>
-            <p:nvPr/>
-          </p:nvCxnSpPr>
-          <p:spPr>
-            <a:xfrm flipH="1" flipV="1">
-              <a:off x="5982459" y="2299354"/>
-              <a:ext cx="247653" cy="212198"/>
-            </a:xfrm>
-            <a:prstGeom prst="line">
-              <a:avLst/>
-            </a:prstGeom>
-            <a:ln w="38100">
-              <a:headEnd type="stealth" w="lg" len="lg"/>
-            </a:ln>
-          </p:spPr>
-          <p:style>
-            <a:lnRef idx="1">
-              <a:schemeClr val="accent1"/>
-            </a:lnRef>
-            <a:fillRef idx="0">
-              <a:schemeClr val="accent1"/>
-            </a:fillRef>
-            <a:effectRef idx="0">
-              <a:schemeClr val="accent1"/>
-            </a:effectRef>
-            <a:fontRef idx="minor">
-              <a:schemeClr val="tx1"/>
-            </a:fontRef>
-          </p:style>
-        </p:cxnSp>
       </p:grpSp>
-      <p:sp>
-        <p:nvSpPr>
-          <p:cNvPr id="74" name="TextBox 73"/>
-          <p:cNvSpPr txBox="1"/>
-          <p:nvPr/>
-        </p:nvSpPr>
-        <p:spPr>
-          <a:xfrm rot="2373847">
-            <a:off x="6212997" y="740132"/>
-            <a:ext cx="798617" cy="430887"/>
-          </a:xfrm>
-          <a:prstGeom prst="rect">
-            <a:avLst/>
-          </a:prstGeom>
-          <a:noFill/>
-        </p:spPr>
-        <p:txBody>
-          <a:bodyPr wrap="none" rtlCol="0">
-            <a:spAutoFit/>
-          </a:bodyPr>
-          <a:lstStyle/>
-          <a:p>
-            <a:pPr algn="ctr"/>
-            <a:r>
-              <a:rPr lang="ko-KR" altLang="en-US" sz="1100" dirty="0"/>
-              <a:t>권한 확인</a:t>
-            </a:r>
-            <a:endParaRPr lang="en-US" altLang="ko-KR" sz="1100" dirty="0"/>
-          </a:p>
-          <a:p>
-            <a:pPr algn="ctr"/>
-            <a:r>
-              <a:rPr lang="ko-KR" altLang="en-US" sz="1100" dirty="0"/>
-              <a:t>정보</a:t>
-            </a:r>
-            <a:endParaRPr lang="ko-KR" altLang="en-US" sz="1600" dirty="0"/>
-          </a:p>
-        </p:txBody>
-      </p:sp>
       <p:sp>
         <p:nvSpPr>
           <p:cNvPr id="57" name="직사각형 56"/>
@@ -4623,6 +4641,2894 @@
 </file>
 
 <file path=ppt/slides/slide2.xml><?xml version="1.0" encoding="utf-8"?>
+<p:sld xmlns:a="http://schemas.openxmlformats.org/drawingml/2006/main" xmlns:r="http://schemas.openxmlformats.org/officeDocument/2006/relationships" xmlns:p="http://schemas.openxmlformats.org/presentationml/2006/main">
+  <p:cSld>
+    <p:spTree>
+      <p:nvGrpSpPr>
+        <p:cNvPr id="1" name=""/>
+        <p:cNvGrpSpPr/>
+        <p:nvPr/>
+      </p:nvGrpSpPr>
+      <p:grpSpPr>
+        <a:xfrm>
+          <a:off x="0" y="0"/>
+          <a:ext cx="0" cy="0"/>
+          <a:chOff x="0" y="0"/>
+          <a:chExt cx="0" cy="0"/>
+        </a:xfrm>
+      </p:grpSpPr>
+      <p:grpSp>
+        <p:nvGrpSpPr>
+          <p:cNvPr id="4" name="그룹 3"/>
+          <p:cNvGrpSpPr/>
+          <p:nvPr/>
+        </p:nvGrpSpPr>
+        <p:grpSpPr>
+          <a:xfrm>
+            <a:off x="2995121" y="208266"/>
+            <a:ext cx="5907348" cy="3194063"/>
+            <a:chOff x="3188305" y="1882520"/>
+            <a:chExt cx="5907348" cy="3194063"/>
+          </a:xfrm>
+        </p:grpSpPr>
+        <p:sp>
+          <p:nvSpPr>
+            <p:cNvPr id="5" name="직사각형 4"/>
+            <p:cNvSpPr/>
+            <p:nvPr/>
+          </p:nvSpPr>
+          <p:spPr>
+            <a:xfrm>
+              <a:off x="5363483" y="4350452"/>
+              <a:ext cx="1556992" cy="726131"/>
+            </a:xfrm>
+            <a:prstGeom prst="rect">
+              <a:avLst/>
+            </a:prstGeom>
+            <a:noFill/>
+            <a:ln w="31750">
+              <a:solidFill>
+                <a:schemeClr val="accent1">
+                  <a:shade val="50000"/>
+                </a:schemeClr>
+              </a:solidFill>
+            </a:ln>
+          </p:spPr>
+          <p:style>
+            <a:lnRef idx="2">
+              <a:schemeClr val="accent1">
+                <a:shade val="50000"/>
+              </a:schemeClr>
+            </a:lnRef>
+            <a:fillRef idx="1">
+              <a:schemeClr val="accent1"/>
+            </a:fillRef>
+            <a:effectRef idx="0">
+              <a:schemeClr val="accent1"/>
+            </a:effectRef>
+            <a:fontRef idx="minor">
+              <a:schemeClr val="lt1"/>
+            </a:fontRef>
+          </p:style>
+          <p:txBody>
+            <a:bodyPr rtlCol="0" anchor="ctr"/>
+            <a:lstStyle/>
+            <a:p>
+              <a:pPr algn="ctr"/>
+              <a:r>
+                <a:rPr lang="ko-KR" altLang="en-US" sz="1100" dirty="0" smtClean="0">
+                  <a:solidFill>
+                    <a:sysClr val="windowText" lastClr="000000"/>
+                  </a:solidFill>
+                </a:rPr>
+                <a:t>강의평가 </a:t>
+              </a:r>
+              <a:r>
+                <a:rPr lang="ko-KR" altLang="en-US" sz="1100" dirty="0" smtClean="0">
+                  <a:solidFill>
+                    <a:sysClr val="windowText" lastClr="000000"/>
+                  </a:solidFill>
+                </a:rPr>
+                <a:t>결과 변환</a:t>
+              </a:r>
+              <a:endParaRPr lang="ko-KR" altLang="en-US" sz="1100" dirty="0">
+                <a:solidFill>
+                  <a:sysClr val="windowText" lastClr="000000"/>
+                </a:solidFill>
+              </a:endParaRPr>
+            </a:p>
+          </p:txBody>
+        </p:sp>
+        <p:sp>
+          <p:nvSpPr>
+            <p:cNvPr id="6" name="직사각형 5"/>
+            <p:cNvSpPr/>
+            <p:nvPr/>
+          </p:nvSpPr>
+          <p:spPr>
+            <a:xfrm>
+              <a:off x="5363483" y="1882520"/>
+              <a:ext cx="1556992" cy="726131"/>
+            </a:xfrm>
+            <a:prstGeom prst="rect">
+              <a:avLst/>
+            </a:prstGeom>
+            <a:noFill/>
+            <a:ln w="31750">
+              <a:solidFill>
+                <a:schemeClr val="accent1">
+                  <a:shade val="50000"/>
+                </a:schemeClr>
+              </a:solidFill>
+            </a:ln>
+          </p:spPr>
+          <p:style>
+            <a:lnRef idx="2">
+              <a:schemeClr val="accent1">
+                <a:shade val="50000"/>
+              </a:schemeClr>
+            </a:lnRef>
+            <a:fillRef idx="1">
+              <a:schemeClr val="accent1"/>
+            </a:fillRef>
+            <a:effectRef idx="0">
+              <a:schemeClr val="accent1"/>
+            </a:effectRef>
+            <a:fontRef idx="minor">
+              <a:schemeClr val="lt1"/>
+            </a:fontRef>
+          </p:style>
+          <p:txBody>
+            <a:bodyPr rtlCol="0" anchor="ctr"/>
+            <a:lstStyle/>
+            <a:p>
+              <a:pPr algn="ctr"/>
+              <a:r>
+                <a:rPr lang="ko-KR" altLang="en-US" sz="1100" dirty="0">
+                  <a:solidFill>
+                    <a:sysClr val="windowText" lastClr="000000"/>
+                  </a:solidFill>
+                </a:rPr>
+                <a:t>강의평가 결과 </a:t>
+              </a:r>
+              <a:endParaRPr lang="en-US" altLang="ko-KR" sz="1100" dirty="0" smtClean="0">
+                <a:solidFill>
+                  <a:sysClr val="windowText" lastClr="000000"/>
+                </a:solidFill>
+              </a:endParaRPr>
+            </a:p>
+            <a:p>
+              <a:pPr algn="ctr"/>
+              <a:r>
+                <a:rPr lang="ko-KR" altLang="en-US" sz="1100" dirty="0" smtClean="0">
+                  <a:solidFill>
+                    <a:sysClr val="windowText" lastClr="000000"/>
+                  </a:solidFill>
+                </a:rPr>
+                <a:t>조회 처리</a:t>
+              </a:r>
+              <a:endParaRPr lang="ko-KR" altLang="en-US" sz="1100" dirty="0">
+                <a:solidFill>
+                  <a:sysClr val="windowText" lastClr="000000"/>
+                </a:solidFill>
+              </a:endParaRPr>
+            </a:p>
+          </p:txBody>
+        </p:sp>
+        <p:sp>
+          <p:nvSpPr>
+            <p:cNvPr id="7" name="직사각형 6"/>
+            <p:cNvSpPr/>
+            <p:nvPr/>
+          </p:nvSpPr>
+          <p:spPr>
+            <a:xfrm>
+              <a:off x="3188305" y="4350451"/>
+              <a:ext cx="1556992" cy="726131"/>
+            </a:xfrm>
+            <a:prstGeom prst="rect">
+              <a:avLst/>
+            </a:prstGeom>
+            <a:noFill/>
+            <a:ln w="31750">
+              <a:solidFill>
+                <a:schemeClr val="accent1">
+                  <a:shade val="50000"/>
+                </a:schemeClr>
+              </a:solidFill>
+            </a:ln>
+          </p:spPr>
+          <p:style>
+            <a:lnRef idx="2">
+              <a:schemeClr val="accent1">
+                <a:shade val="50000"/>
+              </a:schemeClr>
+            </a:lnRef>
+            <a:fillRef idx="1">
+              <a:schemeClr val="accent1"/>
+            </a:fillRef>
+            <a:effectRef idx="0">
+              <a:schemeClr val="accent1"/>
+            </a:effectRef>
+            <a:fontRef idx="minor">
+              <a:schemeClr val="lt1"/>
+            </a:fontRef>
+          </p:style>
+          <p:txBody>
+            <a:bodyPr rtlCol="0" anchor="ctr"/>
+            <a:lstStyle/>
+            <a:p>
+              <a:pPr algn="ctr"/>
+              <a:r>
+                <a:rPr lang="ko-KR" altLang="en-US" sz="1100" dirty="0" smtClean="0">
+                  <a:solidFill>
+                    <a:schemeClr val="tx1"/>
+                  </a:solidFill>
+                </a:rPr>
+                <a:t>강의평가 결과 입력</a:t>
+              </a:r>
+              <a:endParaRPr lang="en-US" altLang="ko-KR" sz="1100" dirty="0" smtClean="0">
+                <a:solidFill>
+                  <a:schemeClr val="tx1"/>
+                </a:solidFill>
+              </a:endParaRPr>
+            </a:p>
+          </p:txBody>
+        </p:sp>
+        <p:cxnSp>
+          <p:nvCxnSpPr>
+            <p:cNvPr id="8" name="직선 화살표 연결선 7"/>
+            <p:cNvCxnSpPr>
+              <a:stCxn id="6" idx="2"/>
+              <a:endCxn id="7" idx="0"/>
+            </p:cNvCxnSpPr>
+            <p:nvPr/>
+          </p:nvCxnSpPr>
+          <p:spPr>
+            <a:xfrm flipH="1">
+              <a:off x="3966801" y="2608651"/>
+              <a:ext cx="2175178" cy="1741800"/>
+            </a:xfrm>
+            <a:prstGeom prst="straightConnector1">
+              <a:avLst/>
+            </a:prstGeom>
+            <a:ln w="38100">
+              <a:headEnd w="lg" len="lg"/>
+              <a:tailEnd type="triangle"/>
+            </a:ln>
+          </p:spPr>
+          <p:style>
+            <a:lnRef idx="1">
+              <a:schemeClr val="accent1"/>
+            </a:lnRef>
+            <a:fillRef idx="0">
+              <a:schemeClr val="accent1"/>
+            </a:fillRef>
+            <a:effectRef idx="0">
+              <a:schemeClr val="accent1"/>
+            </a:effectRef>
+            <a:fontRef idx="minor">
+              <a:schemeClr val="tx1"/>
+            </a:fontRef>
+          </p:style>
+        </p:cxnSp>
+        <p:cxnSp>
+          <p:nvCxnSpPr>
+            <p:cNvPr id="9" name="직선 화살표 연결선 8"/>
+            <p:cNvCxnSpPr>
+              <a:stCxn id="6" idx="2"/>
+              <a:endCxn id="5" idx="0"/>
+            </p:cNvCxnSpPr>
+            <p:nvPr/>
+          </p:nvCxnSpPr>
+          <p:spPr>
+            <a:xfrm>
+              <a:off x="6141979" y="2608651"/>
+              <a:ext cx="0" cy="1741801"/>
+            </a:xfrm>
+            <a:prstGeom prst="straightConnector1">
+              <a:avLst/>
+            </a:prstGeom>
+            <a:ln w="38100">
+              <a:headEnd w="lg" len="lg"/>
+              <a:tailEnd type="triangle"/>
+            </a:ln>
+          </p:spPr>
+          <p:style>
+            <a:lnRef idx="1">
+              <a:schemeClr val="accent1"/>
+            </a:lnRef>
+            <a:fillRef idx="0">
+              <a:schemeClr val="accent1"/>
+            </a:fillRef>
+            <a:effectRef idx="0">
+              <a:schemeClr val="accent1"/>
+            </a:effectRef>
+            <a:fontRef idx="minor">
+              <a:schemeClr val="tx1"/>
+            </a:fontRef>
+          </p:style>
+        </p:cxnSp>
+        <p:sp>
+          <p:nvSpPr>
+            <p:cNvPr id="10" name="직사각형 9"/>
+            <p:cNvSpPr/>
+            <p:nvPr/>
+          </p:nvSpPr>
+          <p:spPr>
+            <a:xfrm>
+              <a:off x="7538661" y="4350451"/>
+              <a:ext cx="1556992" cy="726131"/>
+            </a:xfrm>
+            <a:prstGeom prst="rect">
+              <a:avLst/>
+            </a:prstGeom>
+            <a:noFill/>
+            <a:ln w="31750">
+              <a:solidFill>
+                <a:schemeClr val="accent1">
+                  <a:shade val="50000"/>
+                </a:schemeClr>
+              </a:solidFill>
+            </a:ln>
+          </p:spPr>
+          <p:style>
+            <a:lnRef idx="2">
+              <a:schemeClr val="accent1">
+                <a:shade val="50000"/>
+              </a:schemeClr>
+            </a:lnRef>
+            <a:fillRef idx="1">
+              <a:schemeClr val="accent1"/>
+            </a:fillRef>
+            <a:effectRef idx="0">
+              <a:schemeClr val="accent1"/>
+            </a:effectRef>
+            <a:fontRef idx="minor">
+              <a:schemeClr val="lt1"/>
+            </a:fontRef>
+          </p:style>
+          <p:txBody>
+            <a:bodyPr rtlCol="0" anchor="ctr"/>
+            <a:lstStyle/>
+            <a:p>
+              <a:pPr algn="ctr"/>
+              <a:r>
+                <a:rPr lang="ko-KR" altLang="en-US" sz="1100" dirty="0" smtClean="0">
+                  <a:solidFill>
+                    <a:sysClr val="windowText" lastClr="000000"/>
+                  </a:solidFill>
+                </a:rPr>
+                <a:t>강의평가 </a:t>
+              </a:r>
+              <a:r>
+                <a:rPr lang="ko-KR" altLang="en-US" sz="1100" dirty="0" smtClean="0">
+                  <a:solidFill>
+                    <a:sysClr val="windowText" lastClr="000000"/>
+                  </a:solidFill>
+                </a:rPr>
+                <a:t>결과 출력</a:t>
+              </a:r>
+              <a:endParaRPr lang="ko-KR" altLang="en-US" sz="1100" dirty="0">
+                <a:solidFill>
+                  <a:sysClr val="windowText" lastClr="000000"/>
+                </a:solidFill>
+              </a:endParaRPr>
+            </a:p>
+          </p:txBody>
+        </p:sp>
+        <p:cxnSp>
+          <p:nvCxnSpPr>
+            <p:cNvPr id="11" name="직선 화살표 연결선 10"/>
+            <p:cNvCxnSpPr>
+              <a:stCxn id="6" idx="2"/>
+              <a:endCxn id="10" idx="0"/>
+            </p:cNvCxnSpPr>
+            <p:nvPr/>
+          </p:nvCxnSpPr>
+          <p:spPr>
+            <a:xfrm>
+              <a:off x="6141979" y="2608651"/>
+              <a:ext cx="2175178" cy="1741800"/>
+            </a:xfrm>
+            <a:prstGeom prst="straightConnector1">
+              <a:avLst/>
+            </a:prstGeom>
+            <a:ln w="38100">
+              <a:tailEnd type="triangle"/>
+            </a:ln>
+          </p:spPr>
+          <p:style>
+            <a:lnRef idx="1">
+              <a:schemeClr val="accent1"/>
+            </a:lnRef>
+            <a:fillRef idx="0">
+              <a:schemeClr val="accent1"/>
+            </a:fillRef>
+            <a:effectRef idx="0">
+              <a:schemeClr val="accent1"/>
+            </a:effectRef>
+            <a:fontRef idx="minor">
+              <a:schemeClr val="tx1"/>
+            </a:fontRef>
+          </p:style>
+        </p:cxnSp>
+      </p:grpSp>
+      <p:sp>
+        <p:nvSpPr>
+          <p:cNvPr id="37" name="직사각형 36"/>
+          <p:cNvSpPr/>
+          <p:nvPr/>
+        </p:nvSpPr>
+        <p:spPr>
+          <a:xfrm>
+            <a:off x="5925902" y="6220048"/>
+            <a:ext cx="1556992" cy="726131"/>
+          </a:xfrm>
+          <a:prstGeom prst="rect">
+            <a:avLst/>
+          </a:prstGeom>
+          <a:noFill/>
+          <a:ln w="31750">
+            <a:solidFill>
+              <a:schemeClr val="accent1">
+                <a:shade val="50000"/>
+              </a:schemeClr>
+            </a:solidFill>
+          </a:ln>
+        </p:spPr>
+        <p:style>
+          <a:lnRef idx="2">
+            <a:schemeClr val="accent1">
+              <a:shade val="50000"/>
+            </a:schemeClr>
+          </a:lnRef>
+          <a:fillRef idx="1">
+            <a:schemeClr val="accent1"/>
+          </a:fillRef>
+          <a:effectRef idx="0">
+            <a:schemeClr val="accent1"/>
+          </a:effectRef>
+          <a:fontRef idx="minor">
+            <a:schemeClr val="lt1"/>
+          </a:fontRef>
+        </p:style>
+        <p:txBody>
+          <a:bodyPr rtlCol="0" anchor="ctr"/>
+          <a:lstStyle/>
+          <a:p>
+            <a:pPr algn="ctr"/>
+            <a:r>
+              <a:rPr lang="ko-KR" altLang="en-US" sz="1100" dirty="0" smtClean="0">
+                <a:solidFill>
+                  <a:sysClr val="windowText" lastClr="000000"/>
+                </a:solidFill>
+              </a:rPr>
+              <a:t>강의평가 </a:t>
+            </a:r>
+            <a:r>
+              <a:rPr lang="ko-KR" altLang="en-US" sz="1100" dirty="0" smtClean="0">
+                <a:solidFill>
+                  <a:sysClr val="windowText" lastClr="000000"/>
+                </a:solidFill>
+              </a:rPr>
+              <a:t>결과 </a:t>
+            </a:r>
+            <a:endParaRPr lang="en-US" altLang="ko-KR" sz="1100" dirty="0" smtClean="0">
+              <a:solidFill>
+                <a:sysClr val="windowText" lastClr="000000"/>
+              </a:solidFill>
+            </a:endParaRPr>
+          </a:p>
+          <a:p>
+            <a:pPr algn="ctr"/>
+            <a:r>
+              <a:rPr lang="ko-KR" altLang="en-US" sz="1100" dirty="0" smtClean="0">
+                <a:solidFill>
+                  <a:sysClr val="windowText" lastClr="000000"/>
+                </a:solidFill>
+              </a:rPr>
+              <a:t>자료 조회</a:t>
+            </a:r>
+            <a:endParaRPr lang="ko-KR" altLang="en-US" sz="1100" dirty="0">
+              <a:solidFill>
+                <a:sysClr val="windowText" lastClr="000000"/>
+              </a:solidFill>
+            </a:endParaRPr>
+          </a:p>
+        </p:txBody>
+      </p:sp>
+      <p:sp>
+        <p:nvSpPr>
+          <p:cNvPr id="39" name="직사각형 38"/>
+          <p:cNvSpPr/>
+          <p:nvPr/>
+        </p:nvSpPr>
+        <p:spPr>
+          <a:xfrm>
+            <a:off x="3463100" y="6227333"/>
+            <a:ext cx="1556992" cy="726131"/>
+          </a:xfrm>
+          <a:prstGeom prst="rect">
+            <a:avLst/>
+          </a:prstGeom>
+          <a:noFill/>
+          <a:ln w="31750">
+            <a:solidFill>
+              <a:schemeClr val="accent1">
+                <a:shade val="50000"/>
+              </a:schemeClr>
+            </a:solidFill>
+          </a:ln>
+        </p:spPr>
+        <p:style>
+          <a:lnRef idx="2">
+            <a:schemeClr val="accent1">
+              <a:shade val="50000"/>
+            </a:schemeClr>
+          </a:lnRef>
+          <a:fillRef idx="1">
+            <a:schemeClr val="accent1"/>
+          </a:fillRef>
+          <a:effectRef idx="0">
+            <a:schemeClr val="accent1"/>
+          </a:effectRef>
+          <a:fontRef idx="minor">
+            <a:schemeClr val="lt1"/>
+          </a:fontRef>
+        </p:style>
+        <p:txBody>
+          <a:bodyPr rtlCol="0" anchor="ctr"/>
+          <a:lstStyle/>
+          <a:p>
+            <a:pPr algn="ctr"/>
+            <a:r>
+              <a:rPr lang="ko-KR" altLang="en-US" sz="1100" dirty="0" smtClean="0">
+                <a:solidFill>
+                  <a:schemeClr val="tx1"/>
+                </a:solidFill>
+              </a:rPr>
+              <a:t>강의평가 결과 </a:t>
+            </a:r>
+            <a:endParaRPr lang="en-US" altLang="ko-KR" sz="1100" dirty="0" smtClean="0">
+              <a:solidFill>
+                <a:schemeClr val="tx1"/>
+              </a:solidFill>
+            </a:endParaRPr>
+          </a:p>
+          <a:p>
+            <a:pPr algn="ctr"/>
+            <a:r>
+              <a:rPr lang="ko-KR" altLang="en-US" sz="1100" dirty="0" smtClean="0">
+                <a:solidFill>
+                  <a:schemeClr val="tx1"/>
+                </a:solidFill>
+              </a:rPr>
+              <a:t>조회 권한 확인</a:t>
+            </a:r>
+            <a:endParaRPr lang="ko-KR" altLang="en-US" sz="1100" dirty="0">
+              <a:solidFill>
+                <a:schemeClr val="tx1"/>
+              </a:solidFill>
+            </a:endParaRPr>
+          </a:p>
+        </p:txBody>
+      </p:sp>
+      <p:cxnSp>
+        <p:nvCxnSpPr>
+          <p:cNvPr id="40" name="직선 화살표 연결선 39"/>
+          <p:cNvCxnSpPr>
+            <a:stCxn id="5" idx="2"/>
+            <a:endCxn id="39" idx="0"/>
+          </p:cNvCxnSpPr>
+          <p:nvPr/>
+        </p:nvCxnSpPr>
+        <p:spPr>
+          <a:xfrm flipH="1">
+            <a:off x="4241596" y="3402329"/>
+            <a:ext cx="1707199" cy="2825004"/>
+          </a:xfrm>
+          <a:prstGeom prst="straightConnector1">
+            <a:avLst/>
+          </a:prstGeom>
+          <a:ln w="38100">
+            <a:headEnd w="lg" len="lg"/>
+            <a:tailEnd type="triangle"/>
+          </a:ln>
+        </p:spPr>
+        <p:style>
+          <a:lnRef idx="1">
+            <a:schemeClr val="accent1"/>
+          </a:lnRef>
+          <a:fillRef idx="0">
+            <a:schemeClr val="accent1"/>
+          </a:fillRef>
+          <a:effectRef idx="0">
+            <a:schemeClr val="accent1"/>
+          </a:effectRef>
+          <a:fontRef idx="minor">
+            <a:schemeClr val="tx1"/>
+          </a:fontRef>
+        </p:style>
+      </p:cxnSp>
+      <p:cxnSp>
+        <p:nvCxnSpPr>
+          <p:cNvPr id="41" name="직선 화살표 연결선 40"/>
+          <p:cNvCxnSpPr>
+            <a:stCxn id="5" idx="2"/>
+            <a:endCxn id="37" idx="0"/>
+          </p:cNvCxnSpPr>
+          <p:nvPr/>
+        </p:nvCxnSpPr>
+        <p:spPr>
+          <a:xfrm>
+            <a:off x="5948795" y="3402329"/>
+            <a:ext cx="755603" cy="2817719"/>
+          </a:xfrm>
+          <a:prstGeom prst="straightConnector1">
+            <a:avLst/>
+          </a:prstGeom>
+          <a:ln w="38100">
+            <a:headEnd w="lg" len="lg"/>
+            <a:tailEnd type="triangle"/>
+          </a:ln>
+        </p:spPr>
+        <p:style>
+          <a:lnRef idx="1">
+            <a:schemeClr val="accent1"/>
+          </a:lnRef>
+          <a:fillRef idx="0">
+            <a:schemeClr val="accent1"/>
+          </a:fillRef>
+          <a:effectRef idx="0">
+            <a:schemeClr val="accent1"/>
+          </a:effectRef>
+          <a:fontRef idx="minor">
+            <a:schemeClr val="tx1"/>
+          </a:fontRef>
+        </p:style>
+      </p:cxnSp>
+      <p:sp>
+        <p:nvSpPr>
+          <p:cNvPr id="51" name="직사각형 50"/>
+          <p:cNvSpPr/>
+          <p:nvPr/>
+        </p:nvSpPr>
+        <p:spPr>
+          <a:xfrm>
+            <a:off x="10430924" y="6204318"/>
+            <a:ext cx="1556992" cy="726131"/>
+          </a:xfrm>
+          <a:prstGeom prst="rect">
+            <a:avLst/>
+          </a:prstGeom>
+          <a:noFill/>
+          <a:ln w="31750">
+            <a:solidFill>
+              <a:schemeClr val="accent1">
+                <a:shade val="50000"/>
+              </a:schemeClr>
+            </a:solidFill>
+          </a:ln>
+        </p:spPr>
+        <p:style>
+          <a:lnRef idx="2">
+            <a:schemeClr val="accent1">
+              <a:shade val="50000"/>
+            </a:schemeClr>
+          </a:lnRef>
+          <a:fillRef idx="1">
+            <a:schemeClr val="accent1"/>
+          </a:fillRef>
+          <a:effectRef idx="0">
+            <a:schemeClr val="accent1"/>
+          </a:effectRef>
+          <a:fontRef idx="minor">
+            <a:schemeClr val="lt1"/>
+          </a:fontRef>
+        </p:style>
+        <p:txBody>
+          <a:bodyPr rtlCol="0" anchor="ctr"/>
+          <a:lstStyle/>
+          <a:p>
+            <a:pPr algn="ctr"/>
+            <a:r>
+              <a:rPr lang="ko-KR" altLang="en-US" sz="1100" dirty="0" smtClean="0">
+                <a:solidFill>
+                  <a:sysClr val="windowText" lastClr="000000"/>
+                </a:solidFill>
+              </a:rPr>
+              <a:t>강의평가 결과 </a:t>
+            </a:r>
+            <a:endParaRPr lang="en-US" altLang="ko-KR" sz="1100" dirty="0">
+              <a:solidFill>
+                <a:sysClr val="windowText" lastClr="000000"/>
+              </a:solidFill>
+            </a:endParaRPr>
+          </a:p>
+          <a:p>
+            <a:pPr algn="ctr"/>
+            <a:r>
+              <a:rPr lang="ko-KR" altLang="en-US" sz="1100" dirty="0" smtClean="0">
+                <a:solidFill>
+                  <a:sysClr val="windowText" lastClr="000000"/>
+                </a:solidFill>
+              </a:rPr>
+              <a:t>조회 정보 출력</a:t>
+            </a:r>
+            <a:endParaRPr lang="ko-KR" altLang="en-US" sz="1100" dirty="0">
+              <a:solidFill>
+                <a:sysClr val="windowText" lastClr="000000"/>
+              </a:solidFill>
+            </a:endParaRPr>
+          </a:p>
+        </p:txBody>
+      </p:sp>
+      <p:sp>
+        <p:nvSpPr>
+          <p:cNvPr id="53" name="직사각형 52"/>
+          <p:cNvSpPr/>
+          <p:nvPr/>
+        </p:nvSpPr>
+        <p:spPr>
+          <a:xfrm>
+            <a:off x="7789165" y="6204319"/>
+            <a:ext cx="1556992" cy="726131"/>
+          </a:xfrm>
+          <a:prstGeom prst="rect">
+            <a:avLst/>
+          </a:prstGeom>
+          <a:noFill/>
+          <a:ln w="31750">
+            <a:solidFill>
+              <a:schemeClr val="accent1">
+                <a:shade val="50000"/>
+              </a:schemeClr>
+            </a:solidFill>
+          </a:ln>
+        </p:spPr>
+        <p:style>
+          <a:lnRef idx="2">
+            <a:schemeClr val="accent1">
+              <a:shade val="50000"/>
+            </a:schemeClr>
+          </a:lnRef>
+          <a:fillRef idx="1">
+            <a:schemeClr val="accent1"/>
+          </a:fillRef>
+          <a:effectRef idx="0">
+            <a:schemeClr val="accent1"/>
+          </a:effectRef>
+          <a:fontRef idx="minor">
+            <a:schemeClr val="lt1"/>
+          </a:fontRef>
+        </p:style>
+        <p:txBody>
+          <a:bodyPr rtlCol="0" anchor="ctr"/>
+          <a:lstStyle/>
+          <a:p>
+            <a:pPr algn="ctr"/>
+            <a:r>
+              <a:rPr lang="ko-KR" altLang="en-US" sz="1100" dirty="0" smtClean="0">
+                <a:solidFill>
+                  <a:schemeClr val="tx1"/>
+                </a:solidFill>
+              </a:rPr>
+              <a:t>강의평가 결과</a:t>
+            </a:r>
+            <a:endParaRPr lang="en-US" altLang="ko-KR" sz="1100" dirty="0" smtClean="0">
+              <a:solidFill>
+                <a:schemeClr val="tx1"/>
+              </a:solidFill>
+            </a:endParaRPr>
+          </a:p>
+          <a:p>
+            <a:pPr algn="ctr"/>
+            <a:r>
+              <a:rPr lang="ko-KR" altLang="en-US" sz="1100" dirty="0" smtClean="0">
+                <a:solidFill>
+                  <a:schemeClr val="tx1"/>
+                </a:solidFill>
+              </a:rPr>
+              <a:t>조회 권한 오류 출력</a:t>
+            </a:r>
+            <a:endParaRPr lang="ko-KR" altLang="en-US" sz="1100" dirty="0">
+              <a:solidFill>
+                <a:schemeClr val="tx1"/>
+              </a:solidFill>
+            </a:endParaRPr>
+          </a:p>
+        </p:txBody>
+      </p:sp>
+      <p:cxnSp>
+        <p:nvCxnSpPr>
+          <p:cNvPr id="54" name="직선 화살표 연결선 53"/>
+          <p:cNvCxnSpPr>
+            <a:stCxn id="10" idx="2"/>
+            <a:endCxn id="53" idx="0"/>
+          </p:cNvCxnSpPr>
+          <p:nvPr/>
+        </p:nvCxnSpPr>
+        <p:spPr>
+          <a:xfrm>
+            <a:off x="8123973" y="3402328"/>
+            <a:ext cx="443688" cy="2801991"/>
+          </a:xfrm>
+          <a:prstGeom prst="straightConnector1">
+            <a:avLst/>
+          </a:prstGeom>
+          <a:ln w="38100">
+            <a:headEnd w="lg" len="lg"/>
+            <a:tailEnd type="triangle"/>
+          </a:ln>
+        </p:spPr>
+        <p:style>
+          <a:lnRef idx="1">
+            <a:schemeClr val="accent1"/>
+          </a:lnRef>
+          <a:fillRef idx="0">
+            <a:schemeClr val="accent1"/>
+          </a:fillRef>
+          <a:effectRef idx="0">
+            <a:schemeClr val="accent1"/>
+          </a:effectRef>
+          <a:fontRef idx="minor">
+            <a:schemeClr val="tx1"/>
+          </a:fontRef>
+        </p:style>
+      </p:cxnSp>
+      <p:cxnSp>
+        <p:nvCxnSpPr>
+          <p:cNvPr id="55" name="직선 화살표 연결선 54"/>
+          <p:cNvCxnSpPr>
+            <a:stCxn id="10" idx="2"/>
+            <a:endCxn id="51" idx="0"/>
+          </p:cNvCxnSpPr>
+          <p:nvPr/>
+        </p:nvCxnSpPr>
+        <p:spPr>
+          <a:xfrm>
+            <a:off x="8123973" y="3402328"/>
+            <a:ext cx="3085447" cy="2801990"/>
+          </a:xfrm>
+          <a:prstGeom prst="straightConnector1">
+            <a:avLst/>
+          </a:prstGeom>
+          <a:ln w="38100">
+            <a:headEnd w="lg" len="lg"/>
+            <a:tailEnd type="triangle"/>
+          </a:ln>
+        </p:spPr>
+        <p:style>
+          <a:lnRef idx="1">
+            <a:schemeClr val="accent1"/>
+          </a:lnRef>
+          <a:fillRef idx="0">
+            <a:schemeClr val="accent1"/>
+          </a:fillRef>
+          <a:effectRef idx="0">
+            <a:schemeClr val="accent1"/>
+          </a:effectRef>
+          <a:fontRef idx="minor">
+            <a:schemeClr val="tx1"/>
+          </a:fontRef>
+        </p:style>
+      </p:cxnSp>
+      <p:sp>
+        <p:nvSpPr>
+          <p:cNvPr id="78" name="직사각형 77"/>
+          <p:cNvSpPr/>
+          <p:nvPr/>
+        </p:nvSpPr>
+        <p:spPr>
+          <a:xfrm>
+            <a:off x="-876379" y="6220048"/>
+            <a:ext cx="1556992" cy="726131"/>
+          </a:xfrm>
+          <a:prstGeom prst="rect">
+            <a:avLst/>
+          </a:prstGeom>
+          <a:noFill/>
+          <a:ln w="31750">
+            <a:solidFill>
+              <a:schemeClr val="accent1">
+                <a:shade val="50000"/>
+              </a:schemeClr>
+            </a:solidFill>
+          </a:ln>
+        </p:spPr>
+        <p:style>
+          <a:lnRef idx="2">
+            <a:schemeClr val="accent1">
+              <a:shade val="50000"/>
+            </a:schemeClr>
+          </a:lnRef>
+          <a:fillRef idx="1">
+            <a:schemeClr val="accent1"/>
+          </a:fillRef>
+          <a:effectRef idx="0">
+            <a:schemeClr val="accent1"/>
+          </a:effectRef>
+          <a:fontRef idx="minor">
+            <a:schemeClr val="lt1"/>
+          </a:fontRef>
+        </p:style>
+        <p:txBody>
+          <a:bodyPr rtlCol="0" anchor="ctr"/>
+          <a:lstStyle/>
+          <a:p>
+            <a:pPr algn="ctr"/>
+            <a:r>
+              <a:rPr lang="ko-KR" altLang="en-US" sz="1100" dirty="0" smtClean="0">
+                <a:solidFill>
+                  <a:schemeClr val="tx1"/>
+                </a:solidFill>
+              </a:rPr>
+              <a:t>강의평가 결과 </a:t>
+            </a:r>
+            <a:endParaRPr lang="en-US" altLang="ko-KR" sz="1100" dirty="0" smtClean="0">
+              <a:solidFill>
+                <a:schemeClr val="tx1"/>
+              </a:solidFill>
+            </a:endParaRPr>
+          </a:p>
+          <a:p>
+            <a:pPr algn="ctr"/>
+            <a:r>
+              <a:rPr lang="ko-KR" altLang="en-US" sz="1100" dirty="0" smtClean="0">
+                <a:solidFill>
+                  <a:schemeClr val="tx1"/>
+                </a:solidFill>
+              </a:rPr>
+              <a:t>정보 입력</a:t>
+            </a:r>
+            <a:endParaRPr lang="ko-KR" altLang="en-US" sz="1100" dirty="0">
+              <a:solidFill>
+                <a:schemeClr val="tx1"/>
+              </a:solidFill>
+            </a:endParaRPr>
+          </a:p>
+        </p:txBody>
+      </p:sp>
+      <p:cxnSp>
+        <p:nvCxnSpPr>
+          <p:cNvPr id="82" name="직선 화살표 연결선 81"/>
+          <p:cNvCxnSpPr>
+            <a:stCxn id="7" idx="2"/>
+            <a:endCxn id="78" idx="0"/>
+          </p:cNvCxnSpPr>
+          <p:nvPr/>
+        </p:nvCxnSpPr>
+        <p:spPr>
+          <a:xfrm flipH="1">
+            <a:off x="-97883" y="3402328"/>
+            <a:ext cx="3871500" cy="2817720"/>
+          </a:xfrm>
+          <a:prstGeom prst="straightConnector1">
+            <a:avLst/>
+          </a:prstGeom>
+          <a:ln w="38100">
+            <a:tailEnd type="triangle"/>
+          </a:ln>
+        </p:spPr>
+        <p:style>
+          <a:lnRef idx="1">
+            <a:schemeClr val="accent1"/>
+          </a:lnRef>
+          <a:fillRef idx="0">
+            <a:schemeClr val="accent1"/>
+          </a:fillRef>
+          <a:effectRef idx="0">
+            <a:schemeClr val="accent1"/>
+          </a:effectRef>
+          <a:fontRef idx="minor">
+            <a:schemeClr val="tx1"/>
+          </a:fontRef>
+        </p:style>
+      </p:cxnSp>
+      <p:grpSp>
+        <p:nvGrpSpPr>
+          <p:cNvPr id="102" name="그룹 101"/>
+          <p:cNvGrpSpPr/>
+          <p:nvPr/>
+        </p:nvGrpSpPr>
+        <p:grpSpPr>
+          <a:xfrm rot="5152067">
+            <a:off x="4931192" y="4029962"/>
+            <a:ext cx="465295" cy="429840"/>
+            <a:chOff x="5764817" y="2081712"/>
+            <a:chExt cx="465295" cy="429840"/>
+          </a:xfrm>
+        </p:grpSpPr>
+        <p:sp>
+          <p:nvSpPr>
+            <p:cNvPr id="103" name="타원 102"/>
+            <p:cNvSpPr/>
+            <p:nvPr/>
+          </p:nvSpPr>
+          <p:spPr>
+            <a:xfrm>
+              <a:off x="5764817" y="2081712"/>
+              <a:ext cx="254984" cy="254984"/>
+            </a:xfrm>
+            <a:prstGeom prst="ellipse">
+              <a:avLst/>
+            </a:prstGeom>
+            <a:noFill/>
+            <a:ln w="38100">
+              <a:solidFill>
+                <a:schemeClr val="accent1"/>
+              </a:solidFill>
+            </a:ln>
+          </p:spPr>
+          <p:style>
+            <a:lnRef idx="2">
+              <a:schemeClr val="accent1">
+                <a:shade val="50000"/>
+              </a:schemeClr>
+            </a:lnRef>
+            <a:fillRef idx="1">
+              <a:schemeClr val="accent1"/>
+            </a:fillRef>
+            <a:effectRef idx="0">
+              <a:schemeClr val="accent1"/>
+            </a:effectRef>
+            <a:fontRef idx="minor">
+              <a:schemeClr val="lt1"/>
+            </a:fontRef>
+          </p:style>
+          <p:txBody>
+            <a:bodyPr rtlCol="0" anchor="ctr"/>
+            <a:lstStyle/>
+            <a:p>
+              <a:pPr algn="ctr"/>
+              <a:endParaRPr lang="ko-KR" altLang="en-US"/>
+            </a:p>
+          </p:txBody>
+        </p:sp>
+        <p:cxnSp>
+          <p:nvCxnSpPr>
+            <p:cNvPr id="104" name="직선 연결선 103"/>
+            <p:cNvCxnSpPr>
+              <a:endCxn id="103" idx="5"/>
+            </p:cNvCxnSpPr>
+            <p:nvPr/>
+          </p:nvCxnSpPr>
+          <p:spPr>
+            <a:xfrm flipH="1" flipV="1">
+              <a:off x="5982459" y="2299354"/>
+              <a:ext cx="247653" cy="212198"/>
+            </a:xfrm>
+            <a:prstGeom prst="line">
+              <a:avLst/>
+            </a:prstGeom>
+            <a:ln w="38100">
+              <a:headEnd type="stealth" w="lg" len="lg"/>
+            </a:ln>
+          </p:spPr>
+          <p:style>
+            <a:lnRef idx="1">
+              <a:schemeClr val="accent1"/>
+            </a:lnRef>
+            <a:fillRef idx="0">
+              <a:schemeClr val="accent1"/>
+            </a:fillRef>
+            <a:effectRef idx="0">
+              <a:schemeClr val="accent1"/>
+            </a:effectRef>
+            <a:fontRef idx="minor">
+              <a:schemeClr val="tx1"/>
+            </a:fontRef>
+          </p:style>
+        </p:cxnSp>
+      </p:grpSp>
+      <p:sp>
+        <p:nvSpPr>
+          <p:cNvPr id="113" name="TextBox 112"/>
+          <p:cNvSpPr txBox="1"/>
+          <p:nvPr/>
+        </p:nvSpPr>
+        <p:spPr>
+          <a:xfrm rot="18446110">
+            <a:off x="4268154" y="3938067"/>
+            <a:ext cx="1410236" cy="261610"/>
+          </a:xfrm>
+          <a:prstGeom prst="rect">
+            <a:avLst/>
+          </a:prstGeom>
+          <a:noFill/>
+        </p:spPr>
+        <p:txBody>
+          <a:bodyPr wrap="square" rtlCol="0">
+            <a:spAutoFit/>
+          </a:bodyPr>
+          <a:lstStyle/>
+          <a:p>
+            <a:pPr algn="ctr"/>
+            <a:r>
+              <a:rPr lang="ko-KR" altLang="en-US" sz="1100" dirty="0" smtClean="0"/>
+              <a:t>권한 정보</a:t>
+            </a:r>
+            <a:endParaRPr lang="ko-KR" altLang="en-US" sz="1600" dirty="0"/>
+          </a:p>
+        </p:txBody>
+      </p:sp>
+      <p:sp>
+        <p:nvSpPr>
+          <p:cNvPr id="116" name="TextBox 115"/>
+          <p:cNvSpPr txBox="1"/>
+          <p:nvPr/>
+        </p:nvSpPr>
+        <p:spPr>
+          <a:xfrm rot="19088492">
+            <a:off x="3478084" y="1503056"/>
+            <a:ext cx="1863525" cy="261610"/>
+          </a:xfrm>
+          <a:prstGeom prst="rect">
+            <a:avLst/>
+          </a:prstGeom>
+          <a:noFill/>
+        </p:spPr>
+        <p:txBody>
+          <a:bodyPr wrap="square" rtlCol="0">
+            <a:spAutoFit/>
+          </a:bodyPr>
+          <a:lstStyle/>
+          <a:p>
+            <a:pPr algn="ctr"/>
+            <a:r>
+              <a:rPr lang="ko-KR" altLang="en-US" sz="1100" dirty="0"/>
+              <a:t>강의 평가 결과 </a:t>
+            </a:r>
+            <a:r>
+              <a:rPr lang="ko-KR" altLang="en-US" sz="1100" dirty="0" smtClean="0"/>
+              <a:t>조회 정보</a:t>
+            </a:r>
+            <a:endParaRPr lang="ko-KR" altLang="en-US" sz="1600" dirty="0"/>
+          </a:p>
+        </p:txBody>
+      </p:sp>
+      <p:grpSp>
+        <p:nvGrpSpPr>
+          <p:cNvPr id="117" name="그룹 116"/>
+          <p:cNvGrpSpPr/>
+          <p:nvPr/>
+        </p:nvGrpSpPr>
+        <p:grpSpPr>
+          <a:xfrm rot="282253">
+            <a:off x="9250224" y="3998785"/>
+            <a:ext cx="465295" cy="429840"/>
+            <a:chOff x="5764817" y="2081712"/>
+            <a:chExt cx="465295" cy="429840"/>
+          </a:xfrm>
+        </p:grpSpPr>
+        <p:sp>
+          <p:nvSpPr>
+            <p:cNvPr id="118" name="타원 117"/>
+            <p:cNvSpPr/>
+            <p:nvPr/>
+          </p:nvSpPr>
+          <p:spPr>
+            <a:xfrm>
+              <a:off x="5764817" y="2081712"/>
+              <a:ext cx="254984" cy="254984"/>
+            </a:xfrm>
+            <a:prstGeom prst="ellipse">
+              <a:avLst/>
+            </a:prstGeom>
+            <a:noFill/>
+            <a:ln w="38100">
+              <a:solidFill>
+                <a:schemeClr val="accent1"/>
+              </a:solidFill>
+            </a:ln>
+          </p:spPr>
+          <p:style>
+            <a:lnRef idx="2">
+              <a:schemeClr val="accent1">
+                <a:shade val="50000"/>
+              </a:schemeClr>
+            </a:lnRef>
+            <a:fillRef idx="1">
+              <a:schemeClr val="accent1"/>
+            </a:fillRef>
+            <a:effectRef idx="0">
+              <a:schemeClr val="accent1"/>
+            </a:effectRef>
+            <a:fontRef idx="minor">
+              <a:schemeClr val="lt1"/>
+            </a:fontRef>
+          </p:style>
+          <p:txBody>
+            <a:bodyPr rtlCol="0" anchor="ctr"/>
+            <a:lstStyle/>
+            <a:p>
+              <a:pPr algn="ctr"/>
+              <a:endParaRPr lang="ko-KR" altLang="en-US"/>
+            </a:p>
+          </p:txBody>
+        </p:sp>
+        <p:cxnSp>
+          <p:nvCxnSpPr>
+            <p:cNvPr id="119" name="직선 연결선 118"/>
+            <p:cNvCxnSpPr>
+              <a:endCxn id="118" idx="5"/>
+            </p:cNvCxnSpPr>
+            <p:nvPr/>
+          </p:nvCxnSpPr>
+          <p:spPr>
+            <a:xfrm flipH="1" flipV="1">
+              <a:off x="5982459" y="2299354"/>
+              <a:ext cx="247653" cy="212198"/>
+            </a:xfrm>
+            <a:prstGeom prst="line">
+              <a:avLst/>
+            </a:prstGeom>
+            <a:ln w="38100">
+              <a:headEnd type="stealth" w="lg" len="lg"/>
+            </a:ln>
+          </p:spPr>
+          <p:style>
+            <a:lnRef idx="1">
+              <a:schemeClr val="accent1"/>
+            </a:lnRef>
+            <a:fillRef idx="0">
+              <a:schemeClr val="accent1"/>
+            </a:fillRef>
+            <a:effectRef idx="0">
+              <a:schemeClr val="accent1"/>
+            </a:effectRef>
+            <a:fontRef idx="minor">
+              <a:schemeClr val="tx1"/>
+            </a:fontRef>
+          </p:style>
+        </p:cxnSp>
+      </p:grpSp>
+      <p:sp>
+        <p:nvSpPr>
+          <p:cNvPr id="120" name="TextBox 119"/>
+          <p:cNvSpPr txBox="1"/>
+          <p:nvPr/>
+        </p:nvSpPr>
+        <p:spPr>
+          <a:xfrm rot="2557281">
+            <a:off x="8765027" y="4012466"/>
+            <a:ext cx="2076209" cy="261610"/>
+          </a:xfrm>
+          <a:prstGeom prst="rect">
+            <a:avLst/>
+          </a:prstGeom>
+          <a:noFill/>
+        </p:spPr>
+        <p:txBody>
+          <a:bodyPr wrap="none" rtlCol="0">
+            <a:spAutoFit/>
+          </a:bodyPr>
+          <a:lstStyle/>
+          <a:p>
+            <a:r>
+              <a:rPr lang="ko-KR" altLang="en-US" sz="1100" dirty="0"/>
+              <a:t>강의평가 결과 조회 결과 정보</a:t>
+            </a:r>
+          </a:p>
+        </p:txBody>
+      </p:sp>
+      <p:grpSp>
+        <p:nvGrpSpPr>
+          <p:cNvPr id="121" name="그룹 120"/>
+          <p:cNvGrpSpPr/>
+          <p:nvPr/>
+        </p:nvGrpSpPr>
+        <p:grpSpPr>
+          <a:xfrm rot="16200000">
+            <a:off x="4392119" y="1520937"/>
+            <a:ext cx="465295" cy="429840"/>
+            <a:chOff x="5764817" y="2081712"/>
+            <a:chExt cx="465295" cy="429840"/>
+          </a:xfrm>
+        </p:grpSpPr>
+        <p:sp>
+          <p:nvSpPr>
+            <p:cNvPr id="122" name="타원 121"/>
+            <p:cNvSpPr/>
+            <p:nvPr/>
+          </p:nvSpPr>
+          <p:spPr>
+            <a:xfrm>
+              <a:off x="5764817" y="2081712"/>
+              <a:ext cx="254984" cy="254984"/>
+            </a:xfrm>
+            <a:prstGeom prst="ellipse">
+              <a:avLst/>
+            </a:prstGeom>
+            <a:noFill/>
+            <a:ln w="38100">
+              <a:solidFill>
+                <a:schemeClr val="accent1"/>
+              </a:solidFill>
+            </a:ln>
+          </p:spPr>
+          <p:style>
+            <a:lnRef idx="2">
+              <a:schemeClr val="accent1">
+                <a:shade val="50000"/>
+              </a:schemeClr>
+            </a:lnRef>
+            <a:fillRef idx="1">
+              <a:schemeClr val="accent1"/>
+            </a:fillRef>
+            <a:effectRef idx="0">
+              <a:schemeClr val="accent1"/>
+            </a:effectRef>
+            <a:fontRef idx="minor">
+              <a:schemeClr val="lt1"/>
+            </a:fontRef>
+          </p:style>
+          <p:txBody>
+            <a:bodyPr rtlCol="0" anchor="ctr"/>
+            <a:lstStyle/>
+            <a:p>
+              <a:pPr algn="ctr"/>
+              <a:endParaRPr lang="ko-KR" altLang="en-US"/>
+            </a:p>
+          </p:txBody>
+        </p:sp>
+        <p:cxnSp>
+          <p:nvCxnSpPr>
+            <p:cNvPr id="123" name="직선 연결선 122"/>
+            <p:cNvCxnSpPr>
+              <a:endCxn id="122" idx="5"/>
+            </p:cNvCxnSpPr>
+            <p:nvPr/>
+          </p:nvCxnSpPr>
+          <p:spPr>
+            <a:xfrm flipH="1" flipV="1">
+              <a:off x="5982459" y="2299354"/>
+              <a:ext cx="247653" cy="212198"/>
+            </a:xfrm>
+            <a:prstGeom prst="line">
+              <a:avLst/>
+            </a:prstGeom>
+            <a:ln w="38100">
+              <a:headEnd type="stealth" w="lg" len="lg"/>
+            </a:ln>
+          </p:spPr>
+          <p:style>
+            <a:lnRef idx="1">
+              <a:schemeClr val="accent1"/>
+            </a:lnRef>
+            <a:fillRef idx="0">
+              <a:schemeClr val="accent1"/>
+            </a:fillRef>
+            <a:effectRef idx="0">
+              <a:schemeClr val="accent1"/>
+            </a:effectRef>
+            <a:fontRef idx="minor">
+              <a:schemeClr val="tx1"/>
+            </a:fontRef>
+          </p:style>
+        </p:cxnSp>
+      </p:grpSp>
+      <p:sp>
+        <p:nvSpPr>
+          <p:cNvPr id="124" name="직사각형 123"/>
+          <p:cNvSpPr/>
+          <p:nvPr/>
+        </p:nvSpPr>
+        <p:spPr>
+          <a:xfrm>
+            <a:off x="1148592" y="6229062"/>
+            <a:ext cx="1556992" cy="726131"/>
+          </a:xfrm>
+          <a:prstGeom prst="rect">
+            <a:avLst/>
+          </a:prstGeom>
+          <a:noFill/>
+          <a:ln w="31750">
+            <a:solidFill>
+              <a:schemeClr val="accent1">
+                <a:shade val="50000"/>
+              </a:schemeClr>
+            </a:solidFill>
+          </a:ln>
+        </p:spPr>
+        <p:style>
+          <a:lnRef idx="2">
+            <a:schemeClr val="accent1">
+              <a:shade val="50000"/>
+            </a:schemeClr>
+          </a:lnRef>
+          <a:fillRef idx="1">
+            <a:schemeClr val="accent1"/>
+          </a:fillRef>
+          <a:effectRef idx="0">
+            <a:schemeClr val="accent1"/>
+          </a:effectRef>
+          <a:fontRef idx="minor">
+            <a:schemeClr val="lt1"/>
+          </a:fontRef>
+        </p:style>
+        <p:txBody>
+          <a:bodyPr rtlCol="0" anchor="ctr"/>
+          <a:lstStyle/>
+          <a:p>
+            <a:pPr algn="ctr"/>
+            <a:r>
+              <a:rPr lang="ko-KR" altLang="en-US" sz="1100" dirty="0">
+                <a:solidFill>
+                  <a:sysClr val="windowText" lastClr="000000"/>
+                </a:solidFill>
+              </a:rPr>
+              <a:t>강의평가 </a:t>
+            </a:r>
+            <a:r>
+              <a:rPr lang="ko-KR" altLang="en-US" sz="1100" dirty="0" smtClean="0">
+                <a:solidFill>
+                  <a:sysClr val="windowText" lastClr="000000"/>
+                </a:solidFill>
+              </a:rPr>
+              <a:t>결과</a:t>
+            </a:r>
+            <a:endParaRPr lang="en-US" altLang="ko-KR" sz="1100" dirty="0" smtClean="0">
+              <a:solidFill>
+                <a:sysClr val="windowText" lastClr="000000"/>
+              </a:solidFill>
+            </a:endParaRPr>
+          </a:p>
+          <a:p>
+            <a:pPr algn="ctr"/>
+            <a:r>
+              <a:rPr lang="ko-KR" altLang="en-US" sz="1100" dirty="0" smtClean="0">
+                <a:solidFill>
+                  <a:sysClr val="windowText" lastClr="000000"/>
+                </a:solidFill>
+              </a:rPr>
+              <a:t>정보 </a:t>
+            </a:r>
+            <a:r>
+              <a:rPr lang="ko-KR" altLang="en-US" sz="1100" dirty="0">
+                <a:solidFill>
+                  <a:sysClr val="windowText" lastClr="000000"/>
+                </a:solidFill>
+              </a:rPr>
+              <a:t>읽음</a:t>
+            </a:r>
+          </a:p>
+        </p:txBody>
+      </p:sp>
+      <p:cxnSp>
+        <p:nvCxnSpPr>
+          <p:cNvPr id="128" name="직선 화살표 연결선 127"/>
+          <p:cNvCxnSpPr>
+            <a:stCxn id="7" idx="2"/>
+            <a:endCxn id="124" idx="0"/>
+          </p:cNvCxnSpPr>
+          <p:nvPr/>
+        </p:nvCxnSpPr>
+        <p:spPr>
+          <a:xfrm flipH="1">
+            <a:off x="1927088" y="3402328"/>
+            <a:ext cx="1846529" cy="2826734"/>
+          </a:xfrm>
+          <a:prstGeom prst="straightConnector1">
+            <a:avLst/>
+          </a:prstGeom>
+          <a:ln w="38100">
+            <a:tailEnd type="triangle"/>
+          </a:ln>
+        </p:spPr>
+        <p:style>
+          <a:lnRef idx="1">
+            <a:schemeClr val="accent1"/>
+          </a:lnRef>
+          <a:fillRef idx="0">
+            <a:schemeClr val="accent1"/>
+          </a:fillRef>
+          <a:effectRef idx="0">
+            <a:schemeClr val="accent1"/>
+          </a:effectRef>
+          <a:fontRef idx="minor">
+            <a:schemeClr val="tx1"/>
+          </a:fontRef>
+        </p:style>
+      </p:cxnSp>
+      <p:grpSp>
+        <p:nvGrpSpPr>
+          <p:cNvPr id="133" name="그룹 132"/>
+          <p:cNvGrpSpPr/>
+          <p:nvPr/>
+        </p:nvGrpSpPr>
+        <p:grpSpPr>
+          <a:xfrm>
+            <a:off x="6621841" y="1091485"/>
+            <a:ext cx="1295969" cy="542376"/>
+            <a:chOff x="5965431" y="834634"/>
+            <a:chExt cx="1295969" cy="542376"/>
+          </a:xfrm>
+        </p:grpSpPr>
+        <p:grpSp>
+          <p:nvGrpSpPr>
+            <p:cNvPr id="134" name="그룹 133"/>
+            <p:cNvGrpSpPr/>
+            <p:nvPr/>
+          </p:nvGrpSpPr>
+          <p:grpSpPr>
+            <a:xfrm rot="21416685">
+              <a:off x="6135886" y="947170"/>
+              <a:ext cx="465295" cy="429840"/>
+              <a:chOff x="5764817" y="2081712"/>
+              <a:chExt cx="465295" cy="429840"/>
+            </a:xfrm>
+          </p:grpSpPr>
+          <p:sp>
+            <p:nvSpPr>
+              <p:cNvPr id="136" name="타원 135"/>
+              <p:cNvSpPr/>
+              <p:nvPr/>
+            </p:nvSpPr>
+            <p:spPr>
+              <a:xfrm>
+                <a:off x="5764817" y="2081712"/>
+                <a:ext cx="254984" cy="254984"/>
+              </a:xfrm>
+              <a:prstGeom prst="ellipse">
+                <a:avLst/>
+              </a:prstGeom>
+              <a:solidFill>
+                <a:schemeClr val="accent1"/>
+              </a:solidFill>
+              <a:ln w="38100">
+                <a:solidFill>
+                  <a:schemeClr val="accent1"/>
+                </a:solidFill>
+              </a:ln>
+            </p:spPr>
+            <p:style>
+              <a:lnRef idx="2">
+                <a:schemeClr val="accent1">
+                  <a:shade val="50000"/>
+                </a:schemeClr>
+              </a:lnRef>
+              <a:fillRef idx="1">
+                <a:schemeClr val="accent1"/>
+              </a:fillRef>
+              <a:effectRef idx="0">
+                <a:schemeClr val="accent1"/>
+              </a:effectRef>
+              <a:fontRef idx="minor">
+                <a:schemeClr val="lt1"/>
+              </a:fontRef>
+            </p:style>
+            <p:txBody>
+              <a:bodyPr rtlCol="0" anchor="ctr"/>
+              <a:lstStyle/>
+              <a:p>
+                <a:pPr algn="ctr"/>
+                <a:endParaRPr lang="ko-KR" altLang="en-US"/>
+              </a:p>
+            </p:txBody>
+          </p:sp>
+          <p:cxnSp>
+            <p:nvCxnSpPr>
+              <p:cNvPr id="137" name="직선 연결선 136"/>
+              <p:cNvCxnSpPr>
+                <a:endCxn id="136" idx="5"/>
+              </p:cNvCxnSpPr>
+              <p:nvPr/>
+            </p:nvCxnSpPr>
+            <p:spPr>
+              <a:xfrm flipH="1" flipV="1">
+                <a:off x="5982459" y="2299354"/>
+                <a:ext cx="247653" cy="212198"/>
+              </a:xfrm>
+              <a:prstGeom prst="line">
+                <a:avLst/>
+              </a:prstGeom>
+              <a:ln w="38100">
+                <a:headEnd type="stealth" w="lg" len="lg"/>
+              </a:ln>
+            </p:spPr>
+            <p:style>
+              <a:lnRef idx="1">
+                <a:schemeClr val="accent1"/>
+              </a:lnRef>
+              <a:fillRef idx="0">
+                <a:schemeClr val="accent1"/>
+              </a:fillRef>
+              <a:effectRef idx="0">
+                <a:schemeClr val="accent1"/>
+              </a:effectRef>
+              <a:fontRef idx="minor">
+                <a:schemeClr val="tx1"/>
+              </a:fontRef>
+            </p:style>
+          </p:cxnSp>
+        </p:grpSp>
+        <p:sp>
+          <p:nvSpPr>
+            <p:cNvPr id="135" name="TextBox 134"/>
+            <p:cNvSpPr txBox="1"/>
+            <p:nvPr/>
+          </p:nvSpPr>
+          <p:spPr>
+            <a:xfrm rot="2373847">
+              <a:off x="5965431" y="834634"/>
+              <a:ext cx="1295969" cy="261610"/>
+            </a:xfrm>
+            <a:prstGeom prst="rect">
+              <a:avLst/>
+            </a:prstGeom>
+            <a:noFill/>
+          </p:spPr>
+          <p:txBody>
+            <a:bodyPr wrap="square" rtlCol="0">
+              <a:spAutoFit/>
+            </a:bodyPr>
+            <a:lstStyle/>
+            <a:p>
+              <a:pPr algn="ctr"/>
+              <a:r>
+                <a:rPr lang="ko-KR" altLang="en-US" sz="1100" dirty="0"/>
+                <a:t>권한 </a:t>
+              </a:r>
+              <a:r>
+                <a:rPr lang="ko-KR" altLang="en-US" sz="1100" dirty="0" smtClean="0"/>
+                <a:t>확인 정보</a:t>
+              </a:r>
+              <a:endParaRPr lang="ko-KR" altLang="en-US" sz="1600" dirty="0"/>
+            </a:p>
+          </p:txBody>
+        </p:sp>
+      </p:grpSp>
+      <p:grpSp>
+        <p:nvGrpSpPr>
+          <p:cNvPr id="141" name="그룹 140"/>
+          <p:cNvGrpSpPr/>
+          <p:nvPr/>
+        </p:nvGrpSpPr>
+        <p:grpSpPr>
+          <a:xfrm rot="15401531">
+            <a:off x="4801500" y="5238341"/>
+            <a:ext cx="465295" cy="429840"/>
+            <a:chOff x="5764817" y="2081712"/>
+            <a:chExt cx="465295" cy="429840"/>
+          </a:xfrm>
+        </p:grpSpPr>
+        <p:sp>
+          <p:nvSpPr>
+            <p:cNvPr id="143" name="타원 142"/>
+            <p:cNvSpPr/>
+            <p:nvPr/>
+          </p:nvSpPr>
+          <p:spPr>
+            <a:xfrm>
+              <a:off x="5764817" y="2081712"/>
+              <a:ext cx="254984" cy="254984"/>
+            </a:xfrm>
+            <a:prstGeom prst="ellipse">
+              <a:avLst/>
+            </a:prstGeom>
+            <a:solidFill>
+              <a:schemeClr val="accent1"/>
+            </a:solidFill>
+            <a:ln w="38100">
+              <a:solidFill>
+                <a:schemeClr val="accent1"/>
+              </a:solidFill>
+            </a:ln>
+          </p:spPr>
+          <p:style>
+            <a:lnRef idx="2">
+              <a:schemeClr val="accent1">
+                <a:shade val="50000"/>
+              </a:schemeClr>
+            </a:lnRef>
+            <a:fillRef idx="1">
+              <a:schemeClr val="accent1"/>
+            </a:fillRef>
+            <a:effectRef idx="0">
+              <a:schemeClr val="accent1"/>
+            </a:effectRef>
+            <a:fontRef idx="minor">
+              <a:schemeClr val="lt1"/>
+            </a:fontRef>
+          </p:style>
+          <p:txBody>
+            <a:bodyPr rtlCol="0" anchor="ctr"/>
+            <a:lstStyle/>
+            <a:p>
+              <a:pPr algn="ctr"/>
+              <a:endParaRPr lang="ko-KR" altLang="en-US"/>
+            </a:p>
+          </p:txBody>
+        </p:sp>
+        <p:cxnSp>
+          <p:nvCxnSpPr>
+            <p:cNvPr id="144" name="직선 연결선 143"/>
+            <p:cNvCxnSpPr>
+              <a:endCxn id="143" idx="5"/>
+            </p:cNvCxnSpPr>
+            <p:nvPr/>
+          </p:nvCxnSpPr>
+          <p:spPr>
+            <a:xfrm flipH="1" flipV="1">
+              <a:off x="5982459" y="2299354"/>
+              <a:ext cx="247653" cy="212198"/>
+            </a:xfrm>
+            <a:prstGeom prst="line">
+              <a:avLst/>
+            </a:prstGeom>
+            <a:ln w="38100">
+              <a:headEnd type="stealth" w="lg" len="lg"/>
+            </a:ln>
+          </p:spPr>
+          <p:style>
+            <a:lnRef idx="1">
+              <a:schemeClr val="accent1"/>
+            </a:lnRef>
+            <a:fillRef idx="0">
+              <a:schemeClr val="accent1"/>
+            </a:fillRef>
+            <a:effectRef idx="0">
+              <a:schemeClr val="accent1"/>
+            </a:effectRef>
+            <a:fontRef idx="minor">
+              <a:schemeClr val="tx1"/>
+            </a:fontRef>
+          </p:style>
+        </p:cxnSp>
+      </p:grpSp>
+      <p:sp>
+        <p:nvSpPr>
+          <p:cNvPr id="142" name="TextBox 141"/>
+          <p:cNvSpPr txBox="1"/>
+          <p:nvPr/>
+        </p:nvSpPr>
+        <p:spPr>
+          <a:xfrm rot="7221821">
+            <a:off x="4600702" y="5554434"/>
+            <a:ext cx="1295969" cy="261610"/>
+          </a:xfrm>
+          <a:prstGeom prst="rect">
+            <a:avLst/>
+          </a:prstGeom>
+          <a:noFill/>
+        </p:spPr>
+        <p:txBody>
+          <a:bodyPr wrap="square" rtlCol="0">
+            <a:spAutoFit/>
+          </a:bodyPr>
+          <a:lstStyle/>
+          <a:p>
+            <a:pPr algn="ctr"/>
+            <a:r>
+              <a:rPr lang="ko-KR" altLang="en-US" sz="1100" dirty="0"/>
+              <a:t>권한 </a:t>
+            </a:r>
+            <a:r>
+              <a:rPr lang="ko-KR" altLang="en-US" sz="1100" dirty="0" smtClean="0"/>
+              <a:t>확인 정보</a:t>
+            </a:r>
+            <a:endParaRPr lang="ko-KR" altLang="en-US" sz="1600" dirty="0"/>
+          </a:p>
+        </p:txBody>
+      </p:sp>
+      <p:grpSp>
+        <p:nvGrpSpPr>
+          <p:cNvPr id="145" name="그룹 144"/>
+          <p:cNvGrpSpPr/>
+          <p:nvPr/>
+        </p:nvGrpSpPr>
+        <p:grpSpPr>
+          <a:xfrm rot="2280499">
+            <a:off x="8181964" y="4655229"/>
+            <a:ext cx="1295969" cy="542376"/>
+            <a:chOff x="5965431" y="834634"/>
+            <a:chExt cx="1295969" cy="542376"/>
+          </a:xfrm>
+        </p:grpSpPr>
+        <p:grpSp>
+          <p:nvGrpSpPr>
+            <p:cNvPr id="146" name="그룹 145"/>
+            <p:cNvGrpSpPr/>
+            <p:nvPr/>
+          </p:nvGrpSpPr>
+          <p:grpSpPr>
+            <a:xfrm rot="21416685">
+              <a:off x="6135886" y="947170"/>
+              <a:ext cx="465295" cy="429840"/>
+              <a:chOff x="5764817" y="2081712"/>
+              <a:chExt cx="465295" cy="429840"/>
+            </a:xfrm>
+          </p:grpSpPr>
+          <p:sp>
+            <p:nvSpPr>
+              <p:cNvPr id="148" name="타원 147"/>
+              <p:cNvSpPr/>
+              <p:nvPr/>
+            </p:nvSpPr>
+            <p:spPr>
+              <a:xfrm>
+                <a:off x="5764817" y="2081712"/>
+                <a:ext cx="254984" cy="254984"/>
+              </a:xfrm>
+              <a:prstGeom prst="ellipse">
+                <a:avLst/>
+              </a:prstGeom>
+              <a:solidFill>
+                <a:schemeClr val="accent1"/>
+              </a:solidFill>
+              <a:ln w="38100">
+                <a:solidFill>
+                  <a:schemeClr val="accent1"/>
+                </a:solidFill>
+              </a:ln>
+            </p:spPr>
+            <p:style>
+              <a:lnRef idx="2">
+                <a:schemeClr val="accent1">
+                  <a:shade val="50000"/>
+                </a:schemeClr>
+              </a:lnRef>
+              <a:fillRef idx="1">
+                <a:schemeClr val="accent1"/>
+              </a:fillRef>
+              <a:effectRef idx="0">
+                <a:schemeClr val="accent1"/>
+              </a:effectRef>
+              <a:fontRef idx="minor">
+                <a:schemeClr val="lt1"/>
+              </a:fontRef>
+            </p:style>
+            <p:txBody>
+              <a:bodyPr rtlCol="0" anchor="ctr"/>
+              <a:lstStyle/>
+              <a:p>
+                <a:pPr algn="ctr"/>
+                <a:endParaRPr lang="ko-KR" altLang="en-US"/>
+              </a:p>
+            </p:txBody>
+          </p:sp>
+          <p:cxnSp>
+            <p:nvCxnSpPr>
+              <p:cNvPr id="149" name="직선 연결선 148"/>
+              <p:cNvCxnSpPr>
+                <a:endCxn id="148" idx="5"/>
+              </p:cNvCxnSpPr>
+              <p:nvPr/>
+            </p:nvCxnSpPr>
+            <p:spPr>
+              <a:xfrm flipH="1" flipV="1">
+                <a:off x="5982459" y="2299354"/>
+                <a:ext cx="247653" cy="212198"/>
+              </a:xfrm>
+              <a:prstGeom prst="line">
+                <a:avLst/>
+              </a:prstGeom>
+              <a:ln w="38100">
+                <a:headEnd type="stealth" w="lg" len="lg"/>
+              </a:ln>
+            </p:spPr>
+            <p:style>
+              <a:lnRef idx="1">
+                <a:schemeClr val="accent1"/>
+              </a:lnRef>
+              <a:fillRef idx="0">
+                <a:schemeClr val="accent1"/>
+              </a:fillRef>
+              <a:effectRef idx="0">
+                <a:schemeClr val="accent1"/>
+              </a:effectRef>
+              <a:fontRef idx="minor">
+                <a:schemeClr val="tx1"/>
+              </a:fontRef>
+            </p:style>
+          </p:cxnSp>
+        </p:grpSp>
+        <p:sp>
+          <p:nvSpPr>
+            <p:cNvPr id="147" name="TextBox 146"/>
+            <p:cNvSpPr txBox="1"/>
+            <p:nvPr/>
+          </p:nvSpPr>
+          <p:spPr>
+            <a:xfrm rot="2373847">
+              <a:off x="5965431" y="834634"/>
+              <a:ext cx="1295969" cy="261610"/>
+            </a:xfrm>
+            <a:prstGeom prst="rect">
+              <a:avLst/>
+            </a:prstGeom>
+            <a:noFill/>
+          </p:spPr>
+          <p:txBody>
+            <a:bodyPr wrap="square" rtlCol="0">
+              <a:spAutoFit/>
+            </a:bodyPr>
+            <a:lstStyle/>
+            <a:p>
+              <a:pPr algn="ctr"/>
+              <a:r>
+                <a:rPr lang="ko-KR" altLang="en-US" sz="1100" dirty="0"/>
+                <a:t>권한 </a:t>
+              </a:r>
+              <a:r>
+                <a:rPr lang="ko-KR" altLang="en-US" sz="1100" dirty="0" smtClean="0"/>
+                <a:t>확인 정보</a:t>
+              </a:r>
+              <a:endParaRPr lang="ko-KR" altLang="en-US" sz="1600" dirty="0"/>
+            </a:p>
+          </p:txBody>
+        </p:sp>
+      </p:grpSp>
+      <p:sp>
+        <p:nvSpPr>
+          <p:cNvPr id="166" name="TextBox 165"/>
+          <p:cNvSpPr txBox="1"/>
+          <p:nvPr/>
+        </p:nvSpPr>
+        <p:spPr>
+          <a:xfrm rot="19407169">
+            <a:off x="342739" y="4334370"/>
+            <a:ext cx="2162056" cy="261610"/>
+          </a:xfrm>
+          <a:prstGeom prst="rect">
+            <a:avLst/>
+          </a:prstGeom>
+          <a:noFill/>
+        </p:spPr>
+        <p:txBody>
+          <a:bodyPr wrap="square" rtlCol="0">
+            <a:spAutoFit/>
+          </a:bodyPr>
+          <a:lstStyle/>
+          <a:p>
+            <a:pPr algn="ctr"/>
+            <a:r>
+              <a:rPr lang="ko-KR" altLang="en-US" sz="1100" dirty="0"/>
+              <a:t>강의 평가 결과 </a:t>
+            </a:r>
+            <a:r>
+              <a:rPr lang="ko-KR" altLang="en-US" sz="1100" dirty="0" smtClean="0"/>
+              <a:t>조회 대상 정보</a:t>
+            </a:r>
+            <a:endParaRPr lang="ko-KR" altLang="en-US" sz="1600" dirty="0"/>
+          </a:p>
+        </p:txBody>
+      </p:sp>
+      <p:grpSp>
+        <p:nvGrpSpPr>
+          <p:cNvPr id="167" name="그룹 166"/>
+          <p:cNvGrpSpPr/>
+          <p:nvPr/>
+        </p:nvGrpSpPr>
+        <p:grpSpPr>
+          <a:xfrm rot="16853003">
+            <a:off x="1280264" y="4550279"/>
+            <a:ext cx="465295" cy="429840"/>
+            <a:chOff x="5764817" y="2081712"/>
+            <a:chExt cx="465295" cy="429840"/>
+          </a:xfrm>
+        </p:grpSpPr>
+        <p:sp>
+          <p:nvSpPr>
+            <p:cNvPr id="168" name="타원 167"/>
+            <p:cNvSpPr/>
+            <p:nvPr/>
+          </p:nvSpPr>
+          <p:spPr>
+            <a:xfrm>
+              <a:off x="5764817" y="2081712"/>
+              <a:ext cx="254984" cy="254984"/>
+            </a:xfrm>
+            <a:prstGeom prst="ellipse">
+              <a:avLst/>
+            </a:prstGeom>
+            <a:noFill/>
+            <a:ln w="38100">
+              <a:solidFill>
+                <a:schemeClr val="accent1"/>
+              </a:solidFill>
+            </a:ln>
+          </p:spPr>
+          <p:style>
+            <a:lnRef idx="2">
+              <a:schemeClr val="accent1">
+                <a:shade val="50000"/>
+              </a:schemeClr>
+            </a:lnRef>
+            <a:fillRef idx="1">
+              <a:schemeClr val="accent1"/>
+            </a:fillRef>
+            <a:effectRef idx="0">
+              <a:schemeClr val="accent1"/>
+            </a:effectRef>
+            <a:fontRef idx="minor">
+              <a:schemeClr val="lt1"/>
+            </a:fontRef>
+          </p:style>
+          <p:txBody>
+            <a:bodyPr rtlCol="0" anchor="ctr"/>
+            <a:lstStyle/>
+            <a:p>
+              <a:pPr algn="ctr"/>
+              <a:endParaRPr lang="ko-KR" altLang="en-US"/>
+            </a:p>
+          </p:txBody>
+        </p:sp>
+        <p:cxnSp>
+          <p:nvCxnSpPr>
+            <p:cNvPr id="169" name="직선 연결선 168"/>
+            <p:cNvCxnSpPr>
+              <a:endCxn id="168" idx="5"/>
+            </p:cNvCxnSpPr>
+            <p:nvPr/>
+          </p:nvCxnSpPr>
+          <p:spPr>
+            <a:xfrm flipH="1" flipV="1">
+              <a:off x="5982459" y="2299354"/>
+              <a:ext cx="247653" cy="212198"/>
+            </a:xfrm>
+            <a:prstGeom prst="line">
+              <a:avLst/>
+            </a:prstGeom>
+            <a:ln w="38100">
+              <a:headEnd type="stealth" w="lg" len="lg"/>
+            </a:ln>
+          </p:spPr>
+          <p:style>
+            <a:lnRef idx="1">
+              <a:schemeClr val="accent1"/>
+            </a:lnRef>
+            <a:fillRef idx="0">
+              <a:schemeClr val="accent1"/>
+            </a:fillRef>
+            <a:effectRef idx="0">
+              <a:schemeClr val="accent1"/>
+            </a:effectRef>
+            <a:fontRef idx="minor">
+              <a:schemeClr val="tx1"/>
+            </a:fontRef>
+          </p:style>
+        </p:cxnSp>
+      </p:grpSp>
+      <p:grpSp>
+        <p:nvGrpSpPr>
+          <p:cNvPr id="170" name="그룹 169"/>
+          <p:cNvGrpSpPr/>
+          <p:nvPr/>
+        </p:nvGrpSpPr>
+        <p:grpSpPr>
+          <a:xfrm rot="15480795">
+            <a:off x="2734898" y="4975766"/>
+            <a:ext cx="465295" cy="429840"/>
+            <a:chOff x="5764817" y="2081712"/>
+            <a:chExt cx="465295" cy="429840"/>
+          </a:xfrm>
+        </p:grpSpPr>
+        <p:sp>
+          <p:nvSpPr>
+            <p:cNvPr id="171" name="타원 170"/>
+            <p:cNvSpPr/>
+            <p:nvPr/>
+          </p:nvSpPr>
+          <p:spPr>
+            <a:xfrm>
+              <a:off x="5764817" y="2081712"/>
+              <a:ext cx="254984" cy="254984"/>
+            </a:xfrm>
+            <a:prstGeom prst="ellipse">
+              <a:avLst/>
+            </a:prstGeom>
+            <a:noFill/>
+            <a:ln w="38100">
+              <a:solidFill>
+                <a:schemeClr val="accent1"/>
+              </a:solidFill>
+            </a:ln>
+          </p:spPr>
+          <p:style>
+            <a:lnRef idx="2">
+              <a:schemeClr val="accent1">
+                <a:shade val="50000"/>
+              </a:schemeClr>
+            </a:lnRef>
+            <a:fillRef idx="1">
+              <a:schemeClr val="accent1"/>
+            </a:fillRef>
+            <a:effectRef idx="0">
+              <a:schemeClr val="accent1"/>
+            </a:effectRef>
+            <a:fontRef idx="minor">
+              <a:schemeClr val="lt1"/>
+            </a:fontRef>
+          </p:style>
+          <p:txBody>
+            <a:bodyPr rtlCol="0" anchor="ctr"/>
+            <a:lstStyle/>
+            <a:p>
+              <a:pPr algn="ctr"/>
+              <a:endParaRPr lang="ko-KR" altLang="en-US"/>
+            </a:p>
+          </p:txBody>
+        </p:sp>
+        <p:cxnSp>
+          <p:nvCxnSpPr>
+            <p:cNvPr id="172" name="직선 연결선 171"/>
+            <p:cNvCxnSpPr>
+              <a:endCxn id="171" idx="5"/>
+            </p:cNvCxnSpPr>
+            <p:nvPr/>
+          </p:nvCxnSpPr>
+          <p:spPr>
+            <a:xfrm flipH="1" flipV="1">
+              <a:off x="5982459" y="2299354"/>
+              <a:ext cx="247653" cy="212198"/>
+            </a:xfrm>
+            <a:prstGeom prst="line">
+              <a:avLst/>
+            </a:prstGeom>
+            <a:ln w="38100">
+              <a:headEnd type="stealth" w="lg" len="lg"/>
+            </a:ln>
+          </p:spPr>
+          <p:style>
+            <a:lnRef idx="1">
+              <a:schemeClr val="accent1"/>
+            </a:lnRef>
+            <a:fillRef idx="0">
+              <a:schemeClr val="accent1"/>
+            </a:fillRef>
+            <a:effectRef idx="0">
+              <a:schemeClr val="accent1"/>
+            </a:effectRef>
+            <a:fontRef idx="minor">
+              <a:schemeClr val="tx1"/>
+            </a:fontRef>
+          </p:style>
+        </p:cxnSp>
+      </p:grpSp>
+      <p:sp>
+        <p:nvSpPr>
+          <p:cNvPr id="173" name="TextBox 172"/>
+          <p:cNvSpPr txBox="1"/>
+          <p:nvPr/>
+        </p:nvSpPr>
+        <p:spPr>
+          <a:xfrm rot="18123091">
+            <a:off x="2266923" y="5070738"/>
+            <a:ext cx="2065042" cy="261610"/>
+          </a:xfrm>
+          <a:prstGeom prst="rect">
+            <a:avLst/>
+          </a:prstGeom>
+          <a:noFill/>
+        </p:spPr>
+        <p:txBody>
+          <a:bodyPr wrap="square" rtlCol="0">
+            <a:spAutoFit/>
+          </a:bodyPr>
+          <a:lstStyle/>
+          <a:p>
+            <a:r>
+              <a:rPr lang="ko-KR" altLang="en-US" sz="1100" dirty="0"/>
+              <a:t>강의평가 결과 리스트 정보</a:t>
+            </a:r>
+            <a:endParaRPr lang="ko-KR" altLang="en-US" sz="1600" dirty="0"/>
+          </a:p>
+        </p:txBody>
+      </p:sp>
+      <p:grpSp>
+        <p:nvGrpSpPr>
+          <p:cNvPr id="174" name="그룹 173"/>
+          <p:cNvGrpSpPr/>
+          <p:nvPr/>
+        </p:nvGrpSpPr>
+        <p:grpSpPr>
+          <a:xfrm rot="1952499">
+            <a:off x="6093948" y="5507946"/>
+            <a:ext cx="465295" cy="429840"/>
+            <a:chOff x="5764817" y="2081712"/>
+            <a:chExt cx="465295" cy="429840"/>
+          </a:xfrm>
+        </p:grpSpPr>
+        <p:sp>
+          <p:nvSpPr>
+            <p:cNvPr id="175" name="타원 174"/>
+            <p:cNvSpPr/>
+            <p:nvPr/>
+          </p:nvSpPr>
+          <p:spPr>
+            <a:xfrm>
+              <a:off x="5764817" y="2081712"/>
+              <a:ext cx="254984" cy="254984"/>
+            </a:xfrm>
+            <a:prstGeom prst="ellipse">
+              <a:avLst/>
+            </a:prstGeom>
+            <a:noFill/>
+            <a:ln w="38100">
+              <a:solidFill>
+                <a:schemeClr val="accent1"/>
+              </a:solidFill>
+            </a:ln>
+          </p:spPr>
+          <p:style>
+            <a:lnRef idx="2">
+              <a:schemeClr val="accent1">
+                <a:shade val="50000"/>
+              </a:schemeClr>
+            </a:lnRef>
+            <a:fillRef idx="1">
+              <a:schemeClr val="accent1"/>
+            </a:fillRef>
+            <a:effectRef idx="0">
+              <a:schemeClr val="accent1"/>
+            </a:effectRef>
+            <a:fontRef idx="minor">
+              <a:schemeClr val="lt1"/>
+            </a:fontRef>
+          </p:style>
+          <p:txBody>
+            <a:bodyPr rtlCol="0" anchor="ctr"/>
+            <a:lstStyle/>
+            <a:p>
+              <a:pPr algn="ctr"/>
+              <a:endParaRPr lang="ko-KR" altLang="en-US"/>
+            </a:p>
+          </p:txBody>
+        </p:sp>
+        <p:cxnSp>
+          <p:nvCxnSpPr>
+            <p:cNvPr id="176" name="직선 연결선 175"/>
+            <p:cNvCxnSpPr>
+              <a:endCxn id="175" idx="5"/>
+            </p:cNvCxnSpPr>
+            <p:nvPr/>
+          </p:nvCxnSpPr>
+          <p:spPr>
+            <a:xfrm flipH="1" flipV="1">
+              <a:off x="5982459" y="2299354"/>
+              <a:ext cx="247653" cy="212198"/>
+            </a:xfrm>
+            <a:prstGeom prst="line">
+              <a:avLst/>
+            </a:prstGeom>
+            <a:ln w="38100">
+              <a:headEnd type="stealth" w="lg" len="lg"/>
+            </a:ln>
+          </p:spPr>
+          <p:style>
+            <a:lnRef idx="1">
+              <a:schemeClr val="accent1"/>
+            </a:lnRef>
+            <a:fillRef idx="0">
+              <a:schemeClr val="accent1"/>
+            </a:fillRef>
+            <a:effectRef idx="0">
+              <a:schemeClr val="accent1"/>
+            </a:effectRef>
+            <a:fontRef idx="minor">
+              <a:schemeClr val="tx1"/>
+            </a:fontRef>
+          </p:style>
+        </p:cxnSp>
+      </p:grpSp>
+      <p:sp>
+        <p:nvSpPr>
+          <p:cNvPr id="177" name="TextBox 176"/>
+          <p:cNvSpPr txBox="1"/>
+          <p:nvPr/>
+        </p:nvSpPr>
+        <p:spPr>
+          <a:xfrm rot="15427772">
+            <a:off x="5411597" y="5513689"/>
+            <a:ext cx="1130438" cy="430887"/>
+          </a:xfrm>
+          <a:prstGeom prst="rect">
+            <a:avLst/>
+          </a:prstGeom>
+          <a:noFill/>
+        </p:spPr>
+        <p:txBody>
+          <a:bodyPr wrap="none" rtlCol="0">
+            <a:spAutoFit/>
+          </a:bodyPr>
+          <a:lstStyle/>
+          <a:p>
+            <a:r>
+              <a:rPr lang="ko-KR" altLang="en-US" sz="1100" dirty="0"/>
+              <a:t>강의평가 결과 </a:t>
+            </a:r>
+            <a:endParaRPr lang="en-US" altLang="ko-KR" sz="1100" dirty="0" smtClean="0"/>
+          </a:p>
+          <a:p>
+            <a:r>
+              <a:rPr lang="ko-KR" altLang="en-US" sz="1100" dirty="0" smtClean="0"/>
+              <a:t>리스트 </a:t>
+            </a:r>
+            <a:r>
+              <a:rPr lang="ko-KR" altLang="en-US" sz="1100" dirty="0"/>
+              <a:t>정보</a:t>
+            </a:r>
+            <a:endParaRPr lang="ko-KR" altLang="en-US" sz="1600" dirty="0"/>
+          </a:p>
+        </p:txBody>
+      </p:sp>
+      <p:grpSp>
+        <p:nvGrpSpPr>
+          <p:cNvPr id="178" name="그룹 177"/>
+          <p:cNvGrpSpPr/>
+          <p:nvPr/>
+        </p:nvGrpSpPr>
+        <p:grpSpPr>
+          <a:xfrm rot="1952499">
+            <a:off x="6642284" y="4129229"/>
+            <a:ext cx="465295" cy="429840"/>
+            <a:chOff x="5764817" y="2081712"/>
+            <a:chExt cx="465295" cy="429840"/>
+          </a:xfrm>
+        </p:grpSpPr>
+        <p:sp>
+          <p:nvSpPr>
+            <p:cNvPr id="179" name="타원 178"/>
+            <p:cNvSpPr/>
+            <p:nvPr/>
+          </p:nvSpPr>
+          <p:spPr>
+            <a:xfrm>
+              <a:off x="5764817" y="2081712"/>
+              <a:ext cx="254984" cy="254984"/>
+            </a:xfrm>
+            <a:prstGeom prst="ellipse">
+              <a:avLst/>
+            </a:prstGeom>
+            <a:noFill/>
+            <a:ln w="38100">
+              <a:solidFill>
+                <a:schemeClr val="accent1"/>
+              </a:solidFill>
+            </a:ln>
+          </p:spPr>
+          <p:style>
+            <a:lnRef idx="2">
+              <a:schemeClr val="accent1">
+                <a:shade val="50000"/>
+              </a:schemeClr>
+            </a:lnRef>
+            <a:fillRef idx="1">
+              <a:schemeClr val="accent1"/>
+            </a:fillRef>
+            <a:effectRef idx="0">
+              <a:schemeClr val="accent1"/>
+            </a:effectRef>
+            <a:fontRef idx="minor">
+              <a:schemeClr val="lt1"/>
+            </a:fontRef>
+          </p:style>
+          <p:txBody>
+            <a:bodyPr rtlCol="0" anchor="ctr"/>
+            <a:lstStyle/>
+            <a:p>
+              <a:pPr algn="ctr"/>
+              <a:endParaRPr lang="ko-KR" altLang="en-US"/>
+            </a:p>
+          </p:txBody>
+        </p:sp>
+        <p:cxnSp>
+          <p:nvCxnSpPr>
+            <p:cNvPr id="180" name="직선 연결선 179"/>
+            <p:cNvCxnSpPr>
+              <a:endCxn id="179" idx="5"/>
+            </p:cNvCxnSpPr>
+            <p:nvPr/>
+          </p:nvCxnSpPr>
+          <p:spPr>
+            <a:xfrm flipH="1" flipV="1">
+              <a:off x="5982459" y="2299354"/>
+              <a:ext cx="247653" cy="212198"/>
+            </a:xfrm>
+            <a:prstGeom prst="line">
+              <a:avLst/>
+            </a:prstGeom>
+            <a:ln w="38100">
+              <a:headEnd type="stealth" w="lg" len="lg"/>
+            </a:ln>
+          </p:spPr>
+          <p:style>
+            <a:lnRef idx="1">
+              <a:schemeClr val="accent1"/>
+            </a:lnRef>
+            <a:fillRef idx="0">
+              <a:schemeClr val="accent1"/>
+            </a:fillRef>
+            <a:effectRef idx="0">
+              <a:schemeClr val="accent1"/>
+            </a:effectRef>
+            <a:fontRef idx="minor">
+              <a:schemeClr val="tx1"/>
+            </a:fontRef>
+          </p:style>
+        </p:cxnSp>
+      </p:grpSp>
+      <p:sp>
+        <p:nvSpPr>
+          <p:cNvPr id="181" name="TextBox 180"/>
+          <p:cNvSpPr txBox="1"/>
+          <p:nvPr/>
+        </p:nvSpPr>
+        <p:spPr>
+          <a:xfrm rot="15427772">
+            <a:off x="5094176" y="4532215"/>
+            <a:ext cx="1221809" cy="430887"/>
+          </a:xfrm>
+          <a:prstGeom prst="rect">
+            <a:avLst/>
+          </a:prstGeom>
+          <a:noFill/>
+        </p:spPr>
+        <p:txBody>
+          <a:bodyPr wrap="none" rtlCol="0">
+            <a:spAutoFit/>
+          </a:bodyPr>
+          <a:lstStyle/>
+          <a:p>
+            <a:r>
+              <a:rPr lang="ko-KR" altLang="en-US" sz="1100" dirty="0"/>
+              <a:t>조회할 강의평가</a:t>
+            </a:r>
+            <a:endParaRPr lang="en-US" altLang="ko-KR" sz="1100" dirty="0"/>
+          </a:p>
+          <a:p>
+            <a:r>
+              <a:rPr lang="ko-KR" altLang="en-US" sz="1100" dirty="0"/>
+              <a:t>결과 정보</a:t>
+            </a:r>
+            <a:endParaRPr lang="ko-KR" altLang="en-US" sz="1600" dirty="0"/>
+          </a:p>
+        </p:txBody>
+      </p:sp>
+    </p:spTree>
+    <p:extLst>
+      <p:ext uri="{BB962C8B-B14F-4D97-AF65-F5344CB8AC3E}">
+        <p14:creationId xmlns:p14="http://schemas.microsoft.com/office/powerpoint/2010/main" val="1367562769"/>
+      </p:ext>
+    </p:extLst>
+  </p:cSld>
+  <p:clrMapOvr>
+    <a:masterClrMapping/>
+  </p:clrMapOvr>
+</p:sld>
+</file>
+
+<file path=ppt/slides/slide3.xml><?xml version="1.0" encoding="utf-8"?>
+<p:sld xmlns:a="http://schemas.openxmlformats.org/drawingml/2006/main" xmlns:r="http://schemas.openxmlformats.org/officeDocument/2006/relationships" xmlns:p="http://schemas.openxmlformats.org/presentationml/2006/main">
+  <p:cSld>
+    <p:spTree>
+      <p:nvGrpSpPr>
+        <p:cNvPr id="1" name=""/>
+        <p:cNvGrpSpPr/>
+        <p:nvPr/>
+      </p:nvGrpSpPr>
+      <p:grpSpPr>
+        <a:xfrm>
+          <a:off x="0" y="0"/>
+          <a:ext cx="0" cy="0"/>
+          <a:chOff x="0" y="0"/>
+          <a:chExt cx="0" cy="0"/>
+        </a:xfrm>
+      </p:grpSpPr>
+      <p:grpSp>
+        <p:nvGrpSpPr>
+          <p:cNvPr id="17" name="그룹 16"/>
+          <p:cNvGrpSpPr/>
+          <p:nvPr/>
+        </p:nvGrpSpPr>
+        <p:grpSpPr>
+          <a:xfrm>
+            <a:off x="3188305" y="1882520"/>
+            <a:ext cx="5907348" cy="3194063"/>
+            <a:chOff x="3188305" y="1882520"/>
+            <a:chExt cx="5907348" cy="3194063"/>
+          </a:xfrm>
+        </p:grpSpPr>
+        <p:sp>
+          <p:nvSpPr>
+            <p:cNvPr id="5" name="직사각형 4"/>
+            <p:cNvSpPr/>
+            <p:nvPr/>
+          </p:nvSpPr>
+          <p:spPr>
+            <a:xfrm>
+              <a:off x="5363483" y="4350452"/>
+              <a:ext cx="1556992" cy="726131"/>
+            </a:xfrm>
+            <a:prstGeom prst="rect">
+              <a:avLst/>
+            </a:prstGeom>
+            <a:noFill/>
+            <a:ln w="31750">
+              <a:solidFill>
+                <a:schemeClr val="accent1">
+                  <a:shade val="50000"/>
+                </a:schemeClr>
+              </a:solidFill>
+            </a:ln>
+          </p:spPr>
+          <p:style>
+            <a:lnRef idx="2">
+              <a:schemeClr val="accent1">
+                <a:shade val="50000"/>
+              </a:schemeClr>
+            </a:lnRef>
+            <a:fillRef idx="1">
+              <a:schemeClr val="accent1"/>
+            </a:fillRef>
+            <a:effectRef idx="0">
+              <a:schemeClr val="accent1"/>
+            </a:effectRef>
+            <a:fontRef idx="minor">
+              <a:schemeClr val="lt1"/>
+            </a:fontRef>
+          </p:style>
+          <p:txBody>
+            <a:bodyPr rtlCol="0" anchor="ctr"/>
+            <a:lstStyle/>
+            <a:p>
+              <a:pPr algn="ctr"/>
+              <a:r>
+                <a:rPr lang="ko-KR" altLang="en-US" sz="1100" dirty="0" smtClean="0">
+                  <a:solidFill>
+                    <a:sysClr val="windowText" lastClr="000000"/>
+                  </a:solidFill>
+                </a:rPr>
+                <a:t>강의평가 </a:t>
+              </a:r>
+              <a:r>
+                <a:rPr lang="ko-KR" altLang="en-US" sz="1100" dirty="0" smtClean="0">
+                  <a:solidFill>
+                    <a:sysClr val="windowText" lastClr="000000"/>
+                  </a:solidFill>
+                </a:rPr>
+                <a:t>결과 변환</a:t>
+              </a:r>
+              <a:endParaRPr lang="ko-KR" altLang="en-US" sz="1100" dirty="0">
+                <a:solidFill>
+                  <a:sysClr val="windowText" lastClr="000000"/>
+                </a:solidFill>
+              </a:endParaRPr>
+            </a:p>
+          </p:txBody>
+        </p:sp>
+        <p:sp>
+          <p:nvSpPr>
+            <p:cNvPr id="6" name="직사각형 5"/>
+            <p:cNvSpPr/>
+            <p:nvPr/>
+          </p:nvSpPr>
+          <p:spPr>
+            <a:xfrm>
+              <a:off x="5363483" y="1882520"/>
+              <a:ext cx="1556992" cy="726131"/>
+            </a:xfrm>
+            <a:prstGeom prst="rect">
+              <a:avLst/>
+            </a:prstGeom>
+            <a:noFill/>
+            <a:ln w="31750">
+              <a:solidFill>
+                <a:schemeClr val="accent1">
+                  <a:shade val="50000"/>
+                </a:schemeClr>
+              </a:solidFill>
+            </a:ln>
+          </p:spPr>
+          <p:style>
+            <a:lnRef idx="2">
+              <a:schemeClr val="accent1">
+                <a:shade val="50000"/>
+              </a:schemeClr>
+            </a:lnRef>
+            <a:fillRef idx="1">
+              <a:schemeClr val="accent1"/>
+            </a:fillRef>
+            <a:effectRef idx="0">
+              <a:schemeClr val="accent1"/>
+            </a:effectRef>
+            <a:fontRef idx="minor">
+              <a:schemeClr val="lt1"/>
+            </a:fontRef>
+          </p:style>
+          <p:txBody>
+            <a:bodyPr rtlCol="0" anchor="ctr"/>
+            <a:lstStyle/>
+            <a:p>
+              <a:pPr algn="ctr"/>
+              <a:r>
+                <a:rPr lang="ko-KR" altLang="en-US" sz="1100" dirty="0">
+                  <a:solidFill>
+                    <a:sysClr val="windowText" lastClr="000000"/>
+                  </a:solidFill>
+                </a:rPr>
+                <a:t>강의평가 결과 </a:t>
+              </a:r>
+              <a:endParaRPr lang="en-US" altLang="ko-KR" sz="1100" dirty="0" smtClean="0">
+                <a:solidFill>
+                  <a:sysClr val="windowText" lastClr="000000"/>
+                </a:solidFill>
+              </a:endParaRPr>
+            </a:p>
+            <a:p>
+              <a:pPr algn="ctr"/>
+              <a:r>
+                <a:rPr lang="ko-KR" altLang="en-US" sz="1100" dirty="0" smtClean="0">
+                  <a:solidFill>
+                    <a:sysClr val="windowText" lastClr="000000"/>
+                  </a:solidFill>
+                </a:rPr>
+                <a:t>조회 처리</a:t>
+              </a:r>
+              <a:endParaRPr lang="ko-KR" altLang="en-US" sz="1100" dirty="0">
+                <a:solidFill>
+                  <a:sysClr val="windowText" lastClr="000000"/>
+                </a:solidFill>
+              </a:endParaRPr>
+            </a:p>
+          </p:txBody>
+        </p:sp>
+        <p:sp>
+          <p:nvSpPr>
+            <p:cNvPr id="7" name="직사각형 6"/>
+            <p:cNvSpPr/>
+            <p:nvPr/>
+          </p:nvSpPr>
+          <p:spPr>
+            <a:xfrm>
+              <a:off x="3188305" y="4350451"/>
+              <a:ext cx="1556992" cy="726131"/>
+            </a:xfrm>
+            <a:prstGeom prst="rect">
+              <a:avLst/>
+            </a:prstGeom>
+            <a:noFill/>
+            <a:ln w="31750">
+              <a:solidFill>
+                <a:schemeClr val="accent1">
+                  <a:shade val="50000"/>
+                </a:schemeClr>
+              </a:solidFill>
+            </a:ln>
+          </p:spPr>
+          <p:style>
+            <a:lnRef idx="2">
+              <a:schemeClr val="accent1">
+                <a:shade val="50000"/>
+              </a:schemeClr>
+            </a:lnRef>
+            <a:fillRef idx="1">
+              <a:schemeClr val="accent1"/>
+            </a:fillRef>
+            <a:effectRef idx="0">
+              <a:schemeClr val="accent1"/>
+            </a:effectRef>
+            <a:fontRef idx="minor">
+              <a:schemeClr val="lt1"/>
+            </a:fontRef>
+          </p:style>
+          <p:txBody>
+            <a:bodyPr rtlCol="0" anchor="ctr"/>
+            <a:lstStyle/>
+            <a:p>
+              <a:pPr algn="ctr"/>
+              <a:r>
+                <a:rPr lang="ko-KR" altLang="en-US" sz="1100" dirty="0" smtClean="0">
+                  <a:solidFill>
+                    <a:schemeClr val="tx1"/>
+                  </a:solidFill>
+                </a:rPr>
+                <a:t>강의평가 결과 입력</a:t>
+              </a:r>
+              <a:endParaRPr lang="en-US" altLang="ko-KR" sz="1100" dirty="0" smtClean="0">
+                <a:solidFill>
+                  <a:schemeClr val="tx1"/>
+                </a:solidFill>
+              </a:endParaRPr>
+            </a:p>
+          </p:txBody>
+        </p:sp>
+        <p:cxnSp>
+          <p:nvCxnSpPr>
+            <p:cNvPr id="8" name="직선 화살표 연결선 7"/>
+            <p:cNvCxnSpPr>
+              <a:stCxn id="6" idx="2"/>
+              <a:endCxn id="7" idx="0"/>
+            </p:cNvCxnSpPr>
+            <p:nvPr/>
+          </p:nvCxnSpPr>
+          <p:spPr>
+            <a:xfrm flipH="1">
+              <a:off x="3966801" y="2608651"/>
+              <a:ext cx="2175178" cy="1741800"/>
+            </a:xfrm>
+            <a:prstGeom prst="straightConnector1">
+              <a:avLst/>
+            </a:prstGeom>
+            <a:ln w="38100">
+              <a:headEnd w="lg" len="lg"/>
+              <a:tailEnd type="triangle"/>
+            </a:ln>
+          </p:spPr>
+          <p:style>
+            <a:lnRef idx="1">
+              <a:schemeClr val="accent1"/>
+            </a:lnRef>
+            <a:fillRef idx="0">
+              <a:schemeClr val="accent1"/>
+            </a:fillRef>
+            <a:effectRef idx="0">
+              <a:schemeClr val="accent1"/>
+            </a:effectRef>
+            <a:fontRef idx="minor">
+              <a:schemeClr val="tx1"/>
+            </a:fontRef>
+          </p:style>
+        </p:cxnSp>
+        <p:cxnSp>
+          <p:nvCxnSpPr>
+            <p:cNvPr id="9" name="직선 화살표 연결선 8"/>
+            <p:cNvCxnSpPr>
+              <a:stCxn id="6" idx="2"/>
+              <a:endCxn id="5" idx="0"/>
+            </p:cNvCxnSpPr>
+            <p:nvPr/>
+          </p:nvCxnSpPr>
+          <p:spPr>
+            <a:xfrm>
+              <a:off x="6141979" y="2608651"/>
+              <a:ext cx="0" cy="1741801"/>
+            </a:xfrm>
+            <a:prstGeom prst="straightConnector1">
+              <a:avLst/>
+            </a:prstGeom>
+            <a:ln w="38100">
+              <a:headEnd w="lg" len="lg"/>
+              <a:tailEnd type="triangle"/>
+            </a:ln>
+          </p:spPr>
+          <p:style>
+            <a:lnRef idx="1">
+              <a:schemeClr val="accent1"/>
+            </a:lnRef>
+            <a:fillRef idx="0">
+              <a:schemeClr val="accent1"/>
+            </a:fillRef>
+            <a:effectRef idx="0">
+              <a:schemeClr val="accent1"/>
+            </a:effectRef>
+            <a:fontRef idx="minor">
+              <a:schemeClr val="tx1"/>
+            </a:fontRef>
+          </p:style>
+        </p:cxnSp>
+        <p:sp>
+          <p:nvSpPr>
+            <p:cNvPr id="10" name="직사각형 9"/>
+            <p:cNvSpPr/>
+            <p:nvPr/>
+          </p:nvSpPr>
+          <p:spPr>
+            <a:xfrm>
+              <a:off x="7538661" y="4350451"/>
+              <a:ext cx="1556992" cy="726131"/>
+            </a:xfrm>
+            <a:prstGeom prst="rect">
+              <a:avLst/>
+            </a:prstGeom>
+            <a:noFill/>
+            <a:ln w="31750">
+              <a:solidFill>
+                <a:schemeClr val="accent1">
+                  <a:shade val="50000"/>
+                </a:schemeClr>
+              </a:solidFill>
+            </a:ln>
+          </p:spPr>
+          <p:style>
+            <a:lnRef idx="2">
+              <a:schemeClr val="accent1">
+                <a:shade val="50000"/>
+              </a:schemeClr>
+            </a:lnRef>
+            <a:fillRef idx="1">
+              <a:schemeClr val="accent1"/>
+            </a:fillRef>
+            <a:effectRef idx="0">
+              <a:schemeClr val="accent1"/>
+            </a:effectRef>
+            <a:fontRef idx="minor">
+              <a:schemeClr val="lt1"/>
+            </a:fontRef>
+          </p:style>
+          <p:txBody>
+            <a:bodyPr rtlCol="0" anchor="ctr"/>
+            <a:lstStyle/>
+            <a:p>
+              <a:pPr algn="ctr"/>
+              <a:r>
+                <a:rPr lang="ko-KR" altLang="en-US" sz="1100" dirty="0" smtClean="0">
+                  <a:solidFill>
+                    <a:sysClr val="windowText" lastClr="000000"/>
+                  </a:solidFill>
+                </a:rPr>
+                <a:t>강의평가 </a:t>
+              </a:r>
+              <a:r>
+                <a:rPr lang="ko-KR" altLang="en-US" sz="1100" dirty="0" smtClean="0">
+                  <a:solidFill>
+                    <a:sysClr val="windowText" lastClr="000000"/>
+                  </a:solidFill>
+                </a:rPr>
+                <a:t>결과 출력</a:t>
+              </a:r>
+              <a:endParaRPr lang="ko-KR" altLang="en-US" sz="1100" dirty="0">
+                <a:solidFill>
+                  <a:sysClr val="windowText" lastClr="000000"/>
+                </a:solidFill>
+              </a:endParaRPr>
+            </a:p>
+          </p:txBody>
+        </p:sp>
+        <p:cxnSp>
+          <p:nvCxnSpPr>
+            <p:cNvPr id="14" name="직선 화살표 연결선 13"/>
+            <p:cNvCxnSpPr>
+              <a:stCxn id="6" idx="2"/>
+              <a:endCxn id="10" idx="0"/>
+            </p:cNvCxnSpPr>
+            <p:nvPr/>
+          </p:nvCxnSpPr>
+          <p:spPr>
+            <a:xfrm>
+              <a:off x="6141979" y="2608651"/>
+              <a:ext cx="2175178" cy="1741800"/>
+            </a:xfrm>
+            <a:prstGeom prst="straightConnector1">
+              <a:avLst/>
+            </a:prstGeom>
+            <a:ln w="38100">
+              <a:tailEnd type="triangle"/>
+            </a:ln>
+          </p:spPr>
+          <p:style>
+            <a:lnRef idx="1">
+              <a:schemeClr val="accent1"/>
+            </a:lnRef>
+            <a:fillRef idx="0">
+              <a:schemeClr val="accent1"/>
+            </a:fillRef>
+            <a:effectRef idx="0">
+              <a:schemeClr val="accent1"/>
+            </a:effectRef>
+            <a:fontRef idx="minor">
+              <a:schemeClr val="tx1"/>
+            </a:fontRef>
+          </p:style>
+        </p:cxnSp>
+      </p:grpSp>
+    </p:spTree>
+    <p:extLst>
+      <p:ext uri="{BB962C8B-B14F-4D97-AF65-F5344CB8AC3E}">
+        <p14:creationId xmlns:p14="http://schemas.microsoft.com/office/powerpoint/2010/main" val="2145723944"/>
+      </p:ext>
+    </p:extLst>
+  </p:cSld>
+  <p:clrMapOvr>
+    <a:masterClrMapping/>
+  </p:clrMapOvr>
+</p:sld>
+</file>
+
+<file path=ppt/slides/slide4.xml><?xml version="1.0" encoding="utf-8"?>
 <p:sld xmlns:a="http://schemas.openxmlformats.org/drawingml/2006/main" xmlns:r="http://schemas.openxmlformats.org/officeDocument/2006/relationships" xmlns:p="http://schemas.openxmlformats.org/presentationml/2006/main">
   <p:cSld>
     <p:spTree>
@@ -5225,7 +8131,7 @@
 </p:sld>
 </file>
 
-<file path=ppt/slides/slide3.xml><?xml version="1.0" encoding="utf-8"?>
+<file path=ppt/slides/slide5.xml><?xml version="1.0" encoding="utf-8"?>
 <p:sld xmlns:a="http://schemas.openxmlformats.org/drawingml/2006/main" xmlns:r="http://schemas.openxmlformats.org/officeDocument/2006/relationships" xmlns:p="http://schemas.openxmlformats.org/presentationml/2006/main">
   <p:cSld>
     <p:spTree>
@@ -5250,10 +8156,10 @@
         </p:nvGrpSpPr>
         <p:grpSpPr>
           <a:xfrm>
-            <a:off x="1355257" y="1882520"/>
-            <a:ext cx="9572974" cy="3073669"/>
-            <a:chOff x="1355257" y="1637821"/>
-            <a:chExt cx="9572974" cy="3073669"/>
+            <a:off x="3806491" y="1882520"/>
+            <a:ext cx="4670976" cy="3078154"/>
+            <a:chOff x="3806491" y="1637821"/>
+            <a:chExt cx="4670976" cy="3078154"/>
           </a:xfrm>
         </p:grpSpPr>
         <p:sp>
@@ -5264,7 +8170,7 @@
           </p:nvSpPr>
           <p:spPr>
             <a:xfrm>
-              <a:off x="3359370" y="3985359"/>
+              <a:off x="6920475" y="3989843"/>
               <a:ext cx="1556992" cy="726131"/>
             </a:xfrm>
             <a:prstGeom prst="rect">
@@ -5306,7 +8212,31 @@
                     <a:sysClr val="windowText" lastClr="000000"/>
                   </a:solidFill>
                 </a:rPr>
-                <a:t>강의평가 결과 평가 대상 구분 확인</a:t>
+                <a:t>강의평가 </a:t>
+              </a:r>
+              <a:r>
+                <a:rPr lang="ko-KR" altLang="en-US" sz="1100" dirty="0" smtClean="0">
+                  <a:solidFill>
+                    <a:sysClr val="windowText" lastClr="000000"/>
+                  </a:solidFill>
+                </a:rPr>
+                <a:t>결과 </a:t>
+              </a:r>
+              <a:endParaRPr lang="en-US" altLang="ko-KR" sz="1100" dirty="0" smtClean="0">
+                <a:solidFill>
+                  <a:sysClr val="windowText" lastClr="000000"/>
+                </a:solidFill>
+              </a:endParaRPr>
+            </a:p>
+            <a:p>
+              <a:pPr algn="ctr"/>
+              <a:r>
+                <a:rPr lang="ko-KR" altLang="en-US" sz="1100" dirty="0" smtClean="0">
+                  <a:solidFill>
+                    <a:sysClr val="windowText" lastClr="000000"/>
+                  </a:solidFill>
+                </a:rPr>
+                <a:t>자료 검색</a:t>
               </a:r>
               <a:endParaRPr lang="ko-KR" altLang="en-US" sz="1100" dirty="0">
                 <a:solidFill>
@@ -5408,7 +8338,7 @@
           </p:nvSpPr>
           <p:spPr>
             <a:xfrm>
-              <a:off x="1355257" y="3985359"/>
+              <a:off x="3806491" y="3989844"/>
               <a:ext cx="1556992" cy="726131"/>
             </a:xfrm>
             <a:prstGeom prst="rect">
@@ -5450,7 +8380,23 @@
                     <a:schemeClr val="tx1"/>
                   </a:solidFill>
                 </a:rPr>
-                <a:t>강의평가 결과 코드 확인</a:t>
+                <a:t>강의평가 결과 </a:t>
+              </a:r>
+              <a:endParaRPr lang="en-US" altLang="ko-KR" sz="1100" dirty="0" smtClean="0">
+                <a:solidFill>
+                  <a:schemeClr val="tx1"/>
+                </a:solidFill>
+              </a:endParaRPr>
+            </a:p>
+            <a:p>
+              <a:pPr algn="ctr"/>
+              <a:r>
+                <a:rPr lang="ko-KR" altLang="en-US" sz="1100" dirty="0" smtClean="0">
+                  <a:solidFill>
+                    <a:schemeClr val="tx1"/>
+                  </a:solidFill>
+                </a:rPr>
+                <a:t>조회 권한 확인</a:t>
               </a:r>
               <a:endParaRPr lang="ko-KR" altLang="en-US" sz="1100" dirty="0">
                 <a:solidFill>
@@ -5471,8 +8417,8 @@
           </p:nvCxnSpPr>
           <p:spPr>
             <a:xfrm flipH="1">
-              <a:off x="2133753" y="2363952"/>
-              <a:ext cx="4008226" cy="1621407"/>
+              <a:off x="4584987" y="2363952"/>
+              <a:ext cx="1556992" cy="1625892"/>
             </a:xfrm>
             <a:prstGeom prst="straightConnector1">
               <a:avLst/>
@@ -5507,9 +8453,9 @@
             <p:nvPr/>
           </p:nvCxnSpPr>
           <p:spPr>
-            <a:xfrm flipH="1">
-              <a:off x="4137866" y="2363952"/>
-              <a:ext cx="2004113" cy="1621407"/>
+            <a:xfrm>
+              <a:off x="6141979" y="2363952"/>
+              <a:ext cx="1556992" cy="1625891"/>
             </a:xfrm>
             <a:prstGeom prst="straightConnector1">
               <a:avLst/>
@@ -5534,15 +8480,60 @@
             </a:fontRef>
           </p:style>
         </p:cxnSp>
+      </p:grpSp>
+    </p:spTree>
+    <p:extLst>
+      <p:ext uri="{BB962C8B-B14F-4D97-AF65-F5344CB8AC3E}">
+        <p14:creationId xmlns:p14="http://schemas.microsoft.com/office/powerpoint/2010/main" val="851830194"/>
+      </p:ext>
+    </p:extLst>
+  </p:cSld>
+  <p:clrMapOvr>
+    <a:masterClrMapping/>
+  </p:clrMapOvr>
+</p:sld>
+</file>
+
+<file path=ppt/slides/slide6.xml><?xml version="1.0" encoding="utf-8"?>
+<p:sld xmlns:a="http://schemas.openxmlformats.org/drawingml/2006/main" xmlns:r="http://schemas.openxmlformats.org/officeDocument/2006/relationships" xmlns:p="http://schemas.openxmlformats.org/presentationml/2006/main">
+  <p:cSld>
+    <p:spTree>
+      <p:nvGrpSpPr>
+        <p:cNvPr id="1" name=""/>
+        <p:cNvGrpSpPr/>
+        <p:nvPr/>
+      </p:nvGrpSpPr>
+      <p:grpSpPr>
+        <a:xfrm>
+          <a:off x="0" y="0"/>
+          <a:ext cx="0" cy="0"/>
+          <a:chOff x="0" y="0"/>
+          <a:chExt cx="0" cy="0"/>
+        </a:xfrm>
+      </p:grpSpPr>
+      <p:grpSp>
+        <p:nvGrpSpPr>
+          <p:cNvPr id="16" name="그룹 15"/>
+          <p:cNvGrpSpPr/>
+          <p:nvPr/>
+        </p:nvGrpSpPr>
+        <p:grpSpPr>
+          <a:xfrm>
+            <a:off x="3806491" y="1882520"/>
+            <a:ext cx="4670976" cy="3078154"/>
+            <a:chOff x="3806491" y="1637821"/>
+            <a:chExt cx="4670976" cy="3078154"/>
+          </a:xfrm>
+        </p:grpSpPr>
         <p:sp>
           <p:nvSpPr>
-            <p:cNvPr id="10" name="직사각형 9"/>
+            <p:cNvPr id="17" name="직사각형 16"/>
             <p:cNvSpPr/>
             <p:nvPr/>
           </p:nvSpPr>
           <p:spPr>
             <a:xfrm>
-              <a:off x="5363483" y="3985358"/>
+              <a:off x="6920475" y="3989843"/>
               <a:ext cx="1556992" cy="726131"/>
             </a:xfrm>
             <a:prstGeom prst="rect">
@@ -5584,7 +8575,23 @@
                     <a:sysClr val="windowText" lastClr="000000"/>
                   </a:solidFill>
                 </a:rPr>
-                <a:t>강의평가 결과 유효 기간 확인</a:t>
+                <a:t>강의평가 결과 </a:t>
+              </a:r>
+              <a:endParaRPr lang="en-US" altLang="ko-KR" sz="1100" dirty="0">
+                <a:solidFill>
+                  <a:sysClr val="windowText" lastClr="000000"/>
+                </a:solidFill>
+              </a:endParaRPr>
+            </a:p>
+            <a:p>
+              <a:pPr algn="ctr"/>
+              <a:r>
+                <a:rPr lang="ko-KR" altLang="en-US" sz="1100" dirty="0" smtClean="0">
+                  <a:solidFill>
+                    <a:sysClr val="windowText" lastClr="000000"/>
+                  </a:solidFill>
+                </a:rPr>
+                <a:t>조회 정보 출력</a:t>
               </a:r>
               <a:endParaRPr lang="ko-KR" altLang="en-US" sz="1100" dirty="0">
                 <a:solidFill>
@@ -5596,340 +8603,7 @@
         </p:sp>
         <p:sp>
           <p:nvSpPr>
-            <p:cNvPr id="11" name="직사각형 10"/>
-            <p:cNvSpPr/>
-            <p:nvPr/>
-          </p:nvSpPr>
-          <p:spPr>
-            <a:xfrm>
-              <a:off x="7367596" y="3985357"/>
-              <a:ext cx="1556992" cy="726131"/>
-            </a:xfrm>
-            <a:prstGeom prst="rect">
-              <a:avLst/>
-            </a:prstGeom>
-            <a:noFill/>
-            <a:ln w="31750">
-              <a:solidFill>
-                <a:schemeClr val="accent1">
-                  <a:shade val="50000"/>
-                </a:schemeClr>
-              </a:solidFill>
-            </a:ln>
-          </p:spPr>
-          <p:style>
-            <a:lnRef idx="2">
-              <a:schemeClr val="accent1">
-                <a:shade val="50000"/>
-              </a:schemeClr>
-            </a:lnRef>
-            <a:fillRef idx="1">
-              <a:schemeClr val="accent1"/>
-            </a:fillRef>
-            <a:effectRef idx="0">
-              <a:schemeClr val="accent1"/>
-            </a:effectRef>
-            <a:fontRef idx="minor">
-              <a:schemeClr val="lt1"/>
-            </a:fontRef>
-          </p:style>
-          <p:txBody>
-            <a:bodyPr rtlCol="0" anchor="ctr"/>
-            <a:lstStyle/>
-            <a:p>
-              <a:pPr algn="ctr"/>
-              <a:r>
-                <a:rPr lang="ko-KR" altLang="en-US" sz="1100" dirty="0" smtClean="0">
-                  <a:solidFill>
-                    <a:sysClr val="windowText" lastClr="000000"/>
-                  </a:solidFill>
-                </a:rPr>
-                <a:t>강의평가 결과 질문 정보 확인</a:t>
-              </a:r>
-              <a:endParaRPr lang="ko-KR" altLang="en-US" sz="1100" dirty="0">
-                <a:solidFill>
-                  <a:sysClr val="windowText" lastClr="000000"/>
-                </a:solidFill>
-              </a:endParaRPr>
-            </a:p>
-          </p:txBody>
-        </p:sp>
-        <p:sp>
-          <p:nvSpPr>
-            <p:cNvPr id="12" name="직사각형 11"/>
-            <p:cNvSpPr/>
-            <p:nvPr/>
-          </p:nvSpPr>
-          <p:spPr>
-            <a:xfrm>
-              <a:off x="9371239" y="3985356"/>
-              <a:ext cx="1556992" cy="726131"/>
-            </a:xfrm>
-            <a:prstGeom prst="rect">
-              <a:avLst/>
-            </a:prstGeom>
-            <a:noFill/>
-            <a:ln w="31750">
-              <a:solidFill>
-                <a:schemeClr val="accent1">
-                  <a:shade val="50000"/>
-                </a:schemeClr>
-              </a:solidFill>
-            </a:ln>
-          </p:spPr>
-          <p:style>
-            <a:lnRef idx="2">
-              <a:schemeClr val="accent1">
-                <a:shade val="50000"/>
-              </a:schemeClr>
-            </a:lnRef>
-            <a:fillRef idx="1">
-              <a:schemeClr val="accent1"/>
-            </a:fillRef>
-            <a:effectRef idx="0">
-              <a:schemeClr val="accent1"/>
-            </a:effectRef>
-            <a:fontRef idx="minor">
-              <a:schemeClr val="lt1"/>
-            </a:fontRef>
-          </p:style>
-          <p:txBody>
-            <a:bodyPr rtlCol="0" anchor="ctr"/>
-            <a:lstStyle/>
-            <a:p>
-              <a:pPr algn="ctr"/>
-              <a:r>
-                <a:rPr lang="ko-KR" altLang="en-US" sz="1100" dirty="0" smtClean="0">
-                  <a:solidFill>
-                    <a:sysClr val="windowText" lastClr="000000"/>
-                  </a:solidFill>
-                </a:rPr>
-                <a:t>강의평가 결과 답안 정보 확인</a:t>
-              </a:r>
-              <a:endParaRPr lang="ko-KR" altLang="en-US" sz="1100" dirty="0">
-                <a:solidFill>
-                  <a:sysClr val="windowText" lastClr="000000"/>
-                </a:solidFill>
-              </a:endParaRPr>
-            </a:p>
-          </p:txBody>
-        </p:sp>
-        <p:cxnSp>
-          <p:nvCxnSpPr>
-            <p:cNvPr id="13" name="직선 화살표 연결선 12"/>
-            <p:cNvCxnSpPr>
-              <a:stCxn id="6" idx="2"/>
-              <a:endCxn id="10" idx="0"/>
-            </p:cNvCxnSpPr>
-            <p:nvPr/>
-          </p:nvCxnSpPr>
-          <p:spPr>
-            <a:xfrm>
-              <a:off x="6141979" y="2363952"/>
-              <a:ext cx="0" cy="1621406"/>
-            </a:xfrm>
-            <a:prstGeom prst="straightConnector1">
-              <a:avLst/>
-            </a:prstGeom>
-            <a:ln w="38100">
-              <a:tailEnd type="triangle"/>
-            </a:ln>
-          </p:spPr>
-          <p:style>
-            <a:lnRef idx="1">
-              <a:schemeClr val="accent1"/>
-            </a:lnRef>
-            <a:fillRef idx="0">
-              <a:schemeClr val="accent1"/>
-            </a:fillRef>
-            <a:effectRef idx="0">
-              <a:schemeClr val="accent1"/>
-            </a:effectRef>
-            <a:fontRef idx="minor">
-              <a:schemeClr val="tx1"/>
-            </a:fontRef>
-          </p:style>
-        </p:cxnSp>
-        <p:cxnSp>
-          <p:nvCxnSpPr>
-            <p:cNvPr id="14" name="직선 화살표 연결선 13"/>
-            <p:cNvCxnSpPr>
-              <a:stCxn id="6" idx="2"/>
-              <a:endCxn id="11" idx="0"/>
-            </p:cNvCxnSpPr>
-            <p:nvPr/>
-          </p:nvCxnSpPr>
-          <p:spPr>
-            <a:xfrm>
-              <a:off x="6141979" y="2363952"/>
-              <a:ext cx="2004113" cy="1621405"/>
-            </a:xfrm>
-            <a:prstGeom prst="straightConnector1">
-              <a:avLst/>
-            </a:prstGeom>
-            <a:ln w="38100">
-              <a:tailEnd type="triangle"/>
-            </a:ln>
-          </p:spPr>
-          <p:style>
-            <a:lnRef idx="1">
-              <a:schemeClr val="accent1"/>
-            </a:lnRef>
-            <a:fillRef idx="0">
-              <a:schemeClr val="accent1"/>
-            </a:fillRef>
-            <a:effectRef idx="0">
-              <a:schemeClr val="accent1"/>
-            </a:effectRef>
-            <a:fontRef idx="minor">
-              <a:schemeClr val="tx1"/>
-            </a:fontRef>
-          </p:style>
-        </p:cxnSp>
-        <p:cxnSp>
-          <p:nvCxnSpPr>
-            <p:cNvPr id="15" name="직선 화살표 연결선 14"/>
-            <p:cNvCxnSpPr>
-              <a:stCxn id="6" idx="2"/>
-              <a:endCxn id="12" idx="0"/>
-            </p:cNvCxnSpPr>
-            <p:nvPr/>
-          </p:nvCxnSpPr>
-          <p:spPr>
-            <a:xfrm>
-              <a:off x="6141979" y="2363952"/>
-              <a:ext cx="4007756" cy="1621404"/>
-            </a:xfrm>
-            <a:prstGeom prst="straightConnector1">
-              <a:avLst/>
-            </a:prstGeom>
-            <a:ln w="38100">
-              <a:tailEnd type="triangle"/>
-            </a:ln>
-          </p:spPr>
-          <p:style>
-            <a:lnRef idx="1">
-              <a:schemeClr val="accent1"/>
-            </a:lnRef>
-            <a:fillRef idx="0">
-              <a:schemeClr val="accent1"/>
-            </a:fillRef>
-            <a:effectRef idx="0">
-              <a:schemeClr val="accent1"/>
-            </a:effectRef>
-            <a:fontRef idx="minor">
-              <a:schemeClr val="tx1"/>
-            </a:fontRef>
-          </p:style>
-        </p:cxnSp>
-      </p:grpSp>
-    </p:spTree>
-    <p:extLst>
-      <p:ext uri="{BB962C8B-B14F-4D97-AF65-F5344CB8AC3E}">
-        <p14:creationId xmlns:p14="http://schemas.microsoft.com/office/powerpoint/2010/main" val="851830194"/>
-      </p:ext>
-    </p:extLst>
-  </p:cSld>
-  <p:clrMapOvr>
-    <a:masterClrMapping/>
-  </p:clrMapOvr>
-</p:sld>
-</file>
-
-<file path=ppt/slides/slide4.xml><?xml version="1.0" encoding="utf-8"?>
-<p:sld xmlns:a="http://schemas.openxmlformats.org/drawingml/2006/main" xmlns:r="http://schemas.openxmlformats.org/officeDocument/2006/relationships" xmlns:p="http://schemas.openxmlformats.org/presentationml/2006/main">
-  <p:cSld>
-    <p:spTree>
-      <p:nvGrpSpPr>
-        <p:cNvPr id="1" name=""/>
-        <p:cNvGrpSpPr/>
-        <p:nvPr/>
-      </p:nvGrpSpPr>
-      <p:grpSpPr>
-        <a:xfrm>
-          <a:off x="0" y="0"/>
-          <a:ext cx="0" cy="0"/>
-          <a:chOff x="0" y="0"/>
-          <a:chExt cx="0" cy="0"/>
-        </a:xfrm>
-      </p:grpSpPr>
-      <p:grpSp>
-        <p:nvGrpSpPr>
-          <p:cNvPr id="4" name="그룹 3"/>
-          <p:cNvGrpSpPr/>
-          <p:nvPr/>
-        </p:nvGrpSpPr>
-        <p:grpSpPr>
-          <a:xfrm>
-            <a:off x="1355257" y="1882520"/>
-            <a:ext cx="9572974" cy="3073669"/>
-            <a:chOff x="1355257" y="1637821"/>
-            <a:chExt cx="9572974" cy="3073669"/>
-          </a:xfrm>
-        </p:grpSpPr>
-        <p:sp>
-          <p:nvSpPr>
-            <p:cNvPr id="5" name="직사각형 4"/>
-            <p:cNvSpPr/>
-            <p:nvPr/>
-          </p:nvSpPr>
-          <p:spPr>
-            <a:xfrm>
-              <a:off x="3359370" y="3985359"/>
-              <a:ext cx="1556992" cy="726131"/>
-            </a:xfrm>
-            <a:prstGeom prst="rect">
-              <a:avLst/>
-            </a:prstGeom>
-            <a:noFill/>
-            <a:ln w="31750">
-              <a:solidFill>
-                <a:schemeClr val="accent1">
-                  <a:shade val="50000"/>
-                </a:schemeClr>
-              </a:solidFill>
-            </a:ln>
-          </p:spPr>
-          <p:style>
-            <a:lnRef idx="2">
-              <a:schemeClr val="accent1">
-                <a:shade val="50000"/>
-              </a:schemeClr>
-            </a:lnRef>
-            <a:fillRef idx="1">
-              <a:schemeClr val="accent1"/>
-            </a:fillRef>
-            <a:effectRef idx="0">
-              <a:schemeClr val="accent1"/>
-            </a:effectRef>
-            <a:fontRef idx="minor">
-              <a:schemeClr val="lt1"/>
-            </a:fontRef>
-          </p:style>
-          <p:txBody>
-            <a:bodyPr rtlCol="0" anchor="ctr"/>
-            <a:lstStyle/>
-            <a:p>
-              <a:pPr algn="ctr"/>
-              <a:r>
-                <a:rPr lang="ko-KR" altLang="en-US" sz="1100" dirty="0" smtClean="0">
-                  <a:solidFill>
-                    <a:sysClr val="windowText" lastClr="000000"/>
-                  </a:solidFill>
-                </a:rPr>
-                <a:t>강의평가 결과 평가 대상 구분 확인</a:t>
-              </a:r>
-              <a:endParaRPr lang="ko-KR" altLang="en-US" sz="1100" dirty="0">
-                <a:solidFill>
-                  <a:sysClr val="windowText" lastClr="000000"/>
-                </a:solidFill>
-              </a:endParaRPr>
-            </a:p>
-          </p:txBody>
-        </p:sp>
-        <p:sp>
-          <p:nvSpPr>
-            <p:cNvPr id="6" name="직사각형 5"/>
+            <p:cNvPr id="18" name="직사각형 17"/>
             <p:cNvSpPr/>
             <p:nvPr/>
           </p:nvSpPr>
@@ -5993,7 +8667,15 @@
                     <a:sysClr val="windowText" lastClr="000000"/>
                   </a:solidFill>
                 </a:rPr>
-                <a:t>조회 정보 출력</a:t>
+                <a:t>조회 정보 </a:t>
+              </a:r>
+              <a:r>
+                <a:rPr lang="ko-KR" altLang="en-US" sz="1100" dirty="0" smtClean="0">
+                  <a:solidFill>
+                    <a:sysClr val="windowText" lastClr="000000"/>
+                  </a:solidFill>
+                </a:rPr>
+                <a:t>출력</a:t>
               </a:r>
               <a:endParaRPr lang="ko-KR" altLang="en-US" sz="1100" dirty="0">
                 <a:solidFill>
@@ -6005,13 +8687,13 @@
         </p:sp>
         <p:sp>
           <p:nvSpPr>
-            <p:cNvPr id="7" name="직사각형 6"/>
+            <p:cNvPr id="19" name="직사각형 18"/>
             <p:cNvSpPr/>
             <p:nvPr/>
           </p:nvSpPr>
           <p:spPr>
             <a:xfrm>
-              <a:off x="1355257" y="3985359"/>
+              <a:off x="3806491" y="3989844"/>
               <a:ext cx="1556992" cy="726131"/>
             </a:xfrm>
             <a:prstGeom prst="rect">
@@ -6053,7 +8735,23 @@
                     <a:schemeClr val="tx1"/>
                   </a:solidFill>
                 </a:rPr>
-                <a:t>강의평가 결과 코드 확인</a:t>
+                <a:t>강의평가 결과</a:t>
+              </a:r>
+              <a:endParaRPr lang="en-US" altLang="ko-KR" sz="1100" dirty="0" smtClean="0">
+                <a:solidFill>
+                  <a:schemeClr val="tx1"/>
+                </a:solidFill>
+              </a:endParaRPr>
+            </a:p>
+            <a:p>
+              <a:pPr algn="ctr"/>
+              <a:r>
+                <a:rPr lang="ko-KR" altLang="en-US" sz="1100" dirty="0" smtClean="0">
+                  <a:solidFill>
+                    <a:schemeClr val="tx1"/>
+                  </a:solidFill>
+                </a:rPr>
+                <a:t>조회 권한 오류 출력</a:t>
               </a:r>
               <a:endParaRPr lang="ko-KR" altLang="en-US" sz="1100" dirty="0">
                 <a:solidFill>
@@ -6065,17 +8763,17 @@
         </p:sp>
         <p:cxnSp>
           <p:nvCxnSpPr>
-            <p:cNvPr id="8" name="직선 화살표 연결선 7"/>
+            <p:cNvPr id="20" name="직선 화살표 연결선 19"/>
             <p:cNvCxnSpPr>
-              <a:stCxn id="6" idx="2"/>
-              <a:endCxn id="7" idx="0"/>
+              <a:stCxn id="18" idx="2"/>
+              <a:endCxn id="19" idx="0"/>
             </p:cNvCxnSpPr>
             <p:nvPr/>
           </p:nvCxnSpPr>
           <p:spPr>
             <a:xfrm flipH="1">
-              <a:off x="2133753" y="2363952"/>
-              <a:ext cx="4008226" cy="1621407"/>
+              <a:off x="4584987" y="2363952"/>
+              <a:ext cx="1556992" cy="1625892"/>
             </a:xfrm>
             <a:prstGeom prst="straightConnector1">
               <a:avLst/>
@@ -6102,17 +8800,17 @@
         </p:cxnSp>
         <p:cxnSp>
           <p:nvCxnSpPr>
-            <p:cNvPr id="9" name="직선 화살표 연결선 8"/>
+            <p:cNvPr id="21" name="직선 화살표 연결선 20"/>
             <p:cNvCxnSpPr>
-              <a:stCxn id="6" idx="2"/>
-              <a:endCxn id="5" idx="0"/>
+              <a:stCxn id="18" idx="2"/>
+              <a:endCxn id="17" idx="0"/>
             </p:cNvCxnSpPr>
             <p:nvPr/>
           </p:nvCxnSpPr>
           <p:spPr>
-            <a:xfrm flipH="1">
-              <a:off x="4137866" y="2363952"/>
-              <a:ext cx="2004113" cy="1621407"/>
+            <a:xfrm>
+              <a:off x="6141979" y="2363952"/>
+              <a:ext cx="1556992" cy="1625891"/>
             </a:xfrm>
             <a:prstGeom prst="straightConnector1">
               <a:avLst/>
@@ -6137,299 +8835,239 @@
             </a:fontRef>
           </p:style>
         </p:cxnSp>
-        <p:sp>
-          <p:nvSpPr>
-            <p:cNvPr id="10" name="직사각형 9"/>
-            <p:cNvSpPr/>
-            <p:nvPr/>
-          </p:nvSpPr>
-          <p:spPr>
-            <a:xfrm>
-              <a:off x="5363483" y="3985358"/>
-              <a:ext cx="1556992" cy="726131"/>
-            </a:xfrm>
-            <a:prstGeom prst="rect">
-              <a:avLst/>
-            </a:prstGeom>
-            <a:noFill/>
-            <a:ln w="31750">
-              <a:solidFill>
-                <a:schemeClr val="accent1">
-                  <a:shade val="50000"/>
-                </a:schemeClr>
-              </a:solidFill>
-            </a:ln>
-          </p:spPr>
-          <p:style>
-            <a:lnRef idx="2">
-              <a:schemeClr val="accent1">
-                <a:shade val="50000"/>
-              </a:schemeClr>
-            </a:lnRef>
-            <a:fillRef idx="1">
-              <a:schemeClr val="accent1"/>
-            </a:fillRef>
-            <a:effectRef idx="0">
-              <a:schemeClr val="accent1"/>
-            </a:effectRef>
-            <a:fontRef idx="minor">
-              <a:schemeClr val="lt1"/>
-            </a:fontRef>
-          </p:style>
-          <p:txBody>
-            <a:bodyPr rtlCol="0" anchor="ctr"/>
-            <a:lstStyle/>
-            <a:p>
-              <a:pPr algn="ctr"/>
-              <a:r>
-                <a:rPr lang="ko-KR" altLang="en-US" sz="1100" dirty="0" smtClean="0">
-                  <a:solidFill>
-                    <a:sysClr val="windowText" lastClr="000000"/>
-                  </a:solidFill>
-                </a:rPr>
-                <a:t>강의평가 결과 유효 기간 확인</a:t>
-              </a:r>
-              <a:endParaRPr lang="ko-KR" altLang="en-US" sz="1100" dirty="0">
-                <a:solidFill>
-                  <a:sysClr val="windowText" lastClr="000000"/>
-                </a:solidFill>
-              </a:endParaRPr>
-            </a:p>
-          </p:txBody>
-        </p:sp>
-        <p:sp>
-          <p:nvSpPr>
-            <p:cNvPr id="11" name="직사각형 10"/>
-            <p:cNvSpPr/>
-            <p:nvPr/>
-          </p:nvSpPr>
-          <p:spPr>
-            <a:xfrm>
-              <a:off x="7367596" y="3985357"/>
-              <a:ext cx="1556992" cy="726131"/>
-            </a:xfrm>
-            <a:prstGeom prst="rect">
-              <a:avLst/>
-            </a:prstGeom>
-            <a:noFill/>
-            <a:ln w="31750">
-              <a:solidFill>
-                <a:schemeClr val="accent1">
-                  <a:shade val="50000"/>
-                </a:schemeClr>
-              </a:solidFill>
-            </a:ln>
-          </p:spPr>
-          <p:style>
-            <a:lnRef idx="2">
-              <a:schemeClr val="accent1">
-                <a:shade val="50000"/>
-              </a:schemeClr>
-            </a:lnRef>
-            <a:fillRef idx="1">
-              <a:schemeClr val="accent1"/>
-            </a:fillRef>
-            <a:effectRef idx="0">
-              <a:schemeClr val="accent1"/>
-            </a:effectRef>
-            <a:fontRef idx="minor">
-              <a:schemeClr val="lt1"/>
-            </a:fontRef>
-          </p:style>
-          <p:txBody>
-            <a:bodyPr rtlCol="0" anchor="ctr"/>
-            <a:lstStyle/>
-            <a:p>
-              <a:pPr algn="ctr"/>
-              <a:r>
-                <a:rPr lang="ko-KR" altLang="en-US" sz="1100" dirty="0" smtClean="0">
-                  <a:solidFill>
-                    <a:sysClr val="windowText" lastClr="000000"/>
-                  </a:solidFill>
-                </a:rPr>
-                <a:t>강의평가 결과 질문 정보 확인</a:t>
-              </a:r>
-              <a:endParaRPr lang="ko-KR" altLang="en-US" sz="1100" dirty="0">
-                <a:solidFill>
-                  <a:sysClr val="windowText" lastClr="000000"/>
-                </a:solidFill>
-              </a:endParaRPr>
-            </a:p>
-          </p:txBody>
-        </p:sp>
-        <p:sp>
-          <p:nvSpPr>
-            <p:cNvPr id="12" name="직사각형 11"/>
-            <p:cNvSpPr/>
-            <p:nvPr/>
-          </p:nvSpPr>
-          <p:spPr>
-            <a:xfrm>
-              <a:off x="9371239" y="3985356"/>
-              <a:ext cx="1556992" cy="726131"/>
-            </a:xfrm>
-            <a:prstGeom prst="rect">
-              <a:avLst/>
-            </a:prstGeom>
-            <a:noFill/>
-            <a:ln w="31750">
-              <a:solidFill>
-                <a:schemeClr val="accent1">
-                  <a:shade val="50000"/>
-                </a:schemeClr>
-              </a:solidFill>
-            </a:ln>
-          </p:spPr>
-          <p:style>
-            <a:lnRef idx="2">
-              <a:schemeClr val="accent1">
-                <a:shade val="50000"/>
-              </a:schemeClr>
-            </a:lnRef>
-            <a:fillRef idx="1">
-              <a:schemeClr val="accent1"/>
-            </a:fillRef>
-            <a:effectRef idx="0">
-              <a:schemeClr val="accent1"/>
-            </a:effectRef>
-            <a:fontRef idx="minor">
-              <a:schemeClr val="lt1"/>
-            </a:fontRef>
-          </p:style>
-          <p:txBody>
-            <a:bodyPr rtlCol="0" anchor="ctr"/>
-            <a:lstStyle/>
-            <a:p>
-              <a:pPr algn="ctr"/>
-              <a:r>
-                <a:rPr lang="ko-KR" altLang="en-US" sz="1100" dirty="0" smtClean="0">
-                  <a:solidFill>
-                    <a:sysClr val="windowText" lastClr="000000"/>
-                  </a:solidFill>
-                </a:rPr>
-                <a:t>강의평가 결과 답안 정보 확인</a:t>
-              </a:r>
-              <a:endParaRPr lang="ko-KR" altLang="en-US" sz="1100" dirty="0">
-                <a:solidFill>
-                  <a:sysClr val="windowText" lastClr="000000"/>
-                </a:solidFill>
-              </a:endParaRPr>
-            </a:p>
-          </p:txBody>
-        </p:sp>
-        <p:cxnSp>
-          <p:nvCxnSpPr>
-            <p:cNvPr id="13" name="직선 화살표 연결선 12"/>
-            <p:cNvCxnSpPr>
-              <a:stCxn id="6" idx="2"/>
-              <a:endCxn id="10" idx="0"/>
-            </p:cNvCxnSpPr>
-            <p:nvPr/>
-          </p:nvCxnSpPr>
-          <p:spPr>
-            <a:xfrm>
-              <a:off x="6141979" y="2363952"/>
-              <a:ext cx="0" cy="1621406"/>
-            </a:xfrm>
-            <a:prstGeom prst="straightConnector1">
-              <a:avLst/>
-            </a:prstGeom>
-            <a:ln w="38100">
-              <a:tailEnd type="triangle"/>
-            </a:ln>
-          </p:spPr>
-          <p:style>
-            <a:lnRef idx="1">
-              <a:schemeClr val="accent1"/>
-            </a:lnRef>
-            <a:fillRef idx="0">
-              <a:schemeClr val="accent1"/>
-            </a:fillRef>
-            <a:effectRef idx="0">
-              <a:schemeClr val="accent1"/>
-            </a:effectRef>
-            <a:fontRef idx="minor">
-              <a:schemeClr val="tx1"/>
-            </a:fontRef>
-          </p:style>
-        </p:cxnSp>
-        <p:cxnSp>
-          <p:nvCxnSpPr>
-            <p:cNvPr id="14" name="직선 화살표 연결선 13"/>
-            <p:cNvCxnSpPr>
-              <a:stCxn id="6" idx="2"/>
-              <a:endCxn id="11" idx="0"/>
-            </p:cNvCxnSpPr>
-            <p:nvPr/>
-          </p:nvCxnSpPr>
-          <p:spPr>
-            <a:xfrm>
-              <a:off x="6141979" y="2363952"/>
-              <a:ext cx="2004113" cy="1621405"/>
-            </a:xfrm>
-            <a:prstGeom prst="straightConnector1">
-              <a:avLst/>
-            </a:prstGeom>
-            <a:ln w="38100">
-              <a:tailEnd type="triangle"/>
-            </a:ln>
-          </p:spPr>
-          <p:style>
-            <a:lnRef idx="1">
-              <a:schemeClr val="accent1"/>
-            </a:lnRef>
-            <a:fillRef idx="0">
-              <a:schemeClr val="accent1"/>
-            </a:fillRef>
-            <a:effectRef idx="0">
-              <a:schemeClr val="accent1"/>
-            </a:effectRef>
-            <a:fontRef idx="minor">
-              <a:schemeClr val="tx1"/>
-            </a:fontRef>
-          </p:style>
-        </p:cxnSp>
-        <p:cxnSp>
-          <p:nvCxnSpPr>
-            <p:cNvPr id="15" name="직선 화살표 연결선 14"/>
-            <p:cNvCxnSpPr>
-              <a:stCxn id="6" idx="2"/>
-              <a:endCxn id="12" idx="0"/>
-            </p:cNvCxnSpPr>
-            <p:nvPr/>
-          </p:nvCxnSpPr>
-          <p:spPr>
-            <a:xfrm>
-              <a:off x="6141979" y="2363952"/>
-              <a:ext cx="4007756" cy="1621404"/>
-            </a:xfrm>
-            <a:prstGeom prst="straightConnector1">
-              <a:avLst/>
-            </a:prstGeom>
-            <a:ln w="38100">
-              <a:tailEnd type="triangle"/>
-            </a:ln>
-          </p:spPr>
-          <p:style>
-            <a:lnRef idx="1">
-              <a:schemeClr val="accent1"/>
-            </a:lnRef>
-            <a:fillRef idx="0">
-              <a:schemeClr val="accent1"/>
-            </a:fillRef>
-            <a:effectRef idx="0">
-              <a:schemeClr val="accent1"/>
-            </a:effectRef>
-            <a:fontRef idx="minor">
-              <a:schemeClr val="tx1"/>
-            </a:fontRef>
-          </p:style>
-        </p:cxnSp>
       </p:grpSp>
     </p:spTree>
     <p:extLst>
       <p:ext uri="{BB962C8B-B14F-4D97-AF65-F5344CB8AC3E}">
         <p14:creationId xmlns:p14="http://schemas.microsoft.com/office/powerpoint/2010/main" val="3616176268"/>
+      </p:ext>
+    </p:extLst>
+  </p:cSld>
+  <p:clrMapOvr>
+    <a:masterClrMapping/>
+  </p:clrMapOvr>
+</p:sld>
+</file>
+
+<file path=ppt/slides/slide7.xml><?xml version="1.0" encoding="utf-8"?>
+<p:sld xmlns:a="http://schemas.openxmlformats.org/drawingml/2006/main" xmlns:r="http://schemas.openxmlformats.org/officeDocument/2006/relationships" xmlns:p="http://schemas.openxmlformats.org/presentationml/2006/main">
+  <p:cSld>
+    <p:spTree>
+      <p:nvGrpSpPr>
+        <p:cNvPr id="1" name=""/>
+        <p:cNvGrpSpPr/>
+        <p:nvPr/>
+      </p:nvGrpSpPr>
+      <p:grpSpPr>
+        <a:xfrm>
+          <a:off x="0" y="0"/>
+          <a:ext cx="0" cy="0"/>
+          <a:chOff x="0" y="0"/>
+          <a:chExt cx="0" cy="0"/>
+        </a:xfrm>
+      </p:grpSpPr>
+      <p:pic>
+        <p:nvPicPr>
+          <p:cNvPr id="11" name="그림 10"/>
+          <p:cNvPicPr>
+            <a:picLocks noChangeAspect="1"/>
+          </p:cNvPicPr>
+          <p:nvPr/>
+        </p:nvPicPr>
+        <p:blipFill>
+          <a:blip r:embed="rId2"/>
+          <a:stretch>
+            <a:fillRect/>
+          </a:stretch>
+        </p:blipFill>
+        <p:spPr>
+          <a:xfrm>
+            <a:off x="1904081" y="570796"/>
+            <a:ext cx="8383837" cy="5716407"/>
+          </a:xfrm>
+          <a:prstGeom prst="rect">
+            <a:avLst/>
+          </a:prstGeom>
+          <a:ln>
+            <a:noFill/>
+            <a:prstDash val="lgDash"/>
+          </a:ln>
+        </p:spPr>
+      </p:pic>
+      <p:sp>
+        <p:nvSpPr>
+          <p:cNvPr id="9" name="자유형 8"/>
+          <p:cNvSpPr/>
+          <p:nvPr/>
+        </p:nvSpPr>
+        <p:spPr>
+          <a:xfrm>
+            <a:off x="4893971" y="759854"/>
+            <a:ext cx="3734874" cy="3168697"/>
+          </a:xfrm>
+          <a:custGeom>
+            <a:avLst/>
+            <a:gdLst>
+              <a:gd name="connsiteX0" fmla="*/ 0 w 3232598"/>
+              <a:gd name="connsiteY0" fmla="*/ 38636 h 2550041"/>
+              <a:gd name="connsiteX1" fmla="*/ 1081826 w 3232598"/>
+              <a:gd name="connsiteY1" fmla="*/ 2550017 h 2550041"/>
+              <a:gd name="connsiteX2" fmla="*/ 3232598 w 3232598"/>
+              <a:gd name="connsiteY2" fmla="*/ 0 h 2550041"/>
+            </a:gdLst>
+            <a:ahLst/>
+            <a:cxnLst>
+              <a:cxn ang="0">
+                <a:pos x="connsiteX0" y="connsiteY0"/>
+              </a:cxn>
+              <a:cxn ang="0">
+                <a:pos x="connsiteX1" y="connsiteY1"/>
+              </a:cxn>
+              <a:cxn ang="0">
+                <a:pos x="connsiteX2" y="connsiteY2"/>
+              </a:cxn>
+            </a:cxnLst>
+            <a:rect l="l" t="t" r="r" b="b"/>
+            <a:pathLst>
+              <a:path w="3232598" h="2550041">
+                <a:moveTo>
+                  <a:pt x="0" y="38636"/>
+                </a:moveTo>
+                <a:cubicBezTo>
+                  <a:pt x="271530" y="1297546"/>
+                  <a:pt x="543060" y="2556456"/>
+                  <a:pt x="1081826" y="2550017"/>
+                </a:cubicBezTo>
+                <a:cubicBezTo>
+                  <a:pt x="1620592" y="2543578"/>
+                  <a:pt x="2852671" y="399245"/>
+                  <a:pt x="3232598" y="0"/>
+                </a:cubicBezTo>
+              </a:path>
+            </a:pathLst>
+          </a:custGeom>
+          <a:noFill/>
+          <a:ln>
+            <a:solidFill>
+              <a:schemeClr val="accent1"/>
+            </a:solidFill>
+            <a:prstDash val="lgDash"/>
+          </a:ln>
+        </p:spPr>
+        <p:style>
+          <a:lnRef idx="2">
+            <a:schemeClr val="accent1">
+              <a:shade val="50000"/>
+            </a:schemeClr>
+          </a:lnRef>
+          <a:fillRef idx="1">
+            <a:schemeClr val="accent1"/>
+          </a:fillRef>
+          <a:effectRef idx="0">
+            <a:schemeClr val="accent1"/>
+          </a:effectRef>
+          <a:fontRef idx="minor">
+            <a:schemeClr val="lt1"/>
+          </a:fontRef>
+        </p:style>
+        <p:txBody>
+          <a:bodyPr rtlCol="0" anchor="ctr"/>
+          <a:lstStyle/>
+          <a:p>
+            <a:pPr algn="ctr"/>
+            <a:endParaRPr lang="ko-KR" altLang="en-US"/>
+          </a:p>
+        </p:txBody>
+      </p:sp>
+      <p:sp>
+        <p:nvSpPr>
+          <p:cNvPr id="13" name="자유형 12"/>
+          <p:cNvSpPr/>
+          <p:nvPr/>
+        </p:nvSpPr>
+        <p:spPr>
+          <a:xfrm>
+            <a:off x="7010400" y="3671119"/>
+            <a:ext cx="4267200" cy="2412181"/>
+          </a:xfrm>
+          <a:custGeom>
+            <a:avLst/>
+            <a:gdLst>
+              <a:gd name="connsiteX0" fmla="*/ 0 w 4864100"/>
+              <a:gd name="connsiteY0" fmla="*/ 2412181 h 2412181"/>
+              <a:gd name="connsiteX1" fmla="*/ 2311400 w 4864100"/>
+              <a:gd name="connsiteY1" fmla="*/ 24581 h 2412181"/>
+              <a:gd name="connsiteX2" fmla="*/ 4864100 w 4864100"/>
+              <a:gd name="connsiteY2" fmla="*/ 1167581 h 2412181"/>
+            </a:gdLst>
+            <a:ahLst/>
+            <a:cxnLst>
+              <a:cxn ang="0">
+                <a:pos x="connsiteX0" y="connsiteY0"/>
+              </a:cxn>
+              <a:cxn ang="0">
+                <a:pos x="connsiteX1" y="connsiteY1"/>
+              </a:cxn>
+              <a:cxn ang="0">
+                <a:pos x="connsiteX2" y="connsiteY2"/>
+              </a:cxn>
+            </a:cxnLst>
+            <a:rect l="l" t="t" r="r" b="b"/>
+            <a:pathLst>
+              <a:path w="4864100" h="2412181">
+                <a:moveTo>
+                  <a:pt x="0" y="2412181"/>
+                </a:moveTo>
+                <a:cubicBezTo>
+                  <a:pt x="750358" y="1322097"/>
+                  <a:pt x="1500717" y="232014"/>
+                  <a:pt x="2311400" y="24581"/>
+                </a:cubicBezTo>
+                <a:cubicBezTo>
+                  <a:pt x="3122083" y="-182852"/>
+                  <a:pt x="4438650" y="985548"/>
+                  <a:pt x="4864100" y="1167581"/>
+                </a:cubicBezTo>
+              </a:path>
+            </a:pathLst>
+          </a:custGeom>
+          <a:noFill/>
+          <a:ln>
+            <a:solidFill>
+              <a:schemeClr val="accent1"/>
+            </a:solidFill>
+            <a:prstDash val="lgDash"/>
+          </a:ln>
+        </p:spPr>
+        <p:style>
+          <a:lnRef idx="2">
+            <a:schemeClr val="accent1">
+              <a:shade val="50000"/>
+            </a:schemeClr>
+          </a:lnRef>
+          <a:fillRef idx="1">
+            <a:schemeClr val="accent1"/>
+          </a:fillRef>
+          <a:effectRef idx="0">
+            <a:schemeClr val="accent1"/>
+          </a:effectRef>
+          <a:fontRef idx="minor">
+            <a:schemeClr val="lt1"/>
+          </a:fontRef>
+        </p:style>
+        <p:txBody>
+          <a:bodyPr rtlCol="0" anchor="ctr"/>
+          <a:lstStyle/>
+          <a:p>
+            <a:pPr algn="ctr"/>
+            <a:endParaRPr lang="ko-KR" altLang="en-US"/>
+          </a:p>
+        </p:txBody>
+      </p:sp>
+    </p:spTree>
+    <p:extLst>
+      <p:ext uri="{BB962C8B-B14F-4D97-AF65-F5344CB8AC3E}">
+        <p14:creationId xmlns:p14="http://schemas.microsoft.com/office/powerpoint/2010/main" val="182199038"/>
       </p:ext>
     </p:extLst>
   </p:cSld>

--- a/SDD 관련 자료/작업 결과물/처리 모형도/이전파일/강의평과 결과 조회.pptx
+++ b/SDD 관련 자료/작업 결과물/처리 모형도/이전파일/강의평과 결과 조회.pptx
@@ -4,14 +4,16 @@
   <p:sldMasterIdLst>
     <p:sldMasterId id="2147483648" r:id="rId1"/>
   </p:sldMasterIdLst>
+  <p:notesMasterIdLst>
+    <p:notesMasterId r:id="rId8"/>
+  </p:notesMasterIdLst>
   <p:sldIdLst>
-    <p:sldId id="256" r:id="rId2"/>
-    <p:sldId id="261" r:id="rId3"/>
-    <p:sldId id="260" r:id="rId4"/>
-    <p:sldId id="257" r:id="rId5"/>
-    <p:sldId id="258" r:id="rId6"/>
-    <p:sldId id="259" r:id="rId7"/>
-    <p:sldId id="262" r:id="rId8"/>
+    <p:sldId id="261" r:id="rId2"/>
+    <p:sldId id="260" r:id="rId3"/>
+    <p:sldId id="257" r:id="rId4"/>
+    <p:sldId id="258" r:id="rId5"/>
+    <p:sldId id="259" r:id="rId6"/>
+    <p:sldId id="262" r:id="rId7"/>
   </p:sldIdLst>
   <p:sldSz cx="12192000" cy="6858000"/>
   <p:notesSz cx="6858000" cy="9144000"/>
@@ -127,6 +129,440 @@
     </p:ext>
   </p:extLst>
 </p:presentation>
+</file>
+
+<file path=ppt/notesMasters/notesMaster1.xml><?xml version="1.0" encoding="utf-8"?>
+<p:notesMaster xmlns:a="http://schemas.openxmlformats.org/drawingml/2006/main" xmlns:r="http://schemas.openxmlformats.org/officeDocument/2006/relationships" xmlns:p="http://schemas.openxmlformats.org/presentationml/2006/main">
+  <p:cSld>
+    <p:bg>
+      <p:bgRef idx="1001">
+        <a:schemeClr val="bg1"/>
+      </p:bgRef>
+    </p:bg>
+    <p:spTree>
+      <p:nvGrpSpPr>
+        <p:cNvPr id="1" name=""/>
+        <p:cNvGrpSpPr/>
+        <p:nvPr/>
+      </p:nvGrpSpPr>
+      <p:grpSpPr>
+        <a:xfrm>
+          <a:off x="0" y="0"/>
+          <a:ext cx="0" cy="0"/>
+          <a:chOff x="0" y="0"/>
+          <a:chExt cx="0" cy="0"/>
+        </a:xfrm>
+      </p:grpSpPr>
+      <p:sp>
+        <p:nvSpPr>
+          <p:cNvPr id="2" name="머리글 개체 틀 1"/>
+          <p:cNvSpPr>
+            <a:spLocks noGrp="1"/>
+          </p:cNvSpPr>
+          <p:nvPr>
+            <p:ph type="hdr" sz="quarter"/>
+          </p:nvPr>
+        </p:nvSpPr>
+        <p:spPr>
+          <a:xfrm>
+            <a:off x="0" y="0"/>
+            <a:ext cx="2971800" cy="458788"/>
+          </a:xfrm>
+          <a:prstGeom prst="rect">
+            <a:avLst/>
+          </a:prstGeom>
+        </p:spPr>
+        <p:txBody>
+          <a:bodyPr vert="horz" lIns="91440" tIns="45720" rIns="91440" bIns="45720" rtlCol="0"/>
+          <a:lstStyle>
+            <a:lvl1pPr algn="l">
+              <a:defRPr sz="1200"/>
+            </a:lvl1pPr>
+          </a:lstStyle>
+          <a:p>
+            <a:endParaRPr lang="ko-KR" altLang="en-US"/>
+          </a:p>
+        </p:txBody>
+      </p:sp>
+      <p:sp>
+        <p:nvSpPr>
+          <p:cNvPr id="3" name="날짜 개체 틀 2"/>
+          <p:cNvSpPr>
+            <a:spLocks noGrp="1"/>
+          </p:cNvSpPr>
+          <p:nvPr>
+            <p:ph type="dt" idx="1"/>
+          </p:nvPr>
+        </p:nvSpPr>
+        <p:spPr>
+          <a:xfrm>
+            <a:off x="3884613" y="0"/>
+            <a:ext cx="2971800" cy="458788"/>
+          </a:xfrm>
+          <a:prstGeom prst="rect">
+            <a:avLst/>
+          </a:prstGeom>
+        </p:spPr>
+        <p:txBody>
+          <a:bodyPr vert="horz" lIns="91440" tIns="45720" rIns="91440" bIns="45720" rtlCol="0"/>
+          <a:lstStyle>
+            <a:lvl1pPr algn="r">
+              <a:defRPr sz="1200"/>
+            </a:lvl1pPr>
+          </a:lstStyle>
+          <a:p>
+            <a:fld id="{85632977-57FF-4290-851E-AE411BBBBEB2}" type="datetimeFigureOut">
+              <a:rPr lang="ko-KR" altLang="en-US" smtClean="0"/>
+              <a:t>2016-05-30</a:t>
+            </a:fld>
+            <a:endParaRPr lang="ko-KR" altLang="en-US"/>
+          </a:p>
+        </p:txBody>
+      </p:sp>
+      <p:sp>
+        <p:nvSpPr>
+          <p:cNvPr id="4" name="슬라이드 이미지 개체 틀 3"/>
+          <p:cNvSpPr>
+            <a:spLocks noGrp="1" noRot="1" noChangeAspect="1"/>
+          </p:cNvSpPr>
+          <p:nvPr>
+            <p:ph type="sldImg" idx="2"/>
+          </p:nvPr>
+        </p:nvSpPr>
+        <p:spPr>
+          <a:xfrm>
+            <a:off x="685800" y="1143000"/>
+            <a:ext cx="5486400" cy="3086100"/>
+          </a:xfrm>
+          <a:prstGeom prst="rect">
+            <a:avLst/>
+          </a:prstGeom>
+          <a:noFill/>
+          <a:ln w="12700">
+            <a:solidFill>
+              <a:prstClr val="black"/>
+            </a:solidFill>
+          </a:ln>
+        </p:spPr>
+        <p:txBody>
+          <a:bodyPr vert="horz" lIns="91440" tIns="45720" rIns="91440" bIns="45720" rtlCol="0" anchor="ctr"/>
+          <a:lstStyle/>
+          <a:p>
+            <a:endParaRPr lang="ko-KR" altLang="en-US"/>
+          </a:p>
+        </p:txBody>
+      </p:sp>
+      <p:sp>
+        <p:nvSpPr>
+          <p:cNvPr id="5" name="슬라이드 노트 개체 틀 4"/>
+          <p:cNvSpPr>
+            <a:spLocks noGrp="1"/>
+          </p:cNvSpPr>
+          <p:nvPr>
+            <p:ph type="body" sz="quarter" idx="3"/>
+          </p:nvPr>
+        </p:nvSpPr>
+        <p:spPr>
+          <a:xfrm>
+            <a:off x="685800" y="4400550"/>
+            <a:ext cx="5486400" cy="3600450"/>
+          </a:xfrm>
+          <a:prstGeom prst="rect">
+            <a:avLst/>
+          </a:prstGeom>
+        </p:spPr>
+        <p:txBody>
+          <a:bodyPr vert="horz" lIns="91440" tIns="45720" rIns="91440" bIns="45720" rtlCol="0"/>
+          <a:lstStyle/>
+          <a:p>
+            <a:pPr lvl="0"/>
+            <a:r>
+              <a:rPr lang="ko-KR" altLang="en-US" smtClean="0"/>
+              <a:t>마스터 텍스트 스타일을 편집합니다</a:t>
+            </a:r>
+          </a:p>
+          <a:p>
+            <a:pPr lvl="1"/>
+            <a:r>
+              <a:rPr lang="ko-KR" altLang="en-US" smtClean="0"/>
+              <a:t>둘째 수준</a:t>
+            </a:r>
+          </a:p>
+          <a:p>
+            <a:pPr lvl="2"/>
+            <a:r>
+              <a:rPr lang="ko-KR" altLang="en-US" smtClean="0"/>
+              <a:t>셋째 수준</a:t>
+            </a:r>
+          </a:p>
+          <a:p>
+            <a:pPr lvl="3"/>
+            <a:r>
+              <a:rPr lang="ko-KR" altLang="en-US" smtClean="0"/>
+              <a:t>넷째 수준</a:t>
+            </a:r>
+          </a:p>
+          <a:p>
+            <a:pPr lvl="4"/>
+            <a:r>
+              <a:rPr lang="ko-KR" altLang="en-US" smtClean="0"/>
+              <a:t>다섯째 수준</a:t>
+            </a:r>
+            <a:endParaRPr lang="ko-KR" altLang="en-US"/>
+          </a:p>
+        </p:txBody>
+      </p:sp>
+      <p:sp>
+        <p:nvSpPr>
+          <p:cNvPr id="6" name="바닥글 개체 틀 5"/>
+          <p:cNvSpPr>
+            <a:spLocks noGrp="1"/>
+          </p:cNvSpPr>
+          <p:nvPr>
+            <p:ph type="ftr" sz="quarter" idx="4"/>
+          </p:nvPr>
+        </p:nvSpPr>
+        <p:spPr>
+          <a:xfrm>
+            <a:off x="0" y="8685213"/>
+            <a:ext cx="2971800" cy="458787"/>
+          </a:xfrm>
+          <a:prstGeom prst="rect">
+            <a:avLst/>
+          </a:prstGeom>
+        </p:spPr>
+        <p:txBody>
+          <a:bodyPr vert="horz" lIns="91440" tIns="45720" rIns="91440" bIns="45720" rtlCol="0" anchor="b"/>
+          <a:lstStyle>
+            <a:lvl1pPr algn="l">
+              <a:defRPr sz="1200"/>
+            </a:lvl1pPr>
+          </a:lstStyle>
+          <a:p>
+            <a:endParaRPr lang="ko-KR" altLang="en-US"/>
+          </a:p>
+        </p:txBody>
+      </p:sp>
+      <p:sp>
+        <p:nvSpPr>
+          <p:cNvPr id="7" name="슬라이드 번호 개체 틀 6"/>
+          <p:cNvSpPr>
+            <a:spLocks noGrp="1"/>
+          </p:cNvSpPr>
+          <p:nvPr>
+            <p:ph type="sldNum" sz="quarter" idx="5"/>
+          </p:nvPr>
+        </p:nvSpPr>
+        <p:spPr>
+          <a:xfrm>
+            <a:off x="3884613" y="8685213"/>
+            <a:ext cx="2971800" cy="458787"/>
+          </a:xfrm>
+          <a:prstGeom prst="rect">
+            <a:avLst/>
+          </a:prstGeom>
+        </p:spPr>
+        <p:txBody>
+          <a:bodyPr vert="horz" lIns="91440" tIns="45720" rIns="91440" bIns="45720" rtlCol="0" anchor="b"/>
+          <a:lstStyle>
+            <a:lvl1pPr algn="r">
+              <a:defRPr sz="1200"/>
+            </a:lvl1pPr>
+          </a:lstStyle>
+          <a:p>
+            <a:fld id="{698E7CFE-0065-4812-BF15-6F0AAA1E6F4C}" type="slidenum">
+              <a:rPr lang="ko-KR" altLang="en-US" smtClean="0"/>
+              <a:t>‹#›</a:t>
+            </a:fld>
+            <a:endParaRPr lang="ko-KR" altLang="en-US"/>
+          </a:p>
+        </p:txBody>
+      </p:sp>
+    </p:spTree>
+    <p:extLst>
+      <p:ext uri="{BB962C8B-B14F-4D97-AF65-F5344CB8AC3E}">
+        <p14:creationId xmlns:p14="http://schemas.microsoft.com/office/powerpoint/2010/main" val="4207796497"/>
+      </p:ext>
+    </p:extLst>
+  </p:cSld>
+  <p:clrMap bg1="lt1" tx1="dk1" bg2="lt2" tx2="dk2" accent1="accent1" accent2="accent2" accent3="accent3" accent4="accent4" accent5="accent5" accent6="accent6" hlink="hlink" folHlink="folHlink"/>
+  <p:notesStyle>
+    <a:lvl1pPr marL="0" algn="l" defTabSz="914400" rtl="0" eaLnBrk="1" latinLnBrk="1" hangingPunct="1">
+      <a:defRPr sz="1200" kern="1200">
+        <a:solidFill>
+          <a:schemeClr val="tx1"/>
+        </a:solidFill>
+        <a:latin typeface="+mn-lt"/>
+        <a:ea typeface="+mn-ea"/>
+        <a:cs typeface="+mn-cs"/>
+      </a:defRPr>
+    </a:lvl1pPr>
+    <a:lvl2pPr marL="457200" algn="l" defTabSz="914400" rtl="0" eaLnBrk="1" latinLnBrk="1" hangingPunct="1">
+      <a:defRPr sz="1200" kern="1200">
+        <a:solidFill>
+          <a:schemeClr val="tx1"/>
+        </a:solidFill>
+        <a:latin typeface="+mn-lt"/>
+        <a:ea typeface="+mn-ea"/>
+        <a:cs typeface="+mn-cs"/>
+      </a:defRPr>
+    </a:lvl2pPr>
+    <a:lvl3pPr marL="914400" algn="l" defTabSz="914400" rtl="0" eaLnBrk="1" latinLnBrk="1" hangingPunct="1">
+      <a:defRPr sz="1200" kern="1200">
+        <a:solidFill>
+          <a:schemeClr val="tx1"/>
+        </a:solidFill>
+        <a:latin typeface="+mn-lt"/>
+        <a:ea typeface="+mn-ea"/>
+        <a:cs typeface="+mn-cs"/>
+      </a:defRPr>
+    </a:lvl3pPr>
+    <a:lvl4pPr marL="1371600" algn="l" defTabSz="914400" rtl="0" eaLnBrk="1" latinLnBrk="1" hangingPunct="1">
+      <a:defRPr sz="1200" kern="1200">
+        <a:solidFill>
+          <a:schemeClr val="tx1"/>
+        </a:solidFill>
+        <a:latin typeface="+mn-lt"/>
+        <a:ea typeface="+mn-ea"/>
+        <a:cs typeface="+mn-cs"/>
+      </a:defRPr>
+    </a:lvl4pPr>
+    <a:lvl5pPr marL="1828800" algn="l" defTabSz="914400" rtl="0" eaLnBrk="1" latinLnBrk="1" hangingPunct="1">
+      <a:defRPr sz="1200" kern="1200">
+        <a:solidFill>
+          <a:schemeClr val="tx1"/>
+        </a:solidFill>
+        <a:latin typeface="+mn-lt"/>
+        <a:ea typeface="+mn-ea"/>
+        <a:cs typeface="+mn-cs"/>
+      </a:defRPr>
+    </a:lvl5pPr>
+    <a:lvl6pPr marL="2286000" algn="l" defTabSz="914400" rtl="0" eaLnBrk="1" latinLnBrk="1" hangingPunct="1">
+      <a:defRPr sz="1200" kern="1200">
+        <a:solidFill>
+          <a:schemeClr val="tx1"/>
+        </a:solidFill>
+        <a:latin typeface="+mn-lt"/>
+        <a:ea typeface="+mn-ea"/>
+        <a:cs typeface="+mn-cs"/>
+      </a:defRPr>
+    </a:lvl6pPr>
+    <a:lvl7pPr marL="2743200" algn="l" defTabSz="914400" rtl="0" eaLnBrk="1" latinLnBrk="1" hangingPunct="1">
+      <a:defRPr sz="1200" kern="1200">
+        <a:solidFill>
+          <a:schemeClr val="tx1"/>
+        </a:solidFill>
+        <a:latin typeface="+mn-lt"/>
+        <a:ea typeface="+mn-ea"/>
+        <a:cs typeface="+mn-cs"/>
+      </a:defRPr>
+    </a:lvl7pPr>
+    <a:lvl8pPr marL="3200400" algn="l" defTabSz="914400" rtl="0" eaLnBrk="1" latinLnBrk="1" hangingPunct="1">
+      <a:defRPr sz="1200" kern="1200">
+        <a:solidFill>
+          <a:schemeClr val="tx1"/>
+        </a:solidFill>
+        <a:latin typeface="+mn-lt"/>
+        <a:ea typeface="+mn-ea"/>
+        <a:cs typeface="+mn-cs"/>
+      </a:defRPr>
+    </a:lvl8pPr>
+    <a:lvl9pPr marL="3657600" algn="l" defTabSz="914400" rtl="0" eaLnBrk="1" latinLnBrk="1" hangingPunct="1">
+      <a:defRPr sz="1200" kern="1200">
+        <a:solidFill>
+          <a:schemeClr val="tx1"/>
+        </a:solidFill>
+        <a:latin typeface="+mn-lt"/>
+        <a:ea typeface="+mn-ea"/>
+        <a:cs typeface="+mn-cs"/>
+      </a:defRPr>
+    </a:lvl9pPr>
+  </p:notesStyle>
+</p:notesMaster>
+</file>
+
+<file path=ppt/notesSlides/notesSlide1.xml><?xml version="1.0" encoding="utf-8"?>
+<p:notes xmlns:a="http://schemas.openxmlformats.org/drawingml/2006/main" xmlns:r="http://schemas.openxmlformats.org/officeDocument/2006/relationships" xmlns:p="http://schemas.openxmlformats.org/presentationml/2006/main">
+  <p:cSld>
+    <p:spTree>
+      <p:nvGrpSpPr>
+        <p:cNvPr id="1" name=""/>
+        <p:cNvGrpSpPr/>
+        <p:nvPr/>
+      </p:nvGrpSpPr>
+      <p:grpSpPr>
+        <a:xfrm>
+          <a:off x="0" y="0"/>
+          <a:ext cx="0" cy="0"/>
+          <a:chOff x="0" y="0"/>
+          <a:chExt cx="0" cy="0"/>
+        </a:xfrm>
+      </p:grpSpPr>
+      <p:sp>
+        <p:nvSpPr>
+          <p:cNvPr id="2" name="슬라이드 이미지 개체 틀 1"/>
+          <p:cNvSpPr>
+            <a:spLocks noGrp="1" noRot="1" noChangeAspect="1"/>
+          </p:cNvSpPr>
+          <p:nvPr>
+            <p:ph type="sldImg"/>
+          </p:nvPr>
+        </p:nvSpPr>
+        <p:spPr/>
+      </p:sp>
+      <p:sp>
+        <p:nvSpPr>
+          <p:cNvPr id="3" name="슬라이드 노트 개체 틀 2"/>
+          <p:cNvSpPr>
+            <a:spLocks noGrp="1"/>
+          </p:cNvSpPr>
+          <p:nvPr>
+            <p:ph type="body" idx="1"/>
+          </p:nvPr>
+        </p:nvSpPr>
+        <p:spPr/>
+        <p:txBody>
+          <a:bodyPr/>
+          <a:lstStyle/>
+          <a:p>
+            <a:endParaRPr lang="ko-KR" altLang="en-US" dirty="0"/>
+          </a:p>
+        </p:txBody>
+      </p:sp>
+      <p:sp>
+        <p:nvSpPr>
+          <p:cNvPr id="4" name="슬라이드 번호 개체 틀 3"/>
+          <p:cNvSpPr>
+            <a:spLocks noGrp="1"/>
+          </p:cNvSpPr>
+          <p:nvPr>
+            <p:ph type="sldNum" sz="quarter" idx="10"/>
+          </p:nvPr>
+        </p:nvSpPr>
+        <p:spPr/>
+        <p:txBody>
+          <a:bodyPr/>
+          <a:lstStyle/>
+          <a:p>
+            <a:fld id="{698E7CFE-0065-4812-BF15-6F0AAA1E6F4C}" type="slidenum">
+              <a:rPr lang="ko-KR" altLang="en-US" smtClean="0"/>
+              <a:t>1</a:t>
+            </a:fld>
+            <a:endParaRPr lang="ko-KR" altLang="en-US"/>
+          </a:p>
+        </p:txBody>
+      </p:sp>
+    </p:spTree>
+    <p:extLst>
+      <p:ext uri="{BB962C8B-B14F-4D97-AF65-F5344CB8AC3E}">
+        <p14:creationId xmlns:p14="http://schemas.microsoft.com/office/powerpoint/2010/main" val="2930944413"/>
+      </p:ext>
+    </p:extLst>
+  </p:cSld>
+  <p:clrMapOvr>
+    <a:masterClrMapping/>
+  </p:clrMapOvr>
+</p:notes>
 </file>
 
 <file path=ppt/slideLayouts/slideLayout1.xml><?xml version="1.0" encoding="utf-8"?>
@@ -2973,7 +3409,7 @@
         </p:nvSpPr>
         <p:spPr>
           <a:xfrm>
-            <a:off x="2428332" y="5935821"/>
+            <a:off x="5170299" y="4466898"/>
             <a:ext cx="1556992" cy="726131"/>
           </a:xfrm>
           <a:prstGeom prst="rect">
@@ -3010,61 +3446,38 @@
           <a:p>
             <a:pPr algn="ctr"/>
             <a:r>
-              <a:rPr lang="ko-KR" altLang="en-US" sz="1100" dirty="0">
+              <a:rPr lang="ko-KR" altLang="en-US" sz="1100" dirty="0" smtClean="0">
                 <a:solidFill>
                   <a:sysClr val="windowText" lastClr="000000"/>
                 </a:solidFill>
               </a:rPr>
-              <a:t>강의평가 결과 조회 정보 입력</a:t>
-            </a:r>
-          </a:p>
-        </p:txBody>
-      </p:sp>
-      <p:cxnSp>
-        <p:nvCxnSpPr>
-          <p:cNvPr id="6" name="직선 화살표 연결선 5"/>
-          <p:cNvCxnSpPr>
-            <a:endCxn id="5" idx="0"/>
-          </p:cNvCxnSpPr>
-          <p:nvPr/>
-        </p:nvCxnSpPr>
-        <p:spPr>
-          <a:xfrm flipH="1">
-            <a:off x="3206828" y="2920566"/>
-            <a:ext cx="3716977" cy="3015255"/>
-          </a:xfrm>
-          <a:prstGeom prst="straightConnector1">
-            <a:avLst/>
-          </a:prstGeom>
-          <a:ln w="38100">
-            <a:headEnd w="lg" len="lg"/>
-            <a:tailEnd type="triangle"/>
-          </a:ln>
-        </p:spPr>
-        <p:style>
-          <a:lnRef idx="1">
-            <a:schemeClr val="accent1"/>
-          </a:lnRef>
-          <a:fillRef idx="0">
-            <a:schemeClr val="accent1"/>
-          </a:fillRef>
-          <a:effectRef idx="0">
-            <a:schemeClr val="accent1"/>
-          </a:effectRef>
-          <a:fontRef idx="minor">
-            <a:schemeClr val="tx1"/>
-          </a:fontRef>
-        </p:style>
-      </p:cxnSp>
-      <p:sp>
-        <p:nvSpPr>
-          <p:cNvPr id="8" name="직사각형 7"/>
+              <a:t>강의평가 </a:t>
+            </a:r>
+            <a:r>
+              <a:rPr lang="ko-KR" altLang="en-US" sz="1100" dirty="0" smtClean="0">
+                <a:solidFill>
+                  <a:sysClr val="windowText" lastClr="000000"/>
+                </a:solidFill>
+              </a:rPr>
+              <a:t>결과 변환</a:t>
+            </a:r>
+            <a:endParaRPr lang="ko-KR" altLang="en-US" sz="1100" dirty="0">
+              <a:solidFill>
+                <a:sysClr val="windowText" lastClr="000000"/>
+              </a:solidFill>
+            </a:endParaRPr>
+          </a:p>
+        </p:txBody>
+      </p:sp>
+      <p:sp>
+        <p:nvSpPr>
+          <p:cNvPr id="6" name="직사각형 5"/>
           <p:cNvSpPr/>
           <p:nvPr/>
         </p:nvSpPr>
         <p:spPr>
           <a:xfrm>
-            <a:off x="8024415" y="6929942"/>
+            <a:off x="5170299" y="208266"/>
             <a:ext cx="1556992" cy="726131"/>
           </a:xfrm>
           <a:prstGeom prst="rect">
@@ -3106,20 +3519,41 @@
                   <a:sysClr val="windowText" lastClr="000000"/>
                 </a:solidFill>
               </a:rPr>
-              <a:t>강의평가 결과 조회 처리</a:t>
-            </a:r>
-          </a:p>
-        </p:txBody>
-      </p:sp>
-      <p:sp>
-        <p:nvSpPr>
-          <p:cNvPr id="9" name="직사각형 8"/>
+              <a:t>강의평가 결과 </a:t>
+            </a:r>
+            <a:endParaRPr lang="en-US" altLang="ko-KR" sz="1100" dirty="0" smtClean="0">
+              <a:solidFill>
+                <a:sysClr val="windowText" lastClr="000000"/>
+              </a:solidFill>
+            </a:endParaRPr>
+          </a:p>
+          <a:p>
+            <a:pPr algn="ctr"/>
+            <a:r>
+              <a:rPr lang="ko-KR" altLang="en-US" sz="1100" dirty="0" smtClean="0">
+                <a:solidFill>
+                  <a:sysClr val="windowText" lastClr="000000"/>
+                </a:solidFill>
+              </a:rPr>
+              <a:t>조회 처리</a:t>
+            </a:r>
+            <a:endParaRPr lang="ko-KR" altLang="en-US" sz="1100" dirty="0">
+              <a:solidFill>
+                <a:sysClr val="windowText" lastClr="000000"/>
+              </a:solidFill>
+            </a:endParaRPr>
+          </a:p>
+        </p:txBody>
+      </p:sp>
+      <p:sp>
+        <p:nvSpPr>
+          <p:cNvPr id="7" name="직사각형 6"/>
           <p:cNvSpPr/>
           <p:nvPr/>
         </p:nvSpPr>
         <p:spPr>
           <a:xfrm>
-            <a:off x="10635008" y="5935821"/>
+            <a:off x="2995121" y="4466897"/>
             <a:ext cx="1556992" cy="726131"/>
           </a:xfrm>
           <a:prstGeom prst="rect">
@@ -3156,26 +3590,34 @@
           <a:p>
             <a:pPr algn="ctr"/>
             <a:r>
-              <a:rPr lang="ko-KR" altLang="en-US" sz="1100" dirty="0">
+              <a:rPr lang="ko-KR" altLang="en-US" sz="1100" dirty="0" smtClean="0">
                 <a:solidFill>
-                  <a:sysClr val="windowText" lastClr="000000"/>
+                  <a:schemeClr val="tx1"/>
                 </a:solidFill>
               </a:rPr>
-              <a:t>강의평가 결과 조회 결과 출력</a:t>
-            </a:r>
+              <a:t>강의평가 결과 입력</a:t>
+            </a:r>
+            <a:endParaRPr lang="en-US" altLang="ko-KR" sz="1100" dirty="0" smtClean="0">
+              <a:solidFill>
+                <a:schemeClr val="tx1"/>
+              </a:solidFill>
+            </a:endParaRPr>
           </a:p>
         </p:txBody>
       </p:sp>
       <p:cxnSp>
         <p:nvCxnSpPr>
-          <p:cNvPr id="10" name="직선 화살표 연결선 9"/>
-          <p:cNvCxnSpPr/>
+          <p:cNvPr id="8" name="직선 화살표 연결선 7"/>
+          <p:cNvCxnSpPr>
+            <a:stCxn id="6" idx="2"/>
+            <a:endCxn id="7" idx="0"/>
+          </p:cNvCxnSpPr>
           <p:nvPr/>
         </p:nvCxnSpPr>
         <p:spPr>
           <a:xfrm flipH="1">
-            <a:off x="5656222" y="2917599"/>
-            <a:ext cx="1617940" cy="4012343"/>
+            <a:off x="3773617" y="934397"/>
+            <a:ext cx="2175178" cy="3532500"/>
           </a:xfrm>
           <a:prstGeom prst="straightConnector1">
             <a:avLst/>
@@ -3202,16 +3644,17 @@
       </p:cxnSp>
       <p:cxnSp>
         <p:nvCxnSpPr>
-          <p:cNvPr id="11" name="직선 화살표 연결선 10"/>
+          <p:cNvPr id="9" name="직선 화살표 연결선 8"/>
           <p:cNvCxnSpPr>
-            <a:endCxn id="9" idx="0"/>
+            <a:stCxn id="6" idx="2"/>
+            <a:endCxn id="5" idx="0"/>
           </p:cNvCxnSpPr>
           <p:nvPr/>
         </p:nvCxnSpPr>
         <p:spPr>
           <a:xfrm>
-            <a:off x="8024415" y="2917599"/>
-            <a:ext cx="3389089" cy="3018222"/>
+            <a:off x="5948795" y="934397"/>
+            <a:ext cx="0" cy="3532501"/>
           </a:xfrm>
           <a:prstGeom prst="straightConnector1">
             <a:avLst/>
@@ -3236,362 +3679,15 @@
           </a:fontRef>
         </p:style>
       </p:cxnSp>
-      <p:grpSp>
-        <p:nvGrpSpPr>
-          <p:cNvPr id="12" name="그룹 11"/>
-          <p:cNvGrpSpPr/>
-          <p:nvPr/>
-        </p:nvGrpSpPr>
-        <p:grpSpPr>
-          <a:xfrm rot="282253">
-            <a:off x="9654470" y="3998882"/>
-            <a:ext cx="465295" cy="429840"/>
-            <a:chOff x="5764817" y="2081712"/>
-            <a:chExt cx="465295" cy="429840"/>
-          </a:xfrm>
-        </p:grpSpPr>
-        <p:sp>
-          <p:nvSpPr>
-            <p:cNvPr id="13" name="타원 12"/>
-            <p:cNvSpPr/>
-            <p:nvPr/>
-          </p:nvSpPr>
-          <p:spPr>
-            <a:xfrm>
-              <a:off x="5764817" y="2081712"/>
-              <a:ext cx="254984" cy="254984"/>
-            </a:xfrm>
-            <a:prstGeom prst="ellipse">
-              <a:avLst/>
-            </a:prstGeom>
-            <a:noFill/>
-            <a:ln w="38100">
-              <a:solidFill>
-                <a:schemeClr val="accent1"/>
-              </a:solidFill>
-            </a:ln>
-          </p:spPr>
-          <p:style>
-            <a:lnRef idx="2">
-              <a:schemeClr val="accent1">
-                <a:shade val="50000"/>
-              </a:schemeClr>
-            </a:lnRef>
-            <a:fillRef idx="1">
-              <a:schemeClr val="accent1"/>
-            </a:fillRef>
-            <a:effectRef idx="0">
-              <a:schemeClr val="accent1"/>
-            </a:effectRef>
-            <a:fontRef idx="minor">
-              <a:schemeClr val="lt1"/>
-            </a:fontRef>
-          </p:style>
-          <p:txBody>
-            <a:bodyPr rtlCol="0" anchor="ctr"/>
-            <a:lstStyle/>
-            <a:p>
-              <a:pPr algn="ctr"/>
-              <a:endParaRPr lang="ko-KR" altLang="en-US"/>
-            </a:p>
-          </p:txBody>
-        </p:sp>
-        <p:cxnSp>
-          <p:nvCxnSpPr>
-            <p:cNvPr id="14" name="직선 연결선 13"/>
-            <p:cNvCxnSpPr>
-              <a:endCxn id="13" idx="5"/>
-            </p:cNvCxnSpPr>
-            <p:nvPr/>
-          </p:nvCxnSpPr>
-          <p:spPr>
-            <a:xfrm flipH="1" flipV="1">
-              <a:off x="5982459" y="2299354"/>
-              <a:ext cx="247653" cy="212198"/>
-            </a:xfrm>
-            <a:prstGeom prst="line">
-              <a:avLst/>
-            </a:prstGeom>
-            <a:ln w="38100">
-              <a:headEnd type="stealth" w="lg" len="lg"/>
-            </a:ln>
-          </p:spPr>
-          <p:style>
-            <a:lnRef idx="1">
-              <a:schemeClr val="accent1"/>
-            </a:lnRef>
-            <a:fillRef idx="0">
-              <a:schemeClr val="accent1"/>
-            </a:fillRef>
-            <a:effectRef idx="0">
-              <a:schemeClr val="accent1"/>
-            </a:effectRef>
-            <a:fontRef idx="minor">
-              <a:schemeClr val="tx1"/>
-            </a:fontRef>
-          </p:style>
-        </p:cxnSp>
-      </p:grpSp>
-      <p:sp>
-        <p:nvSpPr>
-          <p:cNvPr id="15" name="TextBox 14"/>
-          <p:cNvSpPr txBox="1"/>
-          <p:nvPr/>
-        </p:nvSpPr>
-        <p:spPr>
-          <a:xfrm rot="2557281">
-            <a:off x="9169273" y="4012563"/>
-            <a:ext cx="2076209" cy="261610"/>
-          </a:xfrm>
-          <a:prstGeom prst="rect">
-            <a:avLst/>
-          </a:prstGeom>
-          <a:noFill/>
-        </p:spPr>
-        <p:txBody>
-          <a:bodyPr wrap="none" rtlCol="0">
-            <a:spAutoFit/>
-          </a:bodyPr>
-          <a:lstStyle/>
-          <a:p>
-            <a:r>
-              <a:rPr lang="ko-KR" altLang="en-US" sz="1100" dirty="0"/>
-              <a:t>강의평가 결과 조회 결과 정보</a:t>
-            </a:r>
-          </a:p>
-        </p:txBody>
-      </p:sp>
-      <p:grpSp>
-        <p:nvGrpSpPr>
-          <p:cNvPr id="16" name="그룹 15"/>
-          <p:cNvGrpSpPr/>
-          <p:nvPr/>
-        </p:nvGrpSpPr>
-        <p:grpSpPr>
-          <a:xfrm rot="16602684">
-            <a:off x="4355471" y="4283495"/>
-            <a:ext cx="465295" cy="429840"/>
-            <a:chOff x="5764817" y="2081712"/>
-            <a:chExt cx="465295" cy="429840"/>
-          </a:xfrm>
-        </p:grpSpPr>
-        <p:sp>
-          <p:nvSpPr>
-            <p:cNvPr id="17" name="타원 16"/>
-            <p:cNvSpPr/>
-            <p:nvPr/>
-          </p:nvSpPr>
-          <p:spPr>
-            <a:xfrm>
-              <a:off x="5764817" y="2081712"/>
-              <a:ext cx="254984" cy="254984"/>
-            </a:xfrm>
-            <a:prstGeom prst="ellipse">
-              <a:avLst/>
-            </a:prstGeom>
-            <a:noFill/>
-            <a:ln w="38100">
-              <a:solidFill>
-                <a:schemeClr val="accent1"/>
-              </a:solidFill>
-            </a:ln>
-          </p:spPr>
-          <p:style>
-            <a:lnRef idx="2">
-              <a:schemeClr val="accent1">
-                <a:shade val="50000"/>
-              </a:schemeClr>
-            </a:lnRef>
-            <a:fillRef idx="1">
-              <a:schemeClr val="accent1"/>
-            </a:fillRef>
-            <a:effectRef idx="0">
-              <a:schemeClr val="accent1"/>
-            </a:effectRef>
-            <a:fontRef idx="minor">
-              <a:schemeClr val="lt1"/>
-            </a:fontRef>
-          </p:style>
-          <p:txBody>
-            <a:bodyPr rtlCol="0" anchor="ctr"/>
-            <a:lstStyle/>
-            <a:p>
-              <a:pPr algn="ctr"/>
-              <a:endParaRPr lang="ko-KR" altLang="en-US"/>
-            </a:p>
-          </p:txBody>
-        </p:sp>
-        <p:cxnSp>
-          <p:nvCxnSpPr>
-            <p:cNvPr id="18" name="직선 연결선 17"/>
-            <p:cNvCxnSpPr>
-              <a:endCxn id="17" idx="5"/>
-            </p:cNvCxnSpPr>
-            <p:nvPr/>
-          </p:nvCxnSpPr>
-          <p:spPr>
-            <a:xfrm flipH="1" flipV="1">
-              <a:off x="5982459" y="2299354"/>
-              <a:ext cx="247653" cy="212198"/>
-            </a:xfrm>
-            <a:prstGeom prst="line">
-              <a:avLst/>
-            </a:prstGeom>
-            <a:ln w="38100">
-              <a:headEnd type="stealth" w="lg" len="lg"/>
-            </a:ln>
-          </p:spPr>
-          <p:style>
-            <a:lnRef idx="1">
-              <a:schemeClr val="accent1"/>
-            </a:lnRef>
-            <a:fillRef idx="0">
-              <a:schemeClr val="accent1"/>
-            </a:fillRef>
-            <a:effectRef idx="0">
-              <a:schemeClr val="accent1"/>
-            </a:effectRef>
-            <a:fontRef idx="minor">
-              <a:schemeClr val="tx1"/>
-            </a:fontRef>
-          </p:style>
-        </p:cxnSp>
-      </p:grpSp>
-      <p:sp>
-        <p:nvSpPr>
-          <p:cNvPr id="19" name="TextBox 18"/>
-          <p:cNvSpPr txBox="1"/>
-          <p:nvPr/>
-        </p:nvSpPr>
-        <p:spPr>
-          <a:xfrm rot="19199642">
-            <a:off x="3349027" y="4217693"/>
-            <a:ext cx="2064041" cy="261610"/>
-          </a:xfrm>
-          <a:prstGeom prst="rect">
-            <a:avLst/>
-          </a:prstGeom>
-          <a:noFill/>
-        </p:spPr>
-        <p:txBody>
-          <a:bodyPr wrap="square" rtlCol="0">
-            <a:spAutoFit/>
-          </a:bodyPr>
-          <a:lstStyle/>
-          <a:p>
-            <a:r>
-              <a:rPr lang="ko-KR" altLang="en-US" sz="1100" dirty="0"/>
-              <a:t>조회할 강의평가 결과 정보</a:t>
-            </a:r>
-            <a:endParaRPr lang="ko-KR" altLang="en-US" sz="1600" dirty="0"/>
-          </a:p>
-        </p:txBody>
-      </p:sp>
-      <p:grpSp>
-        <p:nvGrpSpPr>
-          <p:cNvPr id="20" name="그룹 19"/>
-          <p:cNvGrpSpPr/>
-          <p:nvPr/>
-        </p:nvGrpSpPr>
-        <p:grpSpPr>
-          <a:xfrm rot="12890091">
-            <a:off x="8415940" y="5211972"/>
-            <a:ext cx="465295" cy="429840"/>
-            <a:chOff x="5764817" y="2081712"/>
-            <a:chExt cx="465295" cy="429840"/>
-          </a:xfrm>
-        </p:grpSpPr>
-        <p:sp>
-          <p:nvSpPr>
-            <p:cNvPr id="21" name="타원 20"/>
-            <p:cNvSpPr/>
-            <p:nvPr/>
-          </p:nvSpPr>
-          <p:spPr>
-            <a:xfrm>
-              <a:off x="5764817" y="2081712"/>
-              <a:ext cx="254984" cy="254984"/>
-            </a:xfrm>
-            <a:prstGeom prst="ellipse">
-              <a:avLst/>
-            </a:prstGeom>
-            <a:noFill/>
-            <a:ln w="38100">
-              <a:solidFill>
-                <a:schemeClr val="accent1"/>
-              </a:solidFill>
-            </a:ln>
-          </p:spPr>
-          <p:style>
-            <a:lnRef idx="2">
-              <a:schemeClr val="accent1">
-                <a:shade val="50000"/>
-              </a:schemeClr>
-            </a:lnRef>
-            <a:fillRef idx="1">
-              <a:schemeClr val="accent1"/>
-            </a:fillRef>
-            <a:effectRef idx="0">
-              <a:schemeClr val="accent1"/>
-            </a:effectRef>
-            <a:fontRef idx="minor">
-              <a:schemeClr val="lt1"/>
-            </a:fontRef>
-          </p:style>
-          <p:txBody>
-            <a:bodyPr rtlCol="0" anchor="ctr"/>
-            <a:lstStyle/>
-            <a:p>
-              <a:pPr algn="ctr"/>
-              <a:endParaRPr lang="ko-KR" altLang="en-US"/>
-            </a:p>
-          </p:txBody>
-        </p:sp>
-        <p:cxnSp>
-          <p:nvCxnSpPr>
-            <p:cNvPr id="22" name="직선 연결선 21"/>
-            <p:cNvCxnSpPr>
-              <a:endCxn id="21" idx="5"/>
-            </p:cNvCxnSpPr>
-            <p:nvPr/>
-          </p:nvCxnSpPr>
-          <p:spPr>
-            <a:xfrm flipH="1" flipV="1">
-              <a:off x="5982459" y="2299354"/>
-              <a:ext cx="247653" cy="212198"/>
-            </a:xfrm>
-            <a:prstGeom prst="line">
-              <a:avLst/>
-            </a:prstGeom>
-            <a:ln w="38100">
-              <a:headEnd type="stealth" w="lg" len="lg"/>
-            </a:ln>
-          </p:spPr>
-          <p:style>
-            <a:lnRef idx="1">
-              <a:schemeClr val="accent1"/>
-            </a:lnRef>
-            <a:fillRef idx="0">
-              <a:schemeClr val="accent1"/>
-            </a:fillRef>
-            <a:effectRef idx="0">
-              <a:schemeClr val="accent1"/>
-            </a:effectRef>
-            <a:fontRef idx="minor">
-              <a:schemeClr val="tx1"/>
-            </a:fontRef>
-          </p:style>
-        </p:cxnSp>
-      </p:grpSp>
-      <p:sp>
-        <p:nvSpPr>
-          <p:cNvPr id="25" name="직사각형 24"/>
+      <p:sp>
+        <p:nvSpPr>
+          <p:cNvPr id="10" name="직사각형 9"/>
           <p:cNvSpPr/>
           <p:nvPr/>
         </p:nvSpPr>
         <p:spPr>
           <a:xfrm>
-            <a:off x="6696848" y="2178452"/>
+            <a:off x="7305319" y="4466897"/>
             <a:ext cx="1556992" cy="726131"/>
           </a:xfrm>
           <a:prstGeom prst="rect">
@@ -3628,167 +3724,47 @@
           <a:p>
             <a:pPr algn="ctr"/>
             <a:r>
-              <a:rPr lang="ko-KR" altLang="en-US" sz="1100" dirty="0">
+              <a:rPr lang="ko-KR" altLang="en-US" sz="1100" dirty="0" smtClean="0">
                 <a:solidFill>
                   <a:sysClr val="windowText" lastClr="000000"/>
                 </a:solidFill>
               </a:rPr>
-              <a:t>강의평가 결과 조회</a:t>
-            </a:r>
-          </a:p>
-        </p:txBody>
-      </p:sp>
-      <p:grpSp>
-        <p:nvGrpSpPr>
-          <p:cNvPr id="27" name="그룹 26"/>
-          <p:cNvGrpSpPr/>
-          <p:nvPr/>
-        </p:nvGrpSpPr>
-        <p:grpSpPr>
-          <a:xfrm rot="1952499">
-            <a:off x="7496629" y="3748548"/>
-            <a:ext cx="465295" cy="429840"/>
-            <a:chOff x="5764817" y="2081712"/>
-            <a:chExt cx="465295" cy="429840"/>
-          </a:xfrm>
-        </p:grpSpPr>
-        <p:sp>
-          <p:nvSpPr>
-            <p:cNvPr id="28" name="타원 27"/>
-            <p:cNvSpPr/>
-            <p:nvPr/>
-          </p:nvSpPr>
-          <p:spPr>
-            <a:xfrm>
-              <a:off x="5764817" y="2081712"/>
-              <a:ext cx="254984" cy="254984"/>
-            </a:xfrm>
-            <a:prstGeom prst="ellipse">
-              <a:avLst/>
-            </a:prstGeom>
-            <a:noFill/>
-            <a:ln w="38100">
+              <a:t>강의평가 </a:t>
+            </a:r>
+            <a:r>
+              <a:rPr lang="ko-KR" altLang="en-US" sz="1100" dirty="0" smtClean="0">
+                <a:solidFill>
+                  <a:sysClr val="windowText" lastClr="000000"/>
+                </a:solidFill>
+              </a:rPr>
+              <a:t>결과 출력</a:t>
+            </a:r>
+            <a:endParaRPr lang="ko-KR" altLang="en-US" sz="1100" dirty="0">
               <a:solidFill>
-                <a:schemeClr val="accent1"/>
+                <a:sysClr val="windowText" lastClr="000000"/>
               </a:solidFill>
-            </a:ln>
-          </p:spPr>
-          <p:style>
-            <a:lnRef idx="2">
-              <a:schemeClr val="accent1">
-                <a:shade val="50000"/>
-              </a:schemeClr>
-            </a:lnRef>
-            <a:fillRef idx="1">
-              <a:schemeClr val="accent1"/>
-            </a:fillRef>
-            <a:effectRef idx="0">
-              <a:schemeClr val="accent1"/>
-            </a:effectRef>
-            <a:fontRef idx="minor">
-              <a:schemeClr val="lt1"/>
-            </a:fontRef>
-          </p:style>
-          <p:txBody>
-            <a:bodyPr rtlCol="0" anchor="ctr"/>
-            <a:lstStyle/>
-            <a:p>
-              <a:pPr algn="ctr"/>
-              <a:endParaRPr lang="ko-KR" altLang="en-US"/>
-            </a:p>
-          </p:txBody>
-        </p:sp>
-        <p:cxnSp>
-          <p:nvCxnSpPr>
-            <p:cNvPr id="29" name="직선 연결선 28"/>
-            <p:cNvCxnSpPr>
-              <a:endCxn id="28" idx="5"/>
-            </p:cNvCxnSpPr>
-            <p:nvPr/>
-          </p:nvCxnSpPr>
-          <p:spPr>
-            <a:xfrm flipH="1" flipV="1">
-              <a:off x="5982459" y="2299354"/>
-              <a:ext cx="247653" cy="212198"/>
-            </a:xfrm>
-            <a:prstGeom prst="line">
-              <a:avLst/>
-            </a:prstGeom>
-            <a:ln w="38100">
-              <a:headEnd type="stealth" w="lg" len="lg"/>
-            </a:ln>
-          </p:spPr>
-          <p:style>
-            <a:lnRef idx="1">
-              <a:schemeClr val="accent1"/>
-            </a:lnRef>
-            <a:fillRef idx="0">
-              <a:schemeClr val="accent1"/>
-            </a:fillRef>
-            <a:effectRef idx="0">
-              <a:schemeClr val="accent1"/>
-            </a:effectRef>
-            <a:fontRef idx="minor">
-              <a:schemeClr val="tx1"/>
-            </a:fontRef>
-          </p:style>
-        </p:cxnSp>
-      </p:grpSp>
-      <p:sp>
-        <p:nvSpPr>
-          <p:cNvPr id="30" name="TextBox 29"/>
-          <p:cNvSpPr txBox="1"/>
-          <p:nvPr/>
-        </p:nvSpPr>
-        <p:spPr>
-          <a:xfrm rot="15427772">
-            <a:off x="6774686" y="3813312"/>
-            <a:ext cx="1221809" cy="430887"/>
-          </a:xfrm>
-          <a:prstGeom prst="rect">
-            <a:avLst/>
-          </a:prstGeom>
-          <a:noFill/>
-        </p:spPr>
-        <p:txBody>
-          <a:bodyPr wrap="none" rtlCol="0">
-            <a:spAutoFit/>
-          </a:bodyPr>
-          <a:lstStyle/>
-          <a:p>
-            <a:r>
-              <a:rPr lang="ko-KR" altLang="en-US" sz="1100" dirty="0"/>
-              <a:t>조회할 강의평가</a:t>
-            </a:r>
-            <a:endParaRPr lang="en-US" altLang="ko-KR" sz="1100" dirty="0"/>
-          </a:p>
-          <a:p>
-            <a:r>
-              <a:rPr lang="ko-KR" altLang="en-US" sz="1100" dirty="0"/>
-              <a:t>결과 정보</a:t>
-            </a:r>
-            <a:endParaRPr lang="ko-KR" altLang="en-US" sz="1600" dirty="0"/>
+            </a:endParaRPr>
           </a:p>
         </p:txBody>
       </p:sp>
       <p:cxnSp>
         <p:nvCxnSpPr>
-          <p:cNvPr id="45" name="직선 화살표 연결선 44"/>
+          <p:cNvPr id="11" name="직선 화살표 연결선 10"/>
           <p:cNvCxnSpPr>
-            <a:endCxn id="8" idx="0"/>
+            <a:stCxn id="6" idx="2"/>
+            <a:endCxn id="10" idx="0"/>
           </p:cNvCxnSpPr>
           <p:nvPr/>
         </p:nvCxnSpPr>
         <p:spPr>
           <a:xfrm>
-            <a:off x="7714766" y="2920565"/>
-            <a:ext cx="1088145" cy="4009377"/>
+            <a:off x="5948795" y="934397"/>
+            <a:ext cx="2135020" cy="3532500"/>
           </a:xfrm>
           <a:prstGeom prst="straightConnector1">
             <a:avLst/>
           </a:prstGeom>
           <a:ln w="38100">
-            <a:headEnd w="lg" len="lg"/>
             <a:tailEnd type="triangle"/>
           </a:ln>
         </p:spPr>
@@ -3807,305 +3783,15 @@
           </a:fontRef>
         </p:style>
       </p:cxnSp>
-      <p:grpSp>
-        <p:nvGrpSpPr>
-          <p:cNvPr id="48" name="그룹 47"/>
-          <p:cNvGrpSpPr/>
-          <p:nvPr/>
-        </p:nvGrpSpPr>
-        <p:grpSpPr>
-          <a:xfrm rot="15386436">
-            <a:off x="5947791" y="4825690"/>
-            <a:ext cx="465295" cy="429840"/>
-            <a:chOff x="5764817" y="2081712"/>
-            <a:chExt cx="465295" cy="429840"/>
-          </a:xfrm>
-        </p:grpSpPr>
-        <p:sp>
-          <p:nvSpPr>
-            <p:cNvPr id="49" name="타원 48"/>
-            <p:cNvSpPr/>
-            <p:nvPr/>
-          </p:nvSpPr>
-          <p:spPr>
-            <a:xfrm>
-              <a:off x="5764817" y="2081712"/>
-              <a:ext cx="254984" cy="254984"/>
-            </a:xfrm>
-            <a:prstGeom prst="ellipse">
-              <a:avLst/>
-            </a:prstGeom>
-            <a:noFill/>
-            <a:ln w="38100">
-              <a:solidFill>
-                <a:schemeClr val="accent1"/>
-              </a:solidFill>
-            </a:ln>
-          </p:spPr>
-          <p:style>
-            <a:lnRef idx="2">
-              <a:schemeClr val="accent1">
-                <a:shade val="50000"/>
-              </a:schemeClr>
-            </a:lnRef>
-            <a:fillRef idx="1">
-              <a:schemeClr val="accent1"/>
-            </a:fillRef>
-            <a:effectRef idx="0">
-              <a:schemeClr val="accent1"/>
-            </a:effectRef>
-            <a:fontRef idx="minor">
-              <a:schemeClr val="lt1"/>
-            </a:fontRef>
-          </p:style>
-          <p:txBody>
-            <a:bodyPr rtlCol="0" anchor="ctr"/>
-            <a:lstStyle/>
-            <a:p>
-              <a:pPr algn="ctr"/>
-              <a:endParaRPr lang="ko-KR" altLang="en-US"/>
-            </a:p>
-          </p:txBody>
-        </p:sp>
-        <p:cxnSp>
-          <p:nvCxnSpPr>
-            <p:cNvPr id="50" name="직선 연결선 49"/>
-            <p:cNvCxnSpPr>
-              <a:endCxn id="49" idx="5"/>
-            </p:cNvCxnSpPr>
-            <p:nvPr/>
-          </p:nvCxnSpPr>
-          <p:spPr>
-            <a:xfrm flipH="1" flipV="1">
-              <a:off x="5982459" y="2299354"/>
-              <a:ext cx="247653" cy="212198"/>
-            </a:xfrm>
-            <a:prstGeom prst="line">
-              <a:avLst/>
-            </a:prstGeom>
-            <a:ln w="38100">
-              <a:headEnd type="stealth" w="lg" len="lg"/>
-            </a:ln>
-          </p:spPr>
-          <p:style>
-            <a:lnRef idx="1">
-              <a:schemeClr val="accent1"/>
-            </a:lnRef>
-            <a:fillRef idx="0">
-              <a:schemeClr val="accent1"/>
-            </a:fillRef>
-            <a:effectRef idx="0">
-              <a:schemeClr val="accent1"/>
-            </a:effectRef>
-            <a:fontRef idx="minor">
-              <a:schemeClr val="tx1"/>
-            </a:fontRef>
-          </p:style>
-        </p:cxnSp>
-      </p:grpSp>
-      <p:sp>
-        <p:nvSpPr>
-          <p:cNvPr id="51" name="TextBox 50"/>
-          <p:cNvSpPr txBox="1"/>
-          <p:nvPr/>
-        </p:nvSpPr>
-        <p:spPr>
-          <a:xfrm rot="17772725">
-            <a:off x="4877668" y="4761871"/>
-            <a:ext cx="2065042" cy="261610"/>
-          </a:xfrm>
-          <a:prstGeom prst="rect">
-            <a:avLst/>
-          </a:prstGeom>
-          <a:noFill/>
-        </p:spPr>
-        <p:txBody>
-          <a:bodyPr wrap="square" rtlCol="0">
-            <a:spAutoFit/>
-          </a:bodyPr>
-          <a:lstStyle/>
-          <a:p>
-            <a:r>
-              <a:rPr lang="ko-KR" altLang="en-US" sz="1100" dirty="0"/>
-              <a:t>강의평가 결과 리스트 정보</a:t>
-            </a:r>
-            <a:endParaRPr lang="ko-KR" altLang="en-US" sz="1600" dirty="0"/>
-          </a:p>
-        </p:txBody>
-      </p:sp>
-      <p:grpSp>
-        <p:nvGrpSpPr>
-          <p:cNvPr id="65" name="그룹 64"/>
-          <p:cNvGrpSpPr/>
-          <p:nvPr/>
-        </p:nvGrpSpPr>
-        <p:grpSpPr>
-          <a:xfrm rot="1952499">
-            <a:off x="7878364" y="5355552"/>
-            <a:ext cx="465295" cy="429840"/>
-            <a:chOff x="5764817" y="2081712"/>
-            <a:chExt cx="465295" cy="429840"/>
-          </a:xfrm>
-        </p:grpSpPr>
-        <p:sp>
-          <p:nvSpPr>
-            <p:cNvPr id="66" name="타원 65"/>
-            <p:cNvSpPr/>
-            <p:nvPr/>
-          </p:nvSpPr>
-          <p:spPr>
-            <a:xfrm>
-              <a:off x="5764817" y="2081712"/>
-              <a:ext cx="254984" cy="254984"/>
-            </a:xfrm>
-            <a:prstGeom prst="ellipse">
-              <a:avLst/>
-            </a:prstGeom>
-            <a:noFill/>
-            <a:ln w="38100">
-              <a:solidFill>
-                <a:schemeClr val="accent1"/>
-              </a:solidFill>
-            </a:ln>
-          </p:spPr>
-          <p:style>
-            <a:lnRef idx="2">
-              <a:schemeClr val="accent1">
-                <a:shade val="50000"/>
-              </a:schemeClr>
-            </a:lnRef>
-            <a:fillRef idx="1">
-              <a:schemeClr val="accent1"/>
-            </a:fillRef>
-            <a:effectRef idx="0">
-              <a:schemeClr val="accent1"/>
-            </a:effectRef>
-            <a:fontRef idx="minor">
-              <a:schemeClr val="lt1"/>
-            </a:fontRef>
-          </p:style>
-          <p:txBody>
-            <a:bodyPr rtlCol="0" anchor="ctr"/>
-            <a:lstStyle/>
-            <a:p>
-              <a:pPr algn="ctr"/>
-              <a:endParaRPr lang="ko-KR" altLang="en-US"/>
-            </a:p>
-          </p:txBody>
-        </p:sp>
-        <p:cxnSp>
-          <p:nvCxnSpPr>
-            <p:cNvPr id="67" name="직선 연결선 66"/>
-            <p:cNvCxnSpPr>
-              <a:endCxn id="66" idx="5"/>
-            </p:cNvCxnSpPr>
-            <p:nvPr/>
-          </p:nvCxnSpPr>
-          <p:spPr>
-            <a:xfrm flipH="1" flipV="1">
-              <a:off x="5982459" y="2299354"/>
-              <a:ext cx="247653" cy="212198"/>
-            </a:xfrm>
-            <a:prstGeom prst="line">
-              <a:avLst/>
-            </a:prstGeom>
-            <a:ln w="38100">
-              <a:headEnd type="stealth" w="lg" len="lg"/>
-            </a:ln>
-          </p:spPr>
-          <p:style>
-            <a:lnRef idx="1">
-              <a:schemeClr val="accent1"/>
-            </a:lnRef>
-            <a:fillRef idx="0">
-              <a:schemeClr val="accent1"/>
-            </a:fillRef>
-            <a:effectRef idx="0">
-              <a:schemeClr val="accent1"/>
-            </a:effectRef>
-            <a:fontRef idx="minor">
-              <a:schemeClr val="tx1"/>
-            </a:fontRef>
-          </p:style>
-        </p:cxnSp>
-      </p:grpSp>
-      <p:sp>
-        <p:nvSpPr>
-          <p:cNvPr id="68" name="TextBox 67"/>
-          <p:cNvSpPr txBox="1"/>
-          <p:nvPr/>
-        </p:nvSpPr>
-        <p:spPr>
-          <a:xfrm rot="15427772">
-            <a:off x="6819751" y="5572447"/>
-            <a:ext cx="1885453" cy="261610"/>
-          </a:xfrm>
-          <a:prstGeom prst="rect">
-            <a:avLst/>
-          </a:prstGeom>
-          <a:noFill/>
-        </p:spPr>
-        <p:txBody>
-          <a:bodyPr wrap="none" rtlCol="0">
-            <a:spAutoFit/>
-          </a:bodyPr>
-          <a:lstStyle/>
-          <a:p>
-            <a:r>
-              <a:rPr lang="ko-KR" altLang="en-US" sz="1100" dirty="0"/>
-              <a:t>강의평가 결과 리스트 정보</a:t>
-            </a:r>
-            <a:endParaRPr lang="ko-KR" altLang="en-US" sz="1600" dirty="0"/>
-          </a:p>
-        </p:txBody>
-      </p:sp>
-      <p:sp>
-        <p:nvSpPr>
-          <p:cNvPr id="72" name="TextBox 71"/>
-          <p:cNvSpPr txBox="1"/>
-          <p:nvPr/>
-        </p:nvSpPr>
-        <p:spPr>
-          <a:xfrm rot="4178630">
-            <a:off x="8065016" y="5214923"/>
-            <a:ext cx="1913863" cy="261610"/>
-          </a:xfrm>
-          <a:prstGeom prst="rect">
-            <a:avLst/>
-          </a:prstGeom>
-          <a:noFill/>
-        </p:spPr>
-        <p:txBody>
-          <a:bodyPr wrap="square" rtlCol="0">
-            <a:spAutoFit/>
-          </a:bodyPr>
-          <a:lstStyle/>
-          <a:p>
-            <a:r>
-              <a:rPr lang="ko-KR" altLang="en-US" sz="1100" dirty="0"/>
-              <a:t>조회된 강의평가</a:t>
-            </a:r>
-            <a:r>
-              <a:rPr lang="en-US" altLang="ko-KR" sz="1100" dirty="0"/>
-              <a:t> </a:t>
-            </a:r>
-            <a:r>
-              <a:rPr lang="ko-KR" altLang="en-US" sz="1100" dirty="0"/>
-              <a:t>결과 정보</a:t>
-            </a:r>
-            <a:endParaRPr lang="ko-KR" altLang="en-US" sz="1600" dirty="0"/>
-          </a:p>
-        </p:txBody>
-      </p:sp>
-      <p:sp>
-        <p:nvSpPr>
-          <p:cNvPr id="38" name="직사각형 37"/>
+      <p:sp>
+        <p:nvSpPr>
+          <p:cNvPr id="37" name="직사각형 36"/>
           <p:cNvSpPr/>
           <p:nvPr/>
         </p:nvSpPr>
         <p:spPr>
           <a:xfrm>
-            <a:off x="4099230" y="-190980"/>
+            <a:off x="5925902" y="8010748"/>
             <a:ext cx="1556992" cy="726131"/>
           </a:xfrm>
           <a:prstGeom prst="rect">
@@ -4142,25 +3828,54 @@
           <a:p>
             <a:pPr algn="ctr"/>
             <a:r>
-              <a:rPr lang="ko-KR" altLang="en-US" sz="1100" dirty="0">
+              <a:rPr lang="ko-KR" altLang="en-US" sz="1100" dirty="0" smtClean="0">
                 <a:solidFill>
                   <a:sysClr val="windowText" lastClr="000000"/>
                 </a:solidFill>
               </a:rPr>
-              <a:t>강의평가 결과 조회</a:t>
-            </a:r>
-          </a:p>
-        </p:txBody>
-      </p:sp>
-      <p:sp>
-        <p:nvSpPr>
-          <p:cNvPr id="41" name="직사각형 40"/>
+              <a:t>강의평가 </a:t>
+            </a:r>
+            <a:r>
+              <a:rPr lang="ko-KR" altLang="en-US" sz="1100" dirty="0" smtClean="0">
+                <a:solidFill>
+                  <a:sysClr val="windowText" lastClr="000000"/>
+                </a:solidFill>
+              </a:rPr>
+              <a:t>결과 </a:t>
+            </a:r>
+            <a:endParaRPr lang="en-US" altLang="ko-KR" sz="1100" dirty="0" smtClean="0">
+              <a:solidFill>
+                <a:sysClr val="windowText" lastClr="000000"/>
+              </a:solidFill>
+            </a:endParaRPr>
+          </a:p>
+          <a:p>
+            <a:pPr algn="ctr"/>
+            <a:r>
+              <a:rPr lang="ko-KR" altLang="en-US" sz="1100" dirty="0" smtClean="0">
+                <a:solidFill>
+                  <a:sysClr val="windowText" lastClr="000000"/>
+                </a:solidFill>
+              </a:rPr>
+              <a:t>자료 조회</a:t>
+            </a:r>
+            <a:endParaRPr lang="ko-KR" altLang="en-US" sz="1100" dirty="0">
+              <a:solidFill>
+                <a:sysClr val="windowText" lastClr="000000"/>
+              </a:solidFill>
+            </a:endParaRPr>
+          </a:p>
+        </p:txBody>
+      </p:sp>
+      <p:sp>
+        <p:nvSpPr>
+          <p:cNvPr id="39" name="직사각형 38"/>
           <p:cNvSpPr/>
           <p:nvPr/>
         </p:nvSpPr>
         <p:spPr>
           <a:xfrm>
-            <a:off x="1316621" y="2182316"/>
+            <a:off x="3463100" y="8018033"/>
             <a:ext cx="1556992" cy="726131"/>
           </a:xfrm>
           <a:prstGeom prst="rect">
@@ -4197,992 +3912,6 @@
           <a:p>
             <a:pPr algn="ctr"/>
             <a:r>
-              <a:rPr lang="ko-KR" altLang="en-US" sz="1100" dirty="0">
-                <a:solidFill>
-                  <a:schemeClr val="tx1"/>
-                </a:solidFill>
-              </a:rPr>
-              <a:t>화면 출력</a:t>
-            </a:r>
-          </a:p>
-        </p:txBody>
-      </p:sp>
-      <p:grpSp>
-        <p:nvGrpSpPr>
-          <p:cNvPr id="47" name="그룹 46"/>
-          <p:cNvGrpSpPr/>
-          <p:nvPr/>
-        </p:nvGrpSpPr>
-        <p:grpSpPr>
-          <a:xfrm rot="6292510">
-            <a:off x="2661153" y="1143814"/>
-            <a:ext cx="465295" cy="429840"/>
-            <a:chOff x="5764817" y="2081712"/>
-            <a:chExt cx="465295" cy="429840"/>
-          </a:xfrm>
-        </p:grpSpPr>
-        <p:sp>
-          <p:nvSpPr>
-            <p:cNvPr id="52" name="타원 51"/>
-            <p:cNvSpPr/>
-            <p:nvPr/>
-          </p:nvSpPr>
-          <p:spPr>
-            <a:xfrm>
-              <a:off x="5764817" y="2081712"/>
-              <a:ext cx="254984" cy="254984"/>
-            </a:xfrm>
-            <a:prstGeom prst="ellipse">
-              <a:avLst/>
-            </a:prstGeom>
-            <a:noFill/>
-            <a:ln w="38100">
-              <a:solidFill>
-                <a:schemeClr val="accent1"/>
-              </a:solidFill>
-            </a:ln>
-          </p:spPr>
-          <p:style>
-            <a:lnRef idx="2">
-              <a:schemeClr val="accent1">
-                <a:shade val="50000"/>
-              </a:schemeClr>
-            </a:lnRef>
-            <a:fillRef idx="1">
-              <a:schemeClr val="accent1"/>
-            </a:fillRef>
-            <a:effectRef idx="0">
-              <a:schemeClr val="accent1"/>
-            </a:effectRef>
-            <a:fontRef idx="minor">
-              <a:schemeClr val="lt1"/>
-            </a:fontRef>
-          </p:style>
-          <p:txBody>
-            <a:bodyPr rtlCol="0" anchor="ctr"/>
-            <a:lstStyle/>
-            <a:p>
-              <a:pPr algn="ctr"/>
-              <a:endParaRPr lang="ko-KR" altLang="en-US"/>
-            </a:p>
-          </p:txBody>
-        </p:sp>
-        <p:cxnSp>
-          <p:nvCxnSpPr>
-            <p:cNvPr id="53" name="직선 연결선 52"/>
-            <p:cNvCxnSpPr>
-              <a:endCxn id="52" idx="5"/>
-            </p:cNvCxnSpPr>
-            <p:nvPr/>
-          </p:nvCxnSpPr>
-          <p:spPr>
-            <a:xfrm flipH="1" flipV="1">
-              <a:off x="5982459" y="2299354"/>
-              <a:ext cx="247653" cy="212198"/>
-            </a:xfrm>
-            <a:prstGeom prst="line">
-              <a:avLst/>
-            </a:prstGeom>
-            <a:ln w="38100">
-              <a:headEnd type="stealth" w="lg" len="lg"/>
-            </a:ln>
-          </p:spPr>
-          <p:style>
-            <a:lnRef idx="1">
-              <a:schemeClr val="accent1"/>
-            </a:lnRef>
-            <a:fillRef idx="0">
-              <a:schemeClr val="accent1"/>
-            </a:fillRef>
-            <a:effectRef idx="0">
-              <a:schemeClr val="accent1"/>
-            </a:effectRef>
-            <a:fontRef idx="minor">
-              <a:schemeClr val="tx1"/>
-            </a:fontRef>
-          </p:style>
-        </p:cxnSp>
-      </p:grpSp>
-      <p:sp>
-        <p:nvSpPr>
-          <p:cNvPr id="54" name="TextBox 53"/>
-          <p:cNvSpPr txBox="1"/>
-          <p:nvPr/>
-        </p:nvSpPr>
-        <p:spPr>
-          <a:xfrm rot="19636808">
-            <a:off x="2331253" y="1021602"/>
-            <a:ext cx="657552" cy="261610"/>
-          </a:xfrm>
-          <a:prstGeom prst="rect">
-            <a:avLst/>
-          </a:prstGeom>
-          <a:noFill/>
-        </p:spPr>
-        <p:txBody>
-          <a:bodyPr wrap="none" rtlCol="0">
-            <a:spAutoFit/>
-          </a:bodyPr>
-          <a:lstStyle/>
-          <a:p>
-            <a:pPr algn="ctr"/>
-            <a:r>
-              <a:rPr lang="ko-KR" altLang="en-US" sz="1100" dirty="0"/>
-              <a:t>화면 명</a:t>
-            </a:r>
-            <a:endParaRPr lang="ko-KR" altLang="en-US" sz="1600" dirty="0"/>
-          </a:p>
-        </p:txBody>
-      </p:sp>
-      <p:cxnSp>
-        <p:nvCxnSpPr>
-          <p:cNvPr id="56" name="직선 화살표 연결선 55"/>
-          <p:cNvCxnSpPr>
-            <a:stCxn id="38" idx="2"/>
-            <a:endCxn id="41" idx="0"/>
-          </p:cNvCxnSpPr>
-          <p:nvPr/>
-        </p:nvCxnSpPr>
-        <p:spPr>
-          <a:xfrm flipH="1">
-            <a:off x="2095117" y="535151"/>
-            <a:ext cx="2782609" cy="1647165"/>
-          </a:xfrm>
-          <a:prstGeom prst="straightConnector1">
-            <a:avLst/>
-          </a:prstGeom>
-          <a:ln w="38100">
-            <a:headEnd w="lg" len="lg"/>
-            <a:tailEnd type="triangle"/>
-          </a:ln>
-        </p:spPr>
-        <p:style>
-          <a:lnRef idx="1">
-            <a:schemeClr val="accent1"/>
-          </a:lnRef>
-          <a:fillRef idx="0">
-            <a:schemeClr val="accent1"/>
-          </a:fillRef>
-          <a:effectRef idx="0">
-            <a:schemeClr val="accent1"/>
-          </a:effectRef>
-          <a:fontRef idx="minor">
-            <a:schemeClr val="tx1"/>
-          </a:fontRef>
-        </p:style>
-      </p:cxnSp>
-      <p:cxnSp>
-        <p:nvCxnSpPr>
-          <p:cNvPr id="61" name="직선 화살표 연결선 60"/>
-          <p:cNvCxnSpPr>
-            <a:stCxn id="38" idx="2"/>
-          </p:cNvCxnSpPr>
-          <p:nvPr/>
-        </p:nvCxnSpPr>
-        <p:spPr>
-          <a:xfrm>
-            <a:off x="4877726" y="535151"/>
-            <a:ext cx="2766480" cy="1652462"/>
-          </a:xfrm>
-          <a:prstGeom prst="straightConnector1">
-            <a:avLst/>
-          </a:prstGeom>
-          <a:ln w="38100">
-            <a:headEnd w="lg" len="lg"/>
-            <a:tailEnd type="triangle"/>
-          </a:ln>
-        </p:spPr>
-        <p:style>
-          <a:lnRef idx="1">
-            <a:schemeClr val="accent1"/>
-          </a:lnRef>
-          <a:fillRef idx="0">
-            <a:schemeClr val="accent1"/>
-          </a:fillRef>
-          <a:effectRef idx="0">
-            <a:schemeClr val="accent1"/>
-          </a:effectRef>
-          <a:fontRef idx="minor">
-            <a:schemeClr val="tx1"/>
-          </a:fontRef>
-        </p:style>
-      </p:cxnSp>
-      <p:grpSp>
-        <p:nvGrpSpPr>
-          <p:cNvPr id="2" name="그룹 1"/>
-          <p:cNvGrpSpPr/>
-          <p:nvPr/>
-        </p:nvGrpSpPr>
-        <p:grpSpPr>
-          <a:xfrm>
-            <a:off x="6135886" y="740132"/>
-            <a:ext cx="875728" cy="636878"/>
-            <a:chOff x="6135886" y="740132"/>
-            <a:chExt cx="875728" cy="636878"/>
-          </a:xfrm>
-        </p:grpSpPr>
-        <p:grpSp>
-          <p:nvGrpSpPr>
-            <p:cNvPr id="70" name="그룹 69"/>
-            <p:cNvGrpSpPr/>
-            <p:nvPr/>
-          </p:nvGrpSpPr>
-          <p:grpSpPr>
-            <a:xfrm rot="21416685">
-              <a:off x="6135886" y="947170"/>
-              <a:ext cx="465295" cy="429840"/>
-              <a:chOff x="5764817" y="2081712"/>
-              <a:chExt cx="465295" cy="429840"/>
-            </a:xfrm>
-          </p:grpSpPr>
-          <p:sp>
-            <p:nvSpPr>
-              <p:cNvPr id="71" name="타원 70"/>
-              <p:cNvSpPr/>
-              <p:nvPr/>
-            </p:nvSpPr>
-            <p:spPr>
-              <a:xfrm>
-                <a:off x="5764817" y="2081712"/>
-                <a:ext cx="254984" cy="254984"/>
-              </a:xfrm>
-              <a:prstGeom prst="ellipse">
-                <a:avLst/>
-              </a:prstGeom>
-              <a:solidFill>
-                <a:schemeClr val="accent1"/>
-              </a:solidFill>
-              <a:ln w="38100">
-                <a:solidFill>
-                  <a:schemeClr val="accent1"/>
-                </a:solidFill>
-              </a:ln>
-            </p:spPr>
-            <p:style>
-              <a:lnRef idx="2">
-                <a:schemeClr val="accent1">
-                  <a:shade val="50000"/>
-                </a:schemeClr>
-              </a:lnRef>
-              <a:fillRef idx="1">
-                <a:schemeClr val="accent1"/>
-              </a:fillRef>
-              <a:effectRef idx="0">
-                <a:schemeClr val="accent1"/>
-              </a:effectRef>
-              <a:fontRef idx="minor">
-                <a:schemeClr val="lt1"/>
-              </a:fontRef>
-            </p:style>
-            <p:txBody>
-              <a:bodyPr rtlCol="0" anchor="ctr"/>
-              <a:lstStyle/>
-              <a:p>
-                <a:pPr algn="ctr"/>
-                <a:endParaRPr lang="ko-KR" altLang="en-US"/>
-              </a:p>
-            </p:txBody>
-          </p:sp>
-          <p:cxnSp>
-            <p:nvCxnSpPr>
-              <p:cNvPr id="73" name="직선 연결선 72"/>
-              <p:cNvCxnSpPr>
-                <a:endCxn id="71" idx="5"/>
-              </p:cNvCxnSpPr>
-              <p:nvPr/>
-            </p:nvCxnSpPr>
-            <p:spPr>
-              <a:xfrm flipH="1" flipV="1">
-                <a:off x="5982459" y="2299354"/>
-                <a:ext cx="247653" cy="212198"/>
-              </a:xfrm>
-              <a:prstGeom prst="line">
-                <a:avLst/>
-              </a:prstGeom>
-              <a:ln w="38100">
-                <a:headEnd type="stealth" w="lg" len="lg"/>
-              </a:ln>
-            </p:spPr>
-            <p:style>
-              <a:lnRef idx="1">
-                <a:schemeClr val="accent1"/>
-              </a:lnRef>
-              <a:fillRef idx="0">
-                <a:schemeClr val="accent1"/>
-              </a:fillRef>
-              <a:effectRef idx="0">
-                <a:schemeClr val="accent1"/>
-              </a:effectRef>
-              <a:fontRef idx="minor">
-                <a:schemeClr val="tx1"/>
-              </a:fontRef>
-            </p:style>
-          </p:cxnSp>
-        </p:grpSp>
-        <p:sp>
-          <p:nvSpPr>
-            <p:cNvPr id="74" name="TextBox 73"/>
-            <p:cNvSpPr txBox="1"/>
-            <p:nvPr/>
-          </p:nvSpPr>
-          <p:spPr>
-            <a:xfrm rot="2373847">
-              <a:off x="6212997" y="740132"/>
-              <a:ext cx="798617" cy="430887"/>
-            </a:xfrm>
-            <a:prstGeom prst="rect">
-              <a:avLst/>
-            </a:prstGeom>
-            <a:noFill/>
-          </p:spPr>
-          <p:txBody>
-            <a:bodyPr wrap="none" rtlCol="0">
-              <a:spAutoFit/>
-            </a:bodyPr>
-            <a:lstStyle/>
-            <a:p>
-              <a:pPr algn="ctr"/>
-              <a:r>
-                <a:rPr lang="ko-KR" altLang="en-US" sz="1100" dirty="0"/>
-                <a:t>권한 확인</a:t>
-              </a:r>
-              <a:endParaRPr lang="en-US" altLang="ko-KR" sz="1100" dirty="0"/>
-            </a:p>
-            <a:p>
-              <a:pPr algn="ctr"/>
-              <a:r>
-                <a:rPr lang="ko-KR" altLang="en-US" sz="1100" dirty="0"/>
-                <a:t>정보</a:t>
-              </a:r>
-              <a:endParaRPr lang="ko-KR" altLang="en-US" sz="1600" dirty="0"/>
-            </a:p>
-          </p:txBody>
-        </p:sp>
-      </p:grpSp>
-      <p:sp>
-        <p:nvSpPr>
-          <p:cNvPr id="57" name="직사각형 56"/>
-          <p:cNvSpPr/>
-          <p:nvPr/>
-        </p:nvSpPr>
-        <p:spPr>
-          <a:xfrm>
-            <a:off x="5059936" y="6923813"/>
-            <a:ext cx="1556992" cy="726131"/>
-          </a:xfrm>
-          <a:prstGeom prst="rect">
-            <a:avLst/>
-          </a:prstGeom>
-          <a:noFill/>
-          <a:ln w="31750">
-            <a:solidFill>
-              <a:schemeClr val="accent1">
-                <a:shade val="50000"/>
-              </a:schemeClr>
-            </a:solidFill>
-          </a:ln>
-        </p:spPr>
-        <p:style>
-          <a:lnRef idx="2">
-            <a:schemeClr val="accent1">
-              <a:shade val="50000"/>
-            </a:schemeClr>
-          </a:lnRef>
-          <a:fillRef idx="1">
-            <a:schemeClr val="accent1"/>
-          </a:fillRef>
-          <a:effectRef idx="0">
-            <a:schemeClr val="accent1"/>
-          </a:effectRef>
-          <a:fontRef idx="minor">
-            <a:schemeClr val="lt1"/>
-          </a:fontRef>
-        </p:style>
-        <p:txBody>
-          <a:bodyPr rtlCol="0" anchor="ctr"/>
-          <a:lstStyle/>
-          <a:p>
-            <a:pPr algn="ctr"/>
-            <a:r>
-              <a:rPr lang="ko-KR" altLang="en-US" sz="1100" dirty="0">
-                <a:solidFill>
-                  <a:sysClr val="windowText" lastClr="000000"/>
-                </a:solidFill>
-              </a:rPr>
-              <a:t>강의평가 </a:t>
-            </a:r>
-            <a:r>
-              <a:rPr lang="ko-KR" altLang="en-US" sz="1100">
-                <a:solidFill>
-                  <a:sysClr val="windowText" lastClr="000000"/>
-                </a:solidFill>
-              </a:rPr>
-              <a:t>결과 정보 읽음</a:t>
-            </a:r>
-            <a:endParaRPr lang="ko-KR" altLang="en-US" sz="1100" dirty="0">
-              <a:solidFill>
-                <a:sysClr val="windowText" lastClr="000000"/>
-              </a:solidFill>
-            </a:endParaRPr>
-          </a:p>
-        </p:txBody>
-      </p:sp>
-    </p:spTree>
-    <p:extLst>
-      <p:ext uri="{BB962C8B-B14F-4D97-AF65-F5344CB8AC3E}">
-        <p14:creationId xmlns:p14="http://schemas.microsoft.com/office/powerpoint/2010/main" val="2651502769"/>
-      </p:ext>
-    </p:extLst>
-  </p:cSld>
-  <p:clrMapOvr>
-    <a:masterClrMapping/>
-  </p:clrMapOvr>
-</p:sld>
-</file>
-
-<file path=ppt/slides/slide2.xml><?xml version="1.0" encoding="utf-8"?>
-<p:sld xmlns:a="http://schemas.openxmlformats.org/drawingml/2006/main" xmlns:r="http://schemas.openxmlformats.org/officeDocument/2006/relationships" xmlns:p="http://schemas.openxmlformats.org/presentationml/2006/main">
-  <p:cSld>
-    <p:spTree>
-      <p:nvGrpSpPr>
-        <p:cNvPr id="1" name=""/>
-        <p:cNvGrpSpPr/>
-        <p:nvPr/>
-      </p:nvGrpSpPr>
-      <p:grpSpPr>
-        <a:xfrm>
-          <a:off x="0" y="0"/>
-          <a:ext cx="0" cy="0"/>
-          <a:chOff x="0" y="0"/>
-          <a:chExt cx="0" cy="0"/>
-        </a:xfrm>
-      </p:grpSpPr>
-      <p:grpSp>
-        <p:nvGrpSpPr>
-          <p:cNvPr id="4" name="그룹 3"/>
-          <p:cNvGrpSpPr/>
-          <p:nvPr/>
-        </p:nvGrpSpPr>
-        <p:grpSpPr>
-          <a:xfrm>
-            <a:off x="2995121" y="208266"/>
-            <a:ext cx="5907348" cy="3194063"/>
-            <a:chOff x="3188305" y="1882520"/>
-            <a:chExt cx="5907348" cy="3194063"/>
-          </a:xfrm>
-        </p:grpSpPr>
-        <p:sp>
-          <p:nvSpPr>
-            <p:cNvPr id="5" name="직사각형 4"/>
-            <p:cNvSpPr/>
-            <p:nvPr/>
-          </p:nvSpPr>
-          <p:spPr>
-            <a:xfrm>
-              <a:off x="5363483" y="4350452"/>
-              <a:ext cx="1556992" cy="726131"/>
-            </a:xfrm>
-            <a:prstGeom prst="rect">
-              <a:avLst/>
-            </a:prstGeom>
-            <a:noFill/>
-            <a:ln w="31750">
-              <a:solidFill>
-                <a:schemeClr val="accent1">
-                  <a:shade val="50000"/>
-                </a:schemeClr>
-              </a:solidFill>
-            </a:ln>
-          </p:spPr>
-          <p:style>
-            <a:lnRef idx="2">
-              <a:schemeClr val="accent1">
-                <a:shade val="50000"/>
-              </a:schemeClr>
-            </a:lnRef>
-            <a:fillRef idx="1">
-              <a:schemeClr val="accent1"/>
-            </a:fillRef>
-            <a:effectRef idx="0">
-              <a:schemeClr val="accent1"/>
-            </a:effectRef>
-            <a:fontRef idx="minor">
-              <a:schemeClr val="lt1"/>
-            </a:fontRef>
-          </p:style>
-          <p:txBody>
-            <a:bodyPr rtlCol="0" anchor="ctr"/>
-            <a:lstStyle/>
-            <a:p>
-              <a:pPr algn="ctr"/>
-              <a:r>
-                <a:rPr lang="ko-KR" altLang="en-US" sz="1100" dirty="0" smtClean="0">
-                  <a:solidFill>
-                    <a:sysClr val="windowText" lastClr="000000"/>
-                  </a:solidFill>
-                </a:rPr>
-                <a:t>강의평가 </a:t>
-              </a:r>
-              <a:r>
-                <a:rPr lang="ko-KR" altLang="en-US" sz="1100" dirty="0" smtClean="0">
-                  <a:solidFill>
-                    <a:sysClr val="windowText" lastClr="000000"/>
-                  </a:solidFill>
-                </a:rPr>
-                <a:t>결과 변환</a:t>
-              </a:r>
-              <a:endParaRPr lang="ko-KR" altLang="en-US" sz="1100" dirty="0">
-                <a:solidFill>
-                  <a:sysClr val="windowText" lastClr="000000"/>
-                </a:solidFill>
-              </a:endParaRPr>
-            </a:p>
-          </p:txBody>
-        </p:sp>
-        <p:sp>
-          <p:nvSpPr>
-            <p:cNvPr id="6" name="직사각형 5"/>
-            <p:cNvSpPr/>
-            <p:nvPr/>
-          </p:nvSpPr>
-          <p:spPr>
-            <a:xfrm>
-              <a:off x="5363483" y="1882520"/>
-              <a:ext cx="1556992" cy="726131"/>
-            </a:xfrm>
-            <a:prstGeom prst="rect">
-              <a:avLst/>
-            </a:prstGeom>
-            <a:noFill/>
-            <a:ln w="31750">
-              <a:solidFill>
-                <a:schemeClr val="accent1">
-                  <a:shade val="50000"/>
-                </a:schemeClr>
-              </a:solidFill>
-            </a:ln>
-          </p:spPr>
-          <p:style>
-            <a:lnRef idx="2">
-              <a:schemeClr val="accent1">
-                <a:shade val="50000"/>
-              </a:schemeClr>
-            </a:lnRef>
-            <a:fillRef idx="1">
-              <a:schemeClr val="accent1"/>
-            </a:fillRef>
-            <a:effectRef idx="0">
-              <a:schemeClr val="accent1"/>
-            </a:effectRef>
-            <a:fontRef idx="minor">
-              <a:schemeClr val="lt1"/>
-            </a:fontRef>
-          </p:style>
-          <p:txBody>
-            <a:bodyPr rtlCol="0" anchor="ctr"/>
-            <a:lstStyle/>
-            <a:p>
-              <a:pPr algn="ctr"/>
-              <a:r>
-                <a:rPr lang="ko-KR" altLang="en-US" sz="1100" dirty="0">
-                  <a:solidFill>
-                    <a:sysClr val="windowText" lastClr="000000"/>
-                  </a:solidFill>
-                </a:rPr>
-                <a:t>강의평가 결과 </a:t>
-              </a:r>
-              <a:endParaRPr lang="en-US" altLang="ko-KR" sz="1100" dirty="0" smtClean="0">
-                <a:solidFill>
-                  <a:sysClr val="windowText" lastClr="000000"/>
-                </a:solidFill>
-              </a:endParaRPr>
-            </a:p>
-            <a:p>
-              <a:pPr algn="ctr"/>
-              <a:r>
-                <a:rPr lang="ko-KR" altLang="en-US" sz="1100" dirty="0" smtClean="0">
-                  <a:solidFill>
-                    <a:sysClr val="windowText" lastClr="000000"/>
-                  </a:solidFill>
-                </a:rPr>
-                <a:t>조회 처리</a:t>
-              </a:r>
-              <a:endParaRPr lang="ko-KR" altLang="en-US" sz="1100" dirty="0">
-                <a:solidFill>
-                  <a:sysClr val="windowText" lastClr="000000"/>
-                </a:solidFill>
-              </a:endParaRPr>
-            </a:p>
-          </p:txBody>
-        </p:sp>
-        <p:sp>
-          <p:nvSpPr>
-            <p:cNvPr id="7" name="직사각형 6"/>
-            <p:cNvSpPr/>
-            <p:nvPr/>
-          </p:nvSpPr>
-          <p:spPr>
-            <a:xfrm>
-              <a:off x="3188305" y="4350451"/>
-              <a:ext cx="1556992" cy="726131"/>
-            </a:xfrm>
-            <a:prstGeom prst="rect">
-              <a:avLst/>
-            </a:prstGeom>
-            <a:noFill/>
-            <a:ln w="31750">
-              <a:solidFill>
-                <a:schemeClr val="accent1">
-                  <a:shade val="50000"/>
-                </a:schemeClr>
-              </a:solidFill>
-            </a:ln>
-          </p:spPr>
-          <p:style>
-            <a:lnRef idx="2">
-              <a:schemeClr val="accent1">
-                <a:shade val="50000"/>
-              </a:schemeClr>
-            </a:lnRef>
-            <a:fillRef idx="1">
-              <a:schemeClr val="accent1"/>
-            </a:fillRef>
-            <a:effectRef idx="0">
-              <a:schemeClr val="accent1"/>
-            </a:effectRef>
-            <a:fontRef idx="minor">
-              <a:schemeClr val="lt1"/>
-            </a:fontRef>
-          </p:style>
-          <p:txBody>
-            <a:bodyPr rtlCol="0" anchor="ctr"/>
-            <a:lstStyle/>
-            <a:p>
-              <a:pPr algn="ctr"/>
-              <a:r>
-                <a:rPr lang="ko-KR" altLang="en-US" sz="1100" dirty="0" smtClean="0">
-                  <a:solidFill>
-                    <a:schemeClr val="tx1"/>
-                  </a:solidFill>
-                </a:rPr>
-                <a:t>강의평가 결과 입력</a:t>
-              </a:r>
-              <a:endParaRPr lang="en-US" altLang="ko-KR" sz="1100" dirty="0" smtClean="0">
-                <a:solidFill>
-                  <a:schemeClr val="tx1"/>
-                </a:solidFill>
-              </a:endParaRPr>
-            </a:p>
-          </p:txBody>
-        </p:sp>
-        <p:cxnSp>
-          <p:nvCxnSpPr>
-            <p:cNvPr id="8" name="직선 화살표 연결선 7"/>
-            <p:cNvCxnSpPr>
-              <a:stCxn id="6" idx="2"/>
-              <a:endCxn id="7" idx="0"/>
-            </p:cNvCxnSpPr>
-            <p:nvPr/>
-          </p:nvCxnSpPr>
-          <p:spPr>
-            <a:xfrm flipH="1">
-              <a:off x="3966801" y="2608651"/>
-              <a:ext cx="2175178" cy="1741800"/>
-            </a:xfrm>
-            <a:prstGeom prst="straightConnector1">
-              <a:avLst/>
-            </a:prstGeom>
-            <a:ln w="38100">
-              <a:headEnd w="lg" len="lg"/>
-              <a:tailEnd type="triangle"/>
-            </a:ln>
-          </p:spPr>
-          <p:style>
-            <a:lnRef idx="1">
-              <a:schemeClr val="accent1"/>
-            </a:lnRef>
-            <a:fillRef idx="0">
-              <a:schemeClr val="accent1"/>
-            </a:fillRef>
-            <a:effectRef idx="0">
-              <a:schemeClr val="accent1"/>
-            </a:effectRef>
-            <a:fontRef idx="minor">
-              <a:schemeClr val="tx1"/>
-            </a:fontRef>
-          </p:style>
-        </p:cxnSp>
-        <p:cxnSp>
-          <p:nvCxnSpPr>
-            <p:cNvPr id="9" name="직선 화살표 연결선 8"/>
-            <p:cNvCxnSpPr>
-              <a:stCxn id="6" idx="2"/>
-              <a:endCxn id="5" idx="0"/>
-            </p:cNvCxnSpPr>
-            <p:nvPr/>
-          </p:nvCxnSpPr>
-          <p:spPr>
-            <a:xfrm>
-              <a:off x="6141979" y="2608651"/>
-              <a:ext cx="0" cy="1741801"/>
-            </a:xfrm>
-            <a:prstGeom prst="straightConnector1">
-              <a:avLst/>
-            </a:prstGeom>
-            <a:ln w="38100">
-              <a:headEnd w="lg" len="lg"/>
-              <a:tailEnd type="triangle"/>
-            </a:ln>
-          </p:spPr>
-          <p:style>
-            <a:lnRef idx="1">
-              <a:schemeClr val="accent1"/>
-            </a:lnRef>
-            <a:fillRef idx="0">
-              <a:schemeClr val="accent1"/>
-            </a:fillRef>
-            <a:effectRef idx="0">
-              <a:schemeClr val="accent1"/>
-            </a:effectRef>
-            <a:fontRef idx="minor">
-              <a:schemeClr val="tx1"/>
-            </a:fontRef>
-          </p:style>
-        </p:cxnSp>
-        <p:sp>
-          <p:nvSpPr>
-            <p:cNvPr id="10" name="직사각형 9"/>
-            <p:cNvSpPr/>
-            <p:nvPr/>
-          </p:nvSpPr>
-          <p:spPr>
-            <a:xfrm>
-              <a:off x="7538661" y="4350451"/>
-              <a:ext cx="1556992" cy="726131"/>
-            </a:xfrm>
-            <a:prstGeom prst="rect">
-              <a:avLst/>
-            </a:prstGeom>
-            <a:noFill/>
-            <a:ln w="31750">
-              <a:solidFill>
-                <a:schemeClr val="accent1">
-                  <a:shade val="50000"/>
-                </a:schemeClr>
-              </a:solidFill>
-            </a:ln>
-          </p:spPr>
-          <p:style>
-            <a:lnRef idx="2">
-              <a:schemeClr val="accent1">
-                <a:shade val="50000"/>
-              </a:schemeClr>
-            </a:lnRef>
-            <a:fillRef idx="1">
-              <a:schemeClr val="accent1"/>
-            </a:fillRef>
-            <a:effectRef idx="0">
-              <a:schemeClr val="accent1"/>
-            </a:effectRef>
-            <a:fontRef idx="minor">
-              <a:schemeClr val="lt1"/>
-            </a:fontRef>
-          </p:style>
-          <p:txBody>
-            <a:bodyPr rtlCol="0" anchor="ctr"/>
-            <a:lstStyle/>
-            <a:p>
-              <a:pPr algn="ctr"/>
-              <a:r>
-                <a:rPr lang="ko-KR" altLang="en-US" sz="1100" dirty="0" smtClean="0">
-                  <a:solidFill>
-                    <a:sysClr val="windowText" lastClr="000000"/>
-                  </a:solidFill>
-                </a:rPr>
-                <a:t>강의평가 </a:t>
-              </a:r>
-              <a:r>
-                <a:rPr lang="ko-KR" altLang="en-US" sz="1100" dirty="0" smtClean="0">
-                  <a:solidFill>
-                    <a:sysClr val="windowText" lastClr="000000"/>
-                  </a:solidFill>
-                </a:rPr>
-                <a:t>결과 출력</a:t>
-              </a:r>
-              <a:endParaRPr lang="ko-KR" altLang="en-US" sz="1100" dirty="0">
-                <a:solidFill>
-                  <a:sysClr val="windowText" lastClr="000000"/>
-                </a:solidFill>
-              </a:endParaRPr>
-            </a:p>
-          </p:txBody>
-        </p:sp>
-        <p:cxnSp>
-          <p:nvCxnSpPr>
-            <p:cNvPr id="11" name="직선 화살표 연결선 10"/>
-            <p:cNvCxnSpPr>
-              <a:stCxn id="6" idx="2"/>
-              <a:endCxn id="10" idx="0"/>
-            </p:cNvCxnSpPr>
-            <p:nvPr/>
-          </p:nvCxnSpPr>
-          <p:spPr>
-            <a:xfrm>
-              <a:off x="6141979" y="2608651"/>
-              <a:ext cx="2175178" cy="1741800"/>
-            </a:xfrm>
-            <a:prstGeom prst="straightConnector1">
-              <a:avLst/>
-            </a:prstGeom>
-            <a:ln w="38100">
-              <a:tailEnd type="triangle"/>
-            </a:ln>
-          </p:spPr>
-          <p:style>
-            <a:lnRef idx="1">
-              <a:schemeClr val="accent1"/>
-            </a:lnRef>
-            <a:fillRef idx="0">
-              <a:schemeClr val="accent1"/>
-            </a:fillRef>
-            <a:effectRef idx="0">
-              <a:schemeClr val="accent1"/>
-            </a:effectRef>
-            <a:fontRef idx="minor">
-              <a:schemeClr val="tx1"/>
-            </a:fontRef>
-          </p:style>
-        </p:cxnSp>
-      </p:grpSp>
-      <p:sp>
-        <p:nvSpPr>
-          <p:cNvPr id="37" name="직사각형 36"/>
-          <p:cNvSpPr/>
-          <p:nvPr/>
-        </p:nvSpPr>
-        <p:spPr>
-          <a:xfrm>
-            <a:off x="5925902" y="6220048"/>
-            <a:ext cx="1556992" cy="726131"/>
-          </a:xfrm>
-          <a:prstGeom prst="rect">
-            <a:avLst/>
-          </a:prstGeom>
-          <a:noFill/>
-          <a:ln w="31750">
-            <a:solidFill>
-              <a:schemeClr val="accent1">
-                <a:shade val="50000"/>
-              </a:schemeClr>
-            </a:solidFill>
-          </a:ln>
-        </p:spPr>
-        <p:style>
-          <a:lnRef idx="2">
-            <a:schemeClr val="accent1">
-              <a:shade val="50000"/>
-            </a:schemeClr>
-          </a:lnRef>
-          <a:fillRef idx="1">
-            <a:schemeClr val="accent1"/>
-          </a:fillRef>
-          <a:effectRef idx="0">
-            <a:schemeClr val="accent1"/>
-          </a:effectRef>
-          <a:fontRef idx="minor">
-            <a:schemeClr val="lt1"/>
-          </a:fontRef>
-        </p:style>
-        <p:txBody>
-          <a:bodyPr rtlCol="0" anchor="ctr"/>
-          <a:lstStyle/>
-          <a:p>
-            <a:pPr algn="ctr"/>
-            <a:r>
-              <a:rPr lang="ko-KR" altLang="en-US" sz="1100" dirty="0" smtClean="0">
-                <a:solidFill>
-                  <a:sysClr val="windowText" lastClr="000000"/>
-                </a:solidFill>
-              </a:rPr>
-              <a:t>강의평가 </a:t>
-            </a:r>
-            <a:r>
-              <a:rPr lang="ko-KR" altLang="en-US" sz="1100" dirty="0" smtClean="0">
-                <a:solidFill>
-                  <a:sysClr val="windowText" lastClr="000000"/>
-                </a:solidFill>
-              </a:rPr>
-              <a:t>결과 </a:t>
-            </a:r>
-            <a:endParaRPr lang="en-US" altLang="ko-KR" sz="1100" dirty="0" smtClean="0">
-              <a:solidFill>
-                <a:sysClr val="windowText" lastClr="000000"/>
-              </a:solidFill>
-            </a:endParaRPr>
-          </a:p>
-          <a:p>
-            <a:pPr algn="ctr"/>
-            <a:r>
-              <a:rPr lang="ko-KR" altLang="en-US" sz="1100" dirty="0" smtClean="0">
-                <a:solidFill>
-                  <a:sysClr val="windowText" lastClr="000000"/>
-                </a:solidFill>
-              </a:rPr>
-              <a:t>자료 조회</a:t>
-            </a:r>
-            <a:endParaRPr lang="ko-KR" altLang="en-US" sz="1100" dirty="0">
-              <a:solidFill>
-                <a:sysClr val="windowText" lastClr="000000"/>
-              </a:solidFill>
-            </a:endParaRPr>
-          </a:p>
-        </p:txBody>
-      </p:sp>
-      <p:sp>
-        <p:nvSpPr>
-          <p:cNvPr id="39" name="직사각형 38"/>
-          <p:cNvSpPr/>
-          <p:nvPr/>
-        </p:nvSpPr>
-        <p:spPr>
-          <a:xfrm>
-            <a:off x="3463100" y="6227333"/>
-            <a:ext cx="1556992" cy="726131"/>
-          </a:xfrm>
-          <a:prstGeom prst="rect">
-            <a:avLst/>
-          </a:prstGeom>
-          <a:noFill/>
-          <a:ln w="31750">
-            <a:solidFill>
-              <a:schemeClr val="accent1">
-                <a:shade val="50000"/>
-              </a:schemeClr>
-            </a:solidFill>
-          </a:ln>
-        </p:spPr>
-        <p:style>
-          <a:lnRef idx="2">
-            <a:schemeClr val="accent1">
-              <a:shade val="50000"/>
-            </a:schemeClr>
-          </a:lnRef>
-          <a:fillRef idx="1">
-            <a:schemeClr val="accent1"/>
-          </a:fillRef>
-          <a:effectRef idx="0">
-            <a:schemeClr val="accent1"/>
-          </a:effectRef>
-          <a:fontRef idx="minor">
-            <a:schemeClr val="lt1"/>
-          </a:fontRef>
-        </p:style>
-        <p:txBody>
-          <a:bodyPr rtlCol="0" anchor="ctr"/>
-          <a:lstStyle/>
-          <a:p>
-            <a:pPr algn="ctr"/>
-            <a:r>
               <a:rPr lang="ko-KR" altLang="en-US" sz="1100" dirty="0" smtClean="0">
                 <a:solidFill>
                   <a:schemeClr val="tx1"/>
@@ -5225,7 +3954,7 @@
         </p:nvCxnSpPr>
         <p:spPr>
           <a:xfrm flipH="1">
-            <a:off x="4241596" y="3402329"/>
+            <a:off x="4241596" y="5193029"/>
             <a:ext cx="1707199" cy="2825004"/>
           </a:xfrm>
           <a:prstGeom prst="straightConnector1">
@@ -5262,7 +3991,7 @@
         </p:nvCxnSpPr>
         <p:spPr>
           <a:xfrm>
-            <a:off x="5948795" y="3402329"/>
+            <a:off x="5948795" y="5193029"/>
             <a:ext cx="755603" cy="2817719"/>
           </a:xfrm>
           <a:prstGeom prst="straightConnector1">
@@ -5296,7 +4025,7 @@
         </p:nvSpPr>
         <p:spPr>
           <a:xfrm>
-            <a:off x="10430924" y="6204318"/>
+            <a:off x="9561686" y="7986652"/>
             <a:ext cx="1556992" cy="726131"/>
           </a:xfrm>
           <a:prstGeom prst="rect">
@@ -5372,7 +4101,7 @@
         </p:nvSpPr>
         <p:spPr>
           <a:xfrm>
-            <a:off x="7789165" y="6204319"/>
+            <a:off x="7789165" y="7995019"/>
             <a:ext cx="1556992" cy="726131"/>
           </a:xfrm>
           <a:prstGeom prst="rect">
@@ -5451,8 +4180,8 @@
         </p:nvCxnSpPr>
         <p:spPr>
           <a:xfrm>
-            <a:off x="8123973" y="3402328"/>
-            <a:ext cx="443688" cy="2801991"/>
+            <a:off x="8083815" y="5193028"/>
+            <a:ext cx="483846" cy="2801991"/>
           </a:xfrm>
           <a:prstGeom prst="straightConnector1">
             <a:avLst/>
@@ -5488,8 +4217,8 @@
         </p:nvCxnSpPr>
         <p:spPr>
           <a:xfrm>
-            <a:off x="8123973" y="3402328"/>
-            <a:ext cx="3085447" cy="2801990"/>
+            <a:off x="8083815" y="5193028"/>
+            <a:ext cx="2256367" cy="2793624"/>
           </a:xfrm>
           <a:prstGeom prst="straightConnector1">
             <a:avLst/>
@@ -5522,7 +4251,7 @@
         </p:nvSpPr>
         <p:spPr>
           <a:xfrm>
-            <a:off x="-876379" y="6220048"/>
+            <a:off x="-876379" y="8010748"/>
             <a:ext cx="1556992" cy="726131"/>
           </a:xfrm>
           <a:prstGeom prst="rect">
@@ -5601,7 +4330,7 @@
         </p:nvCxnSpPr>
         <p:spPr>
           <a:xfrm flipH="1">
-            <a:off x="-97883" y="3402328"/>
+            <a:off x="-97883" y="5193028"/>
             <a:ext cx="3871500" cy="2817720"/>
           </a:xfrm>
           <a:prstGeom prst="straightConnector1">
@@ -5634,7 +4363,7 @@
         </p:nvGrpSpPr>
         <p:grpSpPr>
           <a:xfrm rot="5152067">
-            <a:off x="4931192" y="4029962"/>
+            <a:off x="4813771" y="6237466"/>
             <a:ext cx="465295" cy="429840"/>
             <a:chOff x="5764817" y="2081712"/>
             <a:chExt cx="465295" cy="429840"/>
@@ -5729,8 +4458,8 @@
           <p:nvPr/>
         </p:nvSpPr>
         <p:spPr>
-          <a:xfrm rot="18446110">
-            <a:off x="4268154" y="3938067"/>
+          <a:xfrm rot="18177624">
+            <a:off x="4150323" y="6142815"/>
             <a:ext cx="1410236" cy="261610"/>
           </a:xfrm>
           <a:prstGeom prst="rect">
@@ -5753,261 +4482,291 @@
           </a:p>
         </p:txBody>
       </p:sp>
-      <p:sp>
-        <p:nvSpPr>
-          <p:cNvPr id="116" name="TextBox 115"/>
-          <p:cNvSpPr txBox="1"/>
-          <p:nvPr/>
-        </p:nvSpPr>
-        <p:spPr>
-          <a:xfrm rot="19088492">
-            <a:off x="3478084" y="1503056"/>
-            <a:ext cx="1863525" cy="261610"/>
-          </a:xfrm>
-          <a:prstGeom prst="rect">
-            <a:avLst/>
-          </a:prstGeom>
-          <a:noFill/>
-        </p:spPr>
-        <p:txBody>
-          <a:bodyPr wrap="square" rtlCol="0">
-            <a:spAutoFit/>
-          </a:bodyPr>
-          <a:lstStyle/>
-          <a:p>
-            <a:pPr algn="ctr"/>
-            <a:r>
-              <a:rPr lang="ko-KR" altLang="en-US" sz="1100" dirty="0"/>
-              <a:t>강의 평가 결과 </a:t>
-            </a:r>
-            <a:r>
-              <a:rPr lang="ko-KR" altLang="en-US" sz="1100" dirty="0" smtClean="0"/>
-              <a:t>조회 정보</a:t>
-            </a:r>
-            <a:endParaRPr lang="ko-KR" altLang="en-US" sz="1600" dirty="0"/>
-          </a:p>
-        </p:txBody>
-      </p:sp>
       <p:grpSp>
         <p:nvGrpSpPr>
-          <p:cNvPr id="117" name="그룹 116"/>
+          <p:cNvPr id="211" name="그룹 210"/>
           <p:cNvGrpSpPr/>
           <p:nvPr/>
         </p:nvGrpSpPr>
         <p:grpSpPr>
-          <a:xfrm rot="282253">
-            <a:off x="9250224" y="3998785"/>
-            <a:ext cx="465295" cy="429840"/>
-            <a:chOff x="5764817" y="2081712"/>
-            <a:chExt cx="465295" cy="429840"/>
+          <a:xfrm>
+            <a:off x="8597424" y="6094721"/>
+            <a:ext cx="2076209" cy="429840"/>
+            <a:chOff x="9967670" y="4237373"/>
+            <a:chExt cx="2076209" cy="429840"/>
+          </a:xfrm>
+        </p:grpSpPr>
+        <p:grpSp>
+          <p:nvGrpSpPr>
+            <p:cNvPr id="117" name="그룹 116"/>
+            <p:cNvGrpSpPr/>
+            <p:nvPr/>
+          </p:nvGrpSpPr>
+          <p:grpSpPr>
+            <a:xfrm rot="282253">
+              <a:off x="10452867" y="4237373"/>
+              <a:ext cx="465295" cy="429840"/>
+              <a:chOff x="5764817" y="2081712"/>
+              <a:chExt cx="465295" cy="429840"/>
+            </a:xfrm>
+          </p:grpSpPr>
+          <p:sp>
+            <p:nvSpPr>
+              <p:cNvPr id="118" name="타원 117"/>
+              <p:cNvSpPr/>
+              <p:nvPr/>
+            </p:nvSpPr>
+            <p:spPr>
+              <a:xfrm>
+                <a:off x="5764817" y="2081712"/>
+                <a:ext cx="254984" cy="254984"/>
+              </a:xfrm>
+              <a:prstGeom prst="ellipse">
+                <a:avLst/>
+              </a:prstGeom>
+              <a:noFill/>
+              <a:ln w="38100">
+                <a:solidFill>
+                  <a:schemeClr val="accent1"/>
+                </a:solidFill>
+              </a:ln>
+            </p:spPr>
+            <p:style>
+              <a:lnRef idx="2">
+                <a:schemeClr val="accent1">
+                  <a:shade val="50000"/>
+                </a:schemeClr>
+              </a:lnRef>
+              <a:fillRef idx="1">
+                <a:schemeClr val="accent1"/>
+              </a:fillRef>
+              <a:effectRef idx="0">
+                <a:schemeClr val="accent1"/>
+              </a:effectRef>
+              <a:fontRef idx="minor">
+                <a:schemeClr val="lt1"/>
+              </a:fontRef>
+            </p:style>
+            <p:txBody>
+              <a:bodyPr rtlCol="0" anchor="ctr"/>
+              <a:lstStyle/>
+              <a:p>
+                <a:pPr algn="ctr"/>
+                <a:endParaRPr lang="ko-KR" altLang="en-US"/>
+              </a:p>
+            </p:txBody>
+          </p:sp>
+          <p:cxnSp>
+            <p:nvCxnSpPr>
+              <p:cNvPr id="119" name="직선 연결선 118"/>
+              <p:cNvCxnSpPr>
+                <a:endCxn id="118" idx="5"/>
+              </p:cNvCxnSpPr>
+              <p:nvPr/>
+            </p:nvCxnSpPr>
+            <p:spPr>
+              <a:xfrm flipH="1" flipV="1">
+                <a:off x="5982459" y="2299354"/>
+                <a:ext cx="247653" cy="212198"/>
+              </a:xfrm>
+              <a:prstGeom prst="line">
+                <a:avLst/>
+              </a:prstGeom>
+              <a:ln w="38100">
+                <a:headEnd type="stealth" w="lg" len="lg"/>
+              </a:ln>
+            </p:spPr>
+            <p:style>
+              <a:lnRef idx="1">
+                <a:schemeClr val="accent1"/>
+              </a:lnRef>
+              <a:fillRef idx="0">
+                <a:schemeClr val="accent1"/>
+              </a:fillRef>
+              <a:effectRef idx="0">
+                <a:schemeClr val="accent1"/>
+              </a:effectRef>
+              <a:fontRef idx="minor">
+                <a:schemeClr val="tx1"/>
+              </a:fontRef>
+            </p:style>
+          </p:cxnSp>
+        </p:grpSp>
+        <p:sp>
+          <p:nvSpPr>
+            <p:cNvPr id="120" name="TextBox 119"/>
+            <p:cNvSpPr txBox="1"/>
+            <p:nvPr/>
+          </p:nvSpPr>
+          <p:spPr>
+            <a:xfrm rot="2557281">
+              <a:off x="9967670" y="4251054"/>
+              <a:ext cx="2076209" cy="261610"/>
+            </a:xfrm>
+            <a:prstGeom prst="rect">
+              <a:avLst/>
+            </a:prstGeom>
+            <a:noFill/>
+          </p:spPr>
+          <p:txBody>
+            <a:bodyPr wrap="none" rtlCol="0">
+              <a:spAutoFit/>
+            </a:bodyPr>
+            <a:lstStyle/>
+            <a:p>
+              <a:r>
+                <a:rPr lang="ko-KR" altLang="en-US" sz="1100" dirty="0"/>
+                <a:t>강의평가 결과 조회 결과 정보</a:t>
+              </a:r>
+            </a:p>
+          </p:txBody>
+        </p:sp>
+      </p:grpSp>
+      <p:grpSp>
+        <p:nvGrpSpPr>
+          <p:cNvPr id="233" name="그룹 232"/>
+          <p:cNvGrpSpPr/>
+          <p:nvPr/>
+        </p:nvGrpSpPr>
+        <p:grpSpPr>
+          <a:xfrm rot="21062788">
+            <a:off x="3895236" y="1842876"/>
+            <a:ext cx="1863525" cy="465448"/>
+            <a:chOff x="3478084" y="1503056"/>
+            <a:chExt cx="1863525" cy="465448"/>
           </a:xfrm>
         </p:grpSpPr>
         <p:sp>
           <p:nvSpPr>
-            <p:cNvPr id="118" name="타원 117"/>
-            <p:cNvSpPr/>
+            <p:cNvPr id="116" name="TextBox 115"/>
+            <p:cNvSpPr txBox="1"/>
             <p:nvPr/>
           </p:nvSpPr>
           <p:spPr>
-            <a:xfrm>
-              <a:off x="5764817" y="2081712"/>
-              <a:ext cx="254984" cy="254984"/>
+            <a:xfrm rot="19088492">
+              <a:off x="3478084" y="1503056"/>
+              <a:ext cx="1863525" cy="261610"/>
             </a:xfrm>
-            <a:prstGeom prst="ellipse">
+            <a:prstGeom prst="rect">
               <a:avLst/>
             </a:prstGeom>
             <a:noFill/>
-            <a:ln w="38100">
-              <a:solidFill>
-                <a:schemeClr val="accent1"/>
-              </a:solidFill>
-            </a:ln>
           </p:spPr>
-          <p:style>
-            <a:lnRef idx="2">
-              <a:schemeClr val="accent1">
-                <a:shade val="50000"/>
-              </a:schemeClr>
-            </a:lnRef>
-            <a:fillRef idx="1">
-              <a:schemeClr val="accent1"/>
-            </a:fillRef>
-            <a:effectRef idx="0">
-              <a:schemeClr val="accent1"/>
-            </a:effectRef>
-            <a:fontRef idx="minor">
-              <a:schemeClr val="lt1"/>
-            </a:fontRef>
-          </p:style>
           <p:txBody>
-            <a:bodyPr rtlCol="0" anchor="ctr"/>
+            <a:bodyPr wrap="square" rtlCol="0">
+              <a:spAutoFit/>
+            </a:bodyPr>
             <a:lstStyle/>
             <a:p>
               <a:pPr algn="ctr"/>
-              <a:endParaRPr lang="ko-KR" altLang="en-US"/>
+              <a:r>
+                <a:rPr lang="ko-KR" altLang="en-US" sz="1100" dirty="0"/>
+                <a:t>강의 평가 결과 </a:t>
+              </a:r>
+              <a:r>
+                <a:rPr lang="ko-KR" altLang="en-US" sz="1100" dirty="0" smtClean="0"/>
+                <a:t>조회 정보</a:t>
+              </a:r>
+              <a:endParaRPr lang="ko-KR" altLang="en-US" sz="1600" dirty="0"/>
             </a:p>
           </p:txBody>
         </p:sp>
-        <p:cxnSp>
-          <p:nvCxnSpPr>
-            <p:cNvPr id="119" name="직선 연결선 118"/>
-            <p:cNvCxnSpPr>
-              <a:endCxn id="118" idx="5"/>
-            </p:cNvCxnSpPr>
+        <p:grpSp>
+          <p:nvGrpSpPr>
+            <p:cNvPr id="121" name="그룹 120"/>
+            <p:cNvGrpSpPr/>
             <p:nvPr/>
-          </p:nvCxnSpPr>
-          <p:spPr>
-            <a:xfrm flipH="1" flipV="1">
-              <a:off x="5982459" y="2299354"/>
-              <a:ext cx="247653" cy="212198"/>
+          </p:nvGrpSpPr>
+          <p:grpSpPr>
+            <a:xfrm rot="16462056">
+              <a:off x="4392119" y="1520937"/>
+              <a:ext cx="465295" cy="429840"/>
+              <a:chOff x="5764817" y="2081712"/>
+              <a:chExt cx="465295" cy="429840"/>
             </a:xfrm>
-            <a:prstGeom prst="line">
-              <a:avLst/>
-            </a:prstGeom>
-            <a:ln w="38100">
-              <a:headEnd type="stealth" w="lg" len="lg"/>
-            </a:ln>
-          </p:spPr>
-          <p:style>
-            <a:lnRef idx="1">
-              <a:schemeClr val="accent1"/>
-            </a:lnRef>
-            <a:fillRef idx="0">
-              <a:schemeClr val="accent1"/>
-            </a:fillRef>
-            <a:effectRef idx="0">
-              <a:schemeClr val="accent1"/>
-            </a:effectRef>
-            <a:fontRef idx="minor">
-              <a:schemeClr val="tx1"/>
-            </a:fontRef>
-          </p:style>
-        </p:cxnSp>
-      </p:grpSp>
-      <p:sp>
-        <p:nvSpPr>
-          <p:cNvPr id="120" name="TextBox 119"/>
-          <p:cNvSpPr txBox="1"/>
-          <p:nvPr/>
-        </p:nvSpPr>
-        <p:spPr>
-          <a:xfrm rot="2557281">
-            <a:off x="8765027" y="4012466"/>
-            <a:ext cx="2076209" cy="261610"/>
-          </a:xfrm>
-          <a:prstGeom prst="rect">
-            <a:avLst/>
-          </a:prstGeom>
-          <a:noFill/>
-        </p:spPr>
-        <p:txBody>
-          <a:bodyPr wrap="none" rtlCol="0">
-            <a:spAutoFit/>
-          </a:bodyPr>
-          <a:lstStyle/>
-          <a:p>
-            <a:r>
-              <a:rPr lang="ko-KR" altLang="en-US" sz="1100" dirty="0"/>
-              <a:t>강의평가 결과 조회 결과 정보</a:t>
-            </a:r>
-          </a:p>
-        </p:txBody>
-      </p:sp>
-      <p:grpSp>
-        <p:nvGrpSpPr>
-          <p:cNvPr id="121" name="그룹 120"/>
-          <p:cNvGrpSpPr/>
-          <p:nvPr/>
-        </p:nvGrpSpPr>
-        <p:grpSpPr>
-          <a:xfrm rot="16200000">
-            <a:off x="4392119" y="1520937"/>
-            <a:ext cx="465295" cy="429840"/>
-            <a:chOff x="5764817" y="2081712"/>
-            <a:chExt cx="465295" cy="429840"/>
-          </a:xfrm>
-        </p:grpSpPr>
-        <p:sp>
-          <p:nvSpPr>
-            <p:cNvPr id="122" name="타원 121"/>
-            <p:cNvSpPr/>
-            <p:nvPr/>
-          </p:nvSpPr>
-          <p:spPr>
-            <a:xfrm>
-              <a:off x="5764817" y="2081712"/>
-              <a:ext cx="254984" cy="254984"/>
-            </a:xfrm>
-            <a:prstGeom prst="ellipse">
-              <a:avLst/>
-            </a:prstGeom>
-            <a:noFill/>
-            <a:ln w="38100">
-              <a:solidFill>
+          </p:grpSpPr>
+          <p:sp>
+            <p:nvSpPr>
+              <p:cNvPr id="122" name="타원 121"/>
+              <p:cNvSpPr/>
+              <p:nvPr/>
+            </p:nvSpPr>
+            <p:spPr>
+              <a:xfrm>
+                <a:off x="5764817" y="2081712"/>
+                <a:ext cx="254984" cy="254984"/>
+              </a:xfrm>
+              <a:prstGeom prst="ellipse">
+                <a:avLst/>
+              </a:prstGeom>
+              <a:noFill/>
+              <a:ln w="38100">
+                <a:solidFill>
+                  <a:schemeClr val="accent1"/>
+                </a:solidFill>
+              </a:ln>
+            </p:spPr>
+            <p:style>
+              <a:lnRef idx="2">
+                <a:schemeClr val="accent1">
+                  <a:shade val="50000"/>
+                </a:schemeClr>
+              </a:lnRef>
+              <a:fillRef idx="1">
                 <a:schemeClr val="accent1"/>
-              </a:solidFill>
-            </a:ln>
-          </p:spPr>
-          <p:style>
-            <a:lnRef idx="2">
-              <a:schemeClr val="accent1">
-                <a:shade val="50000"/>
-              </a:schemeClr>
-            </a:lnRef>
-            <a:fillRef idx="1">
-              <a:schemeClr val="accent1"/>
-            </a:fillRef>
-            <a:effectRef idx="0">
-              <a:schemeClr val="accent1"/>
-            </a:effectRef>
-            <a:fontRef idx="minor">
-              <a:schemeClr val="lt1"/>
-            </a:fontRef>
-          </p:style>
-          <p:txBody>
-            <a:bodyPr rtlCol="0" anchor="ctr"/>
-            <a:lstStyle/>
-            <a:p>
-              <a:pPr algn="ctr"/>
-              <a:endParaRPr lang="ko-KR" altLang="en-US"/>
-            </a:p>
-          </p:txBody>
-        </p:sp>
-        <p:cxnSp>
-          <p:nvCxnSpPr>
-            <p:cNvPr id="123" name="직선 연결선 122"/>
-            <p:cNvCxnSpPr>
-              <a:endCxn id="122" idx="5"/>
-            </p:cNvCxnSpPr>
-            <p:nvPr/>
-          </p:nvCxnSpPr>
-          <p:spPr>
-            <a:xfrm flipH="1" flipV="1">
-              <a:off x="5982459" y="2299354"/>
-              <a:ext cx="247653" cy="212198"/>
-            </a:xfrm>
-            <a:prstGeom prst="line">
-              <a:avLst/>
-            </a:prstGeom>
-            <a:ln w="38100">
-              <a:headEnd type="stealth" w="lg" len="lg"/>
-            </a:ln>
-          </p:spPr>
-          <p:style>
-            <a:lnRef idx="1">
-              <a:schemeClr val="accent1"/>
-            </a:lnRef>
-            <a:fillRef idx="0">
-              <a:schemeClr val="accent1"/>
-            </a:fillRef>
-            <a:effectRef idx="0">
-              <a:schemeClr val="accent1"/>
-            </a:effectRef>
-            <a:fontRef idx="minor">
-              <a:schemeClr val="tx1"/>
-            </a:fontRef>
-          </p:style>
-        </p:cxnSp>
+              </a:fillRef>
+              <a:effectRef idx="0">
+                <a:schemeClr val="accent1"/>
+              </a:effectRef>
+              <a:fontRef idx="minor">
+                <a:schemeClr val="lt1"/>
+              </a:fontRef>
+            </p:style>
+            <p:txBody>
+              <a:bodyPr rtlCol="0" anchor="ctr"/>
+              <a:lstStyle/>
+              <a:p>
+                <a:pPr algn="ctr"/>
+                <a:endParaRPr lang="ko-KR" altLang="en-US"/>
+              </a:p>
+            </p:txBody>
+          </p:sp>
+          <p:cxnSp>
+            <p:nvCxnSpPr>
+              <p:cNvPr id="123" name="직선 연결선 122"/>
+              <p:cNvCxnSpPr>
+                <a:endCxn id="122" idx="5"/>
+              </p:cNvCxnSpPr>
+              <p:nvPr/>
+            </p:nvCxnSpPr>
+            <p:spPr>
+              <a:xfrm flipH="1" flipV="1">
+                <a:off x="5982459" y="2299354"/>
+                <a:ext cx="247653" cy="212198"/>
+              </a:xfrm>
+              <a:prstGeom prst="line">
+                <a:avLst/>
+              </a:prstGeom>
+              <a:ln w="38100">
+                <a:headEnd type="stealth" w="lg" len="lg"/>
+              </a:ln>
+            </p:spPr>
+            <p:style>
+              <a:lnRef idx="1">
+                <a:schemeClr val="accent1"/>
+              </a:lnRef>
+              <a:fillRef idx="0">
+                <a:schemeClr val="accent1"/>
+              </a:fillRef>
+              <a:effectRef idx="0">
+                <a:schemeClr val="accent1"/>
+              </a:effectRef>
+              <a:fontRef idx="minor">
+                <a:schemeClr val="tx1"/>
+              </a:fontRef>
+            </p:style>
+          </p:cxnSp>
+        </p:grpSp>
       </p:grpSp>
       <p:sp>
         <p:nvSpPr>
@@ -6017,7 +4776,7 @@
         </p:nvSpPr>
         <p:spPr>
           <a:xfrm>
-            <a:off x="1148592" y="6229062"/>
+            <a:off x="1148592" y="8019762"/>
             <a:ext cx="1556992" cy="726131"/>
           </a:xfrm>
           <a:prstGeom prst="rect">
@@ -6100,15 +4859,15 @@
         <p:nvCxnSpPr>
           <p:cNvPr id="128" name="직선 화살표 연결선 127"/>
           <p:cNvCxnSpPr>
-            <a:stCxn id="7" idx="2"/>
+            <a:stCxn id="5" idx="2"/>
             <a:endCxn id="124" idx="0"/>
           </p:cNvCxnSpPr>
           <p:nvPr/>
         </p:nvCxnSpPr>
         <p:spPr>
           <a:xfrm flipH="1">
-            <a:off x="1927088" y="3402328"/>
-            <a:ext cx="1846529" cy="2826734"/>
+            <a:off x="1927088" y="5193029"/>
+            <a:ext cx="4021707" cy="2826733"/>
           </a:xfrm>
           <a:prstGeom prst="straightConnector1">
             <a:avLst/>
@@ -6139,8 +4898,8 @@
           <p:nvPr/>
         </p:nvGrpSpPr>
         <p:grpSpPr>
-          <a:xfrm>
-            <a:off x="6621841" y="1091485"/>
+          <a:xfrm rot="1176772">
+            <a:off x="6408346" y="1580362"/>
             <a:ext cx="1295969" cy="542376"/>
             <a:chOff x="5965431" y="834634"/>
             <a:chExt cx="1295969" cy="542376"/>
@@ -6288,7 +5047,7 @@
         </p:nvGrpSpPr>
         <p:grpSpPr>
           <a:xfrm rot="15401531">
-            <a:off x="4801500" y="5238341"/>
+            <a:off x="4801500" y="7029041"/>
             <a:ext cx="465295" cy="429840"/>
             <a:chOff x="5764817" y="2081712"/>
             <a:chExt cx="465295" cy="429840"/>
@@ -6386,7 +5145,7 @@
         </p:nvSpPr>
         <p:spPr>
           <a:xfrm rot="7221821">
-            <a:off x="4600702" y="5554434"/>
+            <a:off x="4600702" y="7345134"/>
             <a:ext cx="1295969" cy="261610"/>
           </a:xfrm>
           <a:prstGeom prst="rect">
@@ -6420,8 +5179,8 @@
           <p:nvPr/>
         </p:nvGrpSpPr>
         <p:grpSpPr>
-          <a:xfrm rot="2280499">
-            <a:off x="8181964" y="4655229"/>
+          <a:xfrm rot="2326883">
+            <a:off x="8179292" y="6612700"/>
             <a:ext cx="1295969" cy="542376"/>
             <a:chOff x="5965431" y="834634"/>
             <a:chExt cx="1295969" cy="542376"/>
@@ -6569,7 +5328,7 @@
         </p:nvSpPr>
         <p:spPr>
           <a:xfrm rot="19407169">
-            <a:off x="342739" y="4334370"/>
+            <a:off x="342739" y="6125070"/>
             <a:ext cx="2162056" cy="261610"/>
           </a:xfrm>
           <a:prstGeom prst="rect">
@@ -6604,7 +5363,7 @@
         </p:nvGrpSpPr>
         <p:grpSpPr>
           <a:xfrm rot="16853003">
-            <a:off x="1280264" y="4550279"/>
+            <a:off x="1280264" y="6340979"/>
             <a:ext cx="465295" cy="429840"/>
             <a:chOff x="5764817" y="2081712"/>
             <a:chExt cx="465295" cy="429840"/>
@@ -6699,8 +5458,8 @@
           <p:nvPr/>
         </p:nvGrpSpPr>
         <p:grpSpPr>
-          <a:xfrm rot="15480795">
-            <a:off x="2734898" y="4975766"/>
+          <a:xfrm rot="16837843">
+            <a:off x="3003555" y="6614571"/>
             <a:ext cx="465295" cy="429840"/>
             <a:chOff x="5764817" y="2081712"/>
             <a:chExt cx="465295" cy="429840"/>
@@ -6795,8 +5554,8 @@
           <p:nvPr/>
         </p:nvSpPr>
         <p:spPr>
-          <a:xfrm rot="18123091">
-            <a:off x="2266923" y="5070738"/>
+          <a:xfrm rot="19380600">
+            <a:off x="2071666" y="6474726"/>
             <a:ext cx="2065042" cy="261610"/>
           </a:xfrm>
           <a:prstGeom prst="rect">
@@ -6826,7 +5585,7 @@
         </p:nvGrpSpPr>
         <p:grpSpPr>
           <a:xfrm rot="1952499">
-            <a:off x="6093948" y="5507946"/>
+            <a:off x="6093948" y="7298646"/>
             <a:ext cx="465295" cy="429840"/>
             <a:chOff x="5764817" y="2081712"/>
             <a:chExt cx="465295" cy="429840"/>
@@ -6922,7 +5681,7 @@
         </p:nvSpPr>
         <p:spPr>
           <a:xfrm rot="15427772">
-            <a:off x="5411597" y="5513689"/>
+            <a:off x="5411597" y="7304389"/>
             <a:ext cx="1130438" cy="430887"/>
           </a:xfrm>
           <a:prstGeom prst="rect">
@@ -6963,7 +5722,7 @@
         </p:nvGrpSpPr>
         <p:grpSpPr>
           <a:xfrm rot="1952499">
-            <a:off x="6642284" y="4129229"/>
+            <a:off x="5844531" y="6419352"/>
             <a:ext cx="465295" cy="429840"/>
             <a:chOff x="5764817" y="2081712"/>
             <a:chExt cx="465295" cy="429840"/>
@@ -7059,7 +5818,7 @@
         </p:nvSpPr>
         <p:spPr>
           <a:xfrm rot="15427772">
-            <a:off x="5094176" y="4532215"/>
+            <a:off x="5094176" y="6322915"/>
             <a:ext cx="1221809" cy="430887"/>
           </a:xfrm>
           <a:prstGeom prst="rect">
@@ -7088,6 +5847,1021 @@
           </a:p>
         </p:txBody>
       </p:sp>
+      <p:grpSp>
+        <p:nvGrpSpPr>
+          <p:cNvPr id="182" name="그룹 181"/>
+          <p:cNvGrpSpPr/>
+          <p:nvPr/>
+        </p:nvGrpSpPr>
+        <p:grpSpPr>
+          <a:xfrm rot="12388667">
+            <a:off x="6225703" y="6023818"/>
+            <a:ext cx="465295" cy="429840"/>
+            <a:chOff x="5764817" y="2081712"/>
+            <a:chExt cx="465295" cy="429840"/>
+          </a:xfrm>
+        </p:grpSpPr>
+        <p:sp>
+          <p:nvSpPr>
+            <p:cNvPr id="183" name="타원 182"/>
+            <p:cNvSpPr/>
+            <p:nvPr/>
+          </p:nvSpPr>
+          <p:spPr>
+            <a:xfrm>
+              <a:off x="5764817" y="2081712"/>
+              <a:ext cx="254984" cy="254984"/>
+            </a:xfrm>
+            <a:prstGeom prst="ellipse">
+              <a:avLst/>
+            </a:prstGeom>
+            <a:solidFill>
+              <a:schemeClr val="accent1"/>
+            </a:solidFill>
+            <a:ln w="38100">
+              <a:solidFill>
+                <a:schemeClr val="accent1"/>
+              </a:solidFill>
+            </a:ln>
+          </p:spPr>
+          <p:style>
+            <a:lnRef idx="2">
+              <a:schemeClr val="accent1">
+                <a:shade val="50000"/>
+              </a:schemeClr>
+            </a:lnRef>
+            <a:fillRef idx="1">
+              <a:schemeClr val="accent1"/>
+            </a:fillRef>
+            <a:effectRef idx="0">
+              <a:schemeClr val="accent1"/>
+            </a:effectRef>
+            <a:fontRef idx="minor">
+              <a:schemeClr val="lt1"/>
+            </a:fontRef>
+          </p:style>
+          <p:txBody>
+            <a:bodyPr rtlCol="0" anchor="ctr"/>
+            <a:lstStyle/>
+            <a:p>
+              <a:pPr algn="ctr"/>
+              <a:endParaRPr lang="ko-KR" altLang="en-US"/>
+            </a:p>
+          </p:txBody>
+        </p:sp>
+        <p:cxnSp>
+          <p:nvCxnSpPr>
+            <p:cNvPr id="184" name="직선 연결선 183"/>
+            <p:cNvCxnSpPr>
+              <a:endCxn id="183" idx="5"/>
+            </p:cNvCxnSpPr>
+            <p:nvPr/>
+          </p:nvCxnSpPr>
+          <p:spPr>
+            <a:xfrm flipH="1" flipV="1">
+              <a:off x="5982459" y="2299354"/>
+              <a:ext cx="247653" cy="212198"/>
+            </a:xfrm>
+            <a:prstGeom prst="line">
+              <a:avLst/>
+            </a:prstGeom>
+            <a:ln w="38100">
+              <a:headEnd type="stealth" w="lg" len="lg"/>
+            </a:ln>
+          </p:spPr>
+          <p:style>
+            <a:lnRef idx="1">
+              <a:schemeClr val="accent1"/>
+            </a:lnRef>
+            <a:fillRef idx="0">
+              <a:schemeClr val="accent1"/>
+            </a:fillRef>
+            <a:effectRef idx="0">
+              <a:schemeClr val="accent1"/>
+            </a:effectRef>
+            <a:fontRef idx="minor">
+              <a:schemeClr val="tx1"/>
+            </a:fontRef>
+          </p:style>
+        </p:cxnSp>
+      </p:grpSp>
+      <p:sp>
+        <p:nvSpPr>
+          <p:cNvPr id="185" name="TextBox 184"/>
+          <p:cNvSpPr txBox="1"/>
+          <p:nvPr/>
+        </p:nvSpPr>
+        <p:spPr>
+          <a:xfrm rot="4120830">
+            <a:off x="6156628" y="5922732"/>
+            <a:ext cx="1295969" cy="430887"/>
+          </a:xfrm>
+          <a:prstGeom prst="rect">
+            <a:avLst/>
+          </a:prstGeom>
+          <a:noFill/>
+        </p:spPr>
+        <p:txBody>
+          <a:bodyPr wrap="square" rtlCol="0">
+            <a:spAutoFit/>
+          </a:bodyPr>
+          <a:lstStyle/>
+          <a:p>
+            <a:pPr algn="ctr"/>
+            <a:r>
+              <a:rPr lang="ko-KR" altLang="en-US" sz="1100" dirty="0" smtClean="0"/>
+              <a:t>강의평가 결과 조회 성공 여부</a:t>
+            </a:r>
+            <a:endParaRPr lang="ko-KR" altLang="en-US" sz="1600" dirty="0"/>
+          </a:p>
+        </p:txBody>
+      </p:sp>
+      <p:grpSp>
+        <p:nvGrpSpPr>
+          <p:cNvPr id="260" name="그룹 259"/>
+          <p:cNvGrpSpPr/>
+          <p:nvPr/>
+        </p:nvGrpSpPr>
+        <p:grpSpPr>
+          <a:xfrm>
+            <a:off x="5933549" y="2059165"/>
+            <a:ext cx="776625" cy="1295969"/>
+            <a:chOff x="5933549" y="1420450"/>
+            <a:chExt cx="776625" cy="1295969"/>
+          </a:xfrm>
+        </p:grpSpPr>
+        <p:grpSp>
+          <p:nvGrpSpPr>
+            <p:cNvPr id="190" name="그룹 189"/>
+            <p:cNvGrpSpPr/>
+            <p:nvPr/>
+          </p:nvGrpSpPr>
+          <p:grpSpPr>
+            <a:xfrm rot="13668661">
+              <a:off x="5915821" y="1954077"/>
+              <a:ext cx="465295" cy="429840"/>
+              <a:chOff x="5764817" y="2081712"/>
+              <a:chExt cx="465295" cy="429840"/>
+            </a:xfrm>
+          </p:grpSpPr>
+          <p:sp>
+            <p:nvSpPr>
+              <p:cNvPr id="191" name="타원 190"/>
+              <p:cNvSpPr/>
+              <p:nvPr/>
+            </p:nvSpPr>
+            <p:spPr>
+              <a:xfrm>
+                <a:off x="5764817" y="2081712"/>
+                <a:ext cx="254984" cy="254984"/>
+              </a:xfrm>
+              <a:prstGeom prst="ellipse">
+                <a:avLst/>
+              </a:prstGeom>
+              <a:solidFill>
+                <a:schemeClr val="accent1"/>
+              </a:solidFill>
+              <a:ln w="38100">
+                <a:solidFill>
+                  <a:schemeClr val="accent1"/>
+                </a:solidFill>
+              </a:ln>
+            </p:spPr>
+            <p:style>
+              <a:lnRef idx="2">
+                <a:schemeClr val="accent1">
+                  <a:shade val="50000"/>
+                </a:schemeClr>
+              </a:lnRef>
+              <a:fillRef idx="1">
+                <a:schemeClr val="accent1"/>
+              </a:fillRef>
+              <a:effectRef idx="0">
+                <a:schemeClr val="accent1"/>
+              </a:effectRef>
+              <a:fontRef idx="minor">
+                <a:schemeClr val="lt1"/>
+              </a:fontRef>
+            </p:style>
+            <p:txBody>
+              <a:bodyPr rtlCol="0" anchor="ctr"/>
+              <a:lstStyle/>
+              <a:p>
+                <a:pPr algn="ctr"/>
+                <a:endParaRPr lang="ko-KR" altLang="en-US"/>
+              </a:p>
+            </p:txBody>
+          </p:sp>
+          <p:cxnSp>
+            <p:nvCxnSpPr>
+              <p:cNvPr id="192" name="직선 연결선 191"/>
+              <p:cNvCxnSpPr>
+                <a:endCxn id="191" idx="5"/>
+              </p:cNvCxnSpPr>
+              <p:nvPr/>
+            </p:nvCxnSpPr>
+            <p:spPr>
+              <a:xfrm flipH="1" flipV="1">
+                <a:off x="5982459" y="2299354"/>
+                <a:ext cx="247653" cy="212198"/>
+              </a:xfrm>
+              <a:prstGeom prst="line">
+                <a:avLst/>
+              </a:prstGeom>
+              <a:ln w="38100">
+                <a:headEnd type="stealth" w="lg" len="lg"/>
+              </a:ln>
+            </p:spPr>
+            <p:style>
+              <a:lnRef idx="1">
+                <a:schemeClr val="accent1"/>
+              </a:lnRef>
+              <a:fillRef idx="0">
+                <a:schemeClr val="accent1"/>
+              </a:fillRef>
+              <a:effectRef idx="0">
+                <a:schemeClr val="accent1"/>
+              </a:effectRef>
+              <a:fontRef idx="minor">
+                <a:schemeClr val="tx1"/>
+              </a:fontRef>
+            </p:style>
+          </p:cxnSp>
+        </p:grpSp>
+        <p:sp>
+          <p:nvSpPr>
+            <p:cNvPr id="193" name="TextBox 192"/>
+            <p:cNvSpPr txBox="1"/>
+            <p:nvPr/>
+          </p:nvSpPr>
+          <p:spPr>
+            <a:xfrm rot="5400824">
+              <a:off x="5846746" y="1852991"/>
+              <a:ext cx="1295969" cy="430887"/>
+            </a:xfrm>
+            <a:prstGeom prst="rect">
+              <a:avLst/>
+            </a:prstGeom>
+            <a:noFill/>
+          </p:spPr>
+          <p:txBody>
+            <a:bodyPr wrap="square" rtlCol="0">
+              <a:spAutoFit/>
+            </a:bodyPr>
+            <a:lstStyle/>
+            <a:p>
+              <a:pPr algn="ctr"/>
+              <a:r>
+                <a:rPr lang="ko-KR" altLang="en-US" sz="1100" dirty="0" smtClean="0"/>
+                <a:t>강의평가 결과 </a:t>
+              </a:r>
+              <a:endParaRPr lang="en-US" altLang="ko-KR" sz="1100" dirty="0" smtClean="0"/>
+            </a:p>
+            <a:p>
+              <a:pPr algn="ctr"/>
+              <a:r>
+                <a:rPr lang="ko-KR" altLang="en-US" sz="1100" dirty="0" smtClean="0"/>
+                <a:t>조회 성공 여부</a:t>
+              </a:r>
+              <a:endParaRPr lang="ko-KR" altLang="en-US" sz="1600" dirty="0"/>
+            </a:p>
+          </p:txBody>
+        </p:sp>
+      </p:grpSp>
+      <p:grpSp>
+        <p:nvGrpSpPr>
+          <p:cNvPr id="195" name="그룹 194"/>
+          <p:cNvGrpSpPr/>
+          <p:nvPr/>
+        </p:nvGrpSpPr>
+        <p:grpSpPr>
+          <a:xfrm rot="12408721">
+            <a:off x="6565795" y="7135441"/>
+            <a:ext cx="465295" cy="429840"/>
+            <a:chOff x="5764817" y="2081712"/>
+            <a:chExt cx="465295" cy="429840"/>
+          </a:xfrm>
+        </p:grpSpPr>
+        <p:sp>
+          <p:nvSpPr>
+            <p:cNvPr id="196" name="타원 195"/>
+            <p:cNvSpPr/>
+            <p:nvPr/>
+          </p:nvSpPr>
+          <p:spPr>
+            <a:xfrm>
+              <a:off x="5764817" y="2081712"/>
+              <a:ext cx="254984" cy="254984"/>
+            </a:xfrm>
+            <a:prstGeom prst="ellipse">
+              <a:avLst/>
+            </a:prstGeom>
+            <a:noFill/>
+            <a:ln w="38100">
+              <a:solidFill>
+                <a:schemeClr val="accent1"/>
+              </a:solidFill>
+            </a:ln>
+          </p:spPr>
+          <p:style>
+            <a:lnRef idx="2">
+              <a:schemeClr val="accent1">
+                <a:shade val="50000"/>
+              </a:schemeClr>
+            </a:lnRef>
+            <a:fillRef idx="1">
+              <a:schemeClr val="accent1"/>
+            </a:fillRef>
+            <a:effectRef idx="0">
+              <a:schemeClr val="accent1"/>
+            </a:effectRef>
+            <a:fontRef idx="minor">
+              <a:schemeClr val="lt1"/>
+            </a:fontRef>
+          </p:style>
+          <p:txBody>
+            <a:bodyPr rtlCol="0" anchor="ctr"/>
+            <a:lstStyle/>
+            <a:p>
+              <a:pPr algn="ctr"/>
+              <a:endParaRPr lang="ko-KR" altLang="en-US"/>
+            </a:p>
+          </p:txBody>
+        </p:sp>
+        <p:cxnSp>
+          <p:nvCxnSpPr>
+            <p:cNvPr id="197" name="직선 연결선 196"/>
+            <p:cNvCxnSpPr>
+              <a:endCxn id="196" idx="5"/>
+            </p:cNvCxnSpPr>
+            <p:nvPr/>
+          </p:nvCxnSpPr>
+          <p:spPr>
+            <a:xfrm flipH="1" flipV="1">
+              <a:off x="5982459" y="2299354"/>
+              <a:ext cx="247653" cy="212198"/>
+            </a:xfrm>
+            <a:prstGeom prst="line">
+              <a:avLst/>
+            </a:prstGeom>
+            <a:ln w="38100">
+              <a:headEnd type="stealth" w="lg" len="lg"/>
+            </a:ln>
+          </p:spPr>
+          <p:style>
+            <a:lnRef idx="1">
+              <a:schemeClr val="accent1"/>
+            </a:lnRef>
+            <a:fillRef idx="0">
+              <a:schemeClr val="accent1"/>
+            </a:fillRef>
+            <a:effectRef idx="0">
+              <a:schemeClr val="accent1"/>
+            </a:effectRef>
+            <a:fontRef idx="minor">
+              <a:schemeClr val="tx1"/>
+            </a:fontRef>
+          </p:style>
+        </p:cxnSp>
+      </p:grpSp>
+      <p:sp>
+        <p:nvSpPr>
+          <p:cNvPr id="198" name="TextBox 197"/>
+          <p:cNvSpPr txBox="1"/>
+          <p:nvPr/>
+        </p:nvSpPr>
+        <p:spPr>
+          <a:xfrm rot="4194877">
+            <a:off x="6566135" y="7160465"/>
+            <a:ext cx="1412566" cy="430887"/>
+          </a:xfrm>
+          <a:prstGeom prst="rect">
+            <a:avLst/>
+          </a:prstGeom>
+          <a:noFill/>
+        </p:spPr>
+        <p:txBody>
+          <a:bodyPr wrap="none" rtlCol="0">
+            <a:spAutoFit/>
+          </a:bodyPr>
+          <a:lstStyle/>
+          <a:p>
+            <a:pPr algn="ctr"/>
+            <a:r>
+              <a:rPr lang="ko-KR" altLang="en-US" sz="1100" dirty="0"/>
+              <a:t>강의평가 결과 </a:t>
+            </a:r>
+            <a:r>
+              <a:rPr lang="ko-KR" altLang="en-US" sz="1100" dirty="0" smtClean="0"/>
+              <a:t>조회</a:t>
+            </a:r>
+            <a:endParaRPr lang="en-US" altLang="ko-KR" sz="1100" dirty="0" smtClean="0"/>
+          </a:p>
+          <a:p>
+            <a:pPr algn="ctr"/>
+            <a:r>
+              <a:rPr lang="ko-KR" altLang="en-US" sz="1100" dirty="0" smtClean="0"/>
+              <a:t> </a:t>
+            </a:r>
+            <a:r>
+              <a:rPr lang="ko-KR" altLang="en-US" sz="1100" dirty="0"/>
+              <a:t>결과 정보</a:t>
+            </a:r>
+          </a:p>
+        </p:txBody>
+      </p:sp>
+      <p:grpSp>
+        <p:nvGrpSpPr>
+          <p:cNvPr id="210" name="그룹 209"/>
+          <p:cNvGrpSpPr/>
+          <p:nvPr/>
+        </p:nvGrpSpPr>
+        <p:grpSpPr>
+          <a:xfrm rot="1106482">
+            <a:off x="7259505" y="2749905"/>
+            <a:ext cx="1295969" cy="655888"/>
+            <a:chOff x="7621062" y="1703536"/>
+            <a:chExt cx="1295969" cy="655888"/>
+          </a:xfrm>
+        </p:grpSpPr>
+        <p:grpSp>
+          <p:nvGrpSpPr>
+            <p:cNvPr id="199" name="그룹 198"/>
+            <p:cNvGrpSpPr/>
+            <p:nvPr/>
+          </p:nvGrpSpPr>
+          <p:grpSpPr>
+            <a:xfrm>
+              <a:off x="7666981" y="1929584"/>
+              <a:ext cx="465295" cy="429840"/>
+              <a:chOff x="5764817" y="2081712"/>
+              <a:chExt cx="465295" cy="429840"/>
+            </a:xfrm>
+          </p:grpSpPr>
+          <p:sp>
+            <p:nvSpPr>
+              <p:cNvPr id="200" name="타원 199"/>
+              <p:cNvSpPr/>
+              <p:nvPr/>
+            </p:nvSpPr>
+            <p:spPr>
+              <a:xfrm>
+                <a:off x="5764817" y="2081712"/>
+                <a:ext cx="254984" cy="254984"/>
+              </a:xfrm>
+              <a:prstGeom prst="ellipse">
+                <a:avLst/>
+              </a:prstGeom>
+              <a:solidFill>
+                <a:schemeClr val="accent1"/>
+              </a:solidFill>
+              <a:ln w="38100">
+                <a:solidFill>
+                  <a:schemeClr val="accent1"/>
+                </a:solidFill>
+              </a:ln>
+            </p:spPr>
+            <p:style>
+              <a:lnRef idx="2">
+                <a:schemeClr val="accent1">
+                  <a:shade val="50000"/>
+                </a:schemeClr>
+              </a:lnRef>
+              <a:fillRef idx="1">
+                <a:schemeClr val="accent1"/>
+              </a:fillRef>
+              <a:effectRef idx="0">
+                <a:schemeClr val="accent1"/>
+              </a:effectRef>
+              <a:fontRef idx="minor">
+                <a:schemeClr val="lt1"/>
+              </a:fontRef>
+            </p:style>
+            <p:txBody>
+              <a:bodyPr rtlCol="0" anchor="ctr"/>
+              <a:lstStyle/>
+              <a:p>
+                <a:pPr algn="ctr"/>
+                <a:endParaRPr lang="ko-KR" altLang="en-US"/>
+              </a:p>
+            </p:txBody>
+          </p:sp>
+          <p:cxnSp>
+            <p:nvCxnSpPr>
+              <p:cNvPr id="201" name="직선 연결선 200"/>
+              <p:cNvCxnSpPr>
+                <a:endCxn id="200" idx="5"/>
+              </p:cNvCxnSpPr>
+              <p:nvPr/>
+            </p:nvCxnSpPr>
+            <p:spPr>
+              <a:xfrm flipH="1" flipV="1">
+                <a:off x="5982459" y="2299354"/>
+                <a:ext cx="247653" cy="212198"/>
+              </a:xfrm>
+              <a:prstGeom prst="line">
+                <a:avLst/>
+              </a:prstGeom>
+              <a:ln w="38100">
+                <a:headEnd type="stealth" w="lg" len="lg"/>
+              </a:ln>
+            </p:spPr>
+            <p:style>
+              <a:lnRef idx="1">
+                <a:schemeClr val="accent1"/>
+              </a:lnRef>
+              <a:fillRef idx="0">
+                <a:schemeClr val="accent1"/>
+              </a:fillRef>
+              <a:effectRef idx="0">
+                <a:schemeClr val="accent1"/>
+              </a:effectRef>
+              <a:fontRef idx="minor">
+                <a:schemeClr val="tx1"/>
+              </a:fontRef>
+            </p:style>
+          </p:cxnSp>
+        </p:grpSp>
+        <p:sp>
+          <p:nvSpPr>
+            <p:cNvPr id="202" name="TextBox 201"/>
+            <p:cNvSpPr txBox="1"/>
+            <p:nvPr/>
+          </p:nvSpPr>
+          <p:spPr>
+            <a:xfrm rot="2337195">
+              <a:off x="7621062" y="1703536"/>
+              <a:ext cx="1295969" cy="430887"/>
+            </a:xfrm>
+            <a:prstGeom prst="rect">
+              <a:avLst/>
+            </a:prstGeom>
+            <a:noFill/>
+          </p:spPr>
+          <p:txBody>
+            <a:bodyPr wrap="square" rtlCol="0">
+              <a:spAutoFit/>
+            </a:bodyPr>
+            <a:lstStyle/>
+            <a:p>
+              <a:pPr algn="ctr"/>
+              <a:r>
+                <a:rPr lang="ko-KR" altLang="en-US" sz="1100" dirty="0" smtClean="0"/>
+                <a:t>강의평가 결과 </a:t>
+              </a:r>
+              <a:endParaRPr lang="en-US" altLang="ko-KR" sz="1100" dirty="0" smtClean="0"/>
+            </a:p>
+            <a:p>
+              <a:pPr algn="ctr"/>
+              <a:r>
+                <a:rPr lang="ko-KR" altLang="en-US" sz="1100" dirty="0" smtClean="0"/>
+                <a:t>조회 성공 여부</a:t>
+              </a:r>
+              <a:endParaRPr lang="ko-KR" altLang="en-US" sz="1600" dirty="0"/>
+            </a:p>
+          </p:txBody>
+        </p:sp>
+      </p:grpSp>
+      <p:grpSp>
+        <p:nvGrpSpPr>
+          <p:cNvPr id="239" name="그룹 238"/>
+          <p:cNvGrpSpPr/>
+          <p:nvPr/>
+        </p:nvGrpSpPr>
+        <p:grpSpPr>
+          <a:xfrm>
+            <a:off x="5391212" y="2170109"/>
+            <a:ext cx="610397" cy="1410236"/>
+            <a:chOff x="5391212" y="1458074"/>
+            <a:chExt cx="610397" cy="1410236"/>
+          </a:xfrm>
+        </p:grpSpPr>
+        <p:grpSp>
+          <p:nvGrpSpPr>
+            <p:cNvPr id="203" name="그룹 202"/>
+            <p:cNvGrpSpPr/>
+            <p:nvPr/>
+          </p:nvGrpSpPr>
+          <p:grpSpPr>
+            <a:xfrm rot="2973746">
+              <a:off x="5554041" y="1914165"/>
+              <a:ext cx="465295" cy="429840"/>
+              <a:chOff x="5764817" y="2081712"/>
+              <a:chExt cx="465295" cy="429840"/>
+            </a:xfrm>
+          </p:grpSpPr>
+          <p:sp>
+            <p:nvSpPr>
+              <p:cNvPr id="204" name="타원 203"/>
+              <p:cNvSpPr/>
+              <p:nvPr/>
+            </p:nvSpPr>
+            <p:spPr>
+              <a:xfrm>
+                <a:off x="5764817" y="2081712"/>
+                <a:ext cx="254984" cy="254984"/>
+              </a:xfrm>
+              <a:prstGeom prst="ellipse">
+                <a:avLst/>
+              </a:prstGeom>
+              <a:noFill/>
+              <a:ln w="38100">
+                <a:solidFill>
+                  <a:schemeClr val="accent1"/>
+                </a:solidFill>
+              </a:ln>
+            </p:spPr>
+            <p:style>
+              <a:lnRef idx="2">
+                <a:schemeClr val="accent1">
+                  <a:shade val="50000"/>
+                </a:schemeClr>
+              </a:lnRef>
+              <a:fillRef idx="1">
+                <a:schemeClr val="accent1"/>
+              </a:fillRef>
+              <a:effectRef idx="0">
+                <a:schemeClr val="accent1"/>
+              </a:effectRef>
+              <a:fontRef idx="minor">
+                <a:schemeClr val="lt1"/>
+              </a:fontRef>
+            </p:style>
+            <p:txBody>
+              <a:bodyPr rtlCol="0" anchor="ctr"/>
+              <a:lstStyle/>
+              <a:p>
+                <a:pPr algn="ctr"/>
+                <a:endParaRPr lang="ko-KR" altLang="en-US"/>
+              </a:p>
+            </p:txBody>
+          </p:sp>
+          <p:cxnSp>
+            <p:nvCxnSpPr>
+              <p:cNvPr id="205" name="직선 연결선 204"/>
+              <p:cNvCxnSpPr>
+                <a:endCxn id="204" idx="5"/>
+              </p:cNvCxnSpPr>
+              <p:nvPr/>
+            </p:nvCxnSpPr>
+            <p:spPr>
+              <a:xfrm flipH="1" flipV="1">
+                <a:off x="5982459" y="2299354"/>
+                <a:ext cx="247653" cy="212198"/>
+              </a:xfrm>
+              <a:prstGeom prst="line">
+                <a:avLst/>
+              </a:prstGeom>
+              <a:ln w="38100">
+                <a:headEnd type="stealth" w="lg" len="lg"/>
+              </a:ln>
+            </p:spPr>
+            <p:style>
+              <a:lnRef idx="1">
+                <a:schemeClr val="accent1"/>
+              </a:lnRef>
+              <a:fillRef idx="0">
+                <a:schemeClr val="accent1"/>
+              </a:fillRef>
+              <a:effectRef idx="0">
+                <a:schemeClr val="accent1"/>
+              </a:effectRef>
+              <a:fontRef idx="minor">
+                <a:schemeClr val="tx1"/>
+              </a:fontRef>
+            </p:style>
+          </p:cxnSp>
+        </p:grpSp>
+        <p:sp>
+          <p:nvSpPr>
+            <p:cNvPr id="206" name="TextBox 205"/>
+            <p:cNvSpPr txBox="1"/>
+            <p:nvPr/>
+          </p:nvSpPr>
+          <p:spPr>
+            <a:xfrm rot="16200000">
+              <a:off x="4816899" y="2032387"/>
+              <a:ext cx="1410236" cy="261610"/>
+            </a:xfrm>
+            <a:prstGeom prst="rect">
+              <a:avLst/>
+            </a:prstGeom>
+            <a:noFill/>
+          </p:spPr>
+          <p:txBody>
+            <a:bodyPr wrap="square" rtlCol="0">
+              <a:spAutoFit/>
+            </a:bodyPr>
+            <a:lstStyle/>
+            <a:p>
+              <a:pPr algn="ctr"/>
+              <a:r>
+                <a:rPr lang="ko-KR" altLang="en-US" sz="1100" dirty="0" smtClean="0"/>
+                <a:t>권한 정보</a:t>
+              </a:r>
+              <a:endParaRPr lang="ko-KR" altLang="en-US" sz="1600" dirty="0"/>
+            </a:p>
+          </p:txBody>
+        </p:sp>
+      </p:grpSp>
+      <p:grpSp>
+        <p:nvGrpSpPr>
+          <p:cNvPr id="259" name="그룹 258"/>
+          <p:cNvGrpSpPr/>
+          <p:nvPr/>
+        </p:nvGrpSpPr>
+        <p:grpSpPr>
+          <a:xfrm>
+            <a:off x="5959630" y="3238031"/>
+            <a:ext cx="623387" cy="1295969"/>
+            <a:chOff x="5959630" y="2700647"/>
+            <a:chExt cx="623387" cy="1295969"/>
+          </a:xfrm>
+        </p:grpSpPr>
+        <p:grpSp>
+          <p:nvGrpSpPr>
+            <p:cNvPr id="234" name="그룹 233"/>
+            <p:cNvGrpSpPr/>
+            <p:nvPr/>
+          </p:nvGrpSpPr>
+          <p:grpSpPr>
+            <a:xfrm rot="13718309">
+              <a:off x="5941902" y="3118731"/>
+              <a:ext cx="465295" cy="429840"/>
+              <a:chOff x="5764817" y="2081712"/>
+              <a:chExt cx="465295" cy="429840"/>
+            </a:xfrm>
+          </p:grpSpPr>
+          <p:sp>
+            <p:nvSpPr>
+              <p:cNvPr id="235" name="타원 234"/>
+              <p:cNvSpPr/>
+              <p:nvPr/>
+            </p:nvSpPr>
+            <p:spPr>
+              <a:xfrm>
+                <a:off x="5764817" y="2081712"/>
+                <a:ext cx="254984" cy="254984"/>
+              </a:xfrm>
+              <a:prstGeom prst="ellipse">
+                <a:avLst/>
+              </a:prstGeom>
+              <a:solidFill>
+                <a:schemeClr val="accent1"/>
+              </a:solidFill>
+              <a:ln w="38100">
+                <a:solidFill>
+                  <a:schemeClr val="accent1"/>
+                </a:solidFill>
+              </a:ln>
+            </p:spPr>
+            <p:style>
+              <a:lnRef idx="2">
+                <a:schemeClr val="accent1">
+                  <a:shade val="50000"/>
+                </a:schemeClr>
+              </a:lnRef>
+              <a:fillRef idx="1">
+                <a:schemeClr val="accent1"/>
+              </a:fillRef>
+              <a:effectRef idx="0">
+                <a:schemeClr val="accent1"/>
+              </a:effectRef>
+              <a:fontRef idx="minor">
+                <a:schemeClr val="lt1"/>
+              </a:fontRef>
+            </p:style>
+            <p:txBody>
+              <a:bodyPr rtlCol="0" anchor="ctr"/>
+              <a:lstStyle/>
+              <a:p>
+                <a:pPr algn="ctr"/>
+                <a:endParaRPr lang="ko-KR" altLang="en-US"/>
+              </a:p>
+            </p:txBody>
+          </p:sp>
+          <p:cxnSp>
+            <p:nvCxnSpPr>
+              <p:cNvPr id="236" name="직선 연결선 235"/>
+              <p:cNvCxnSpPr>
+                <a:endCxn id="235" idx="5"/>
+              </p:cNvCxnSpPr>
+              <p:nvPr/>
+            </p:nvCxnSpPr>
+            <p:spPr>
+              <a:xfrm flipH="1" flipV="1">
+                <a:off x="5982459" y="2299354"/>
+                <a:ext cx="247653" cy="212198"/>
+              </a:xfrm>
+              <a:prstGeom prst="line">
+                <a:avLst/>
+              </a:prstGeom>
+              <a:ln w="38100">
+                <a:headEnd type="stealth" w="lg" len="lg"/>
+              </a:ln>
+            </p:spPr>
+            <p:style>
+              <a:lnRef idx="1">
+                <a:schemeClr val="accent1"/>
+              </a:lnRef>
+              <a:fillRef idx="0">
+                <a:schemeClr val="accent1"/>
+              </a:fillRef>
+              <a:effectRef idx="0">
+                <a:schemeClr val="accent1"/>
+              </a:effectRef>
+              <a:fontRef idx="minor">
+                <a:schemeClr val="tx1"/>
+              </a:fontRef>
+            </p:style>
+          </p:cxnSp>
+        </p:grpSp>
+        <p:sp>
+          <p:nvSpPr>
+            <p:cNvPr id="237" name="TextBox 236"/>
+            <p:cNvSpPr txBox="1"/>
+            <p:nvPr/>
+          </p:nvSpPr>
+          <p:spPr>
+            <a:xfrm rot="5400000">
+              <a:off x="5804227" y="3217827"/>
+              <a:ext cx="1295969" cy="261610"/>
+            </a:xfrm>
+            <a:prstGeom prst="rect">
+              <a:avLst/>
+            </a:prstGeom>
+            <a:noFill/>
+          </p:spPr>
+          <p:txBody>
+            <a:bodyPr wrap="square" rtlCol="0">
+              <a:spAutoFit/>
+            </a:bodyPr>
+            <a:lstStyle/>
+            <a:p>
+              <a:pPr algn="ctr"/>
+              <a:r>
+                <a:rPr lang="ko-KR" altLang="en-US" sz="1100" dirty="0"/>
+                <a:t>권한 </a:t>
+              </a:r>
+              <a:r>
+                <a:rPr lang="ko-KR" altLang="en-US" sz="1100" dirty="0" smtClean="0"/>
+                <a:t>확인 정보</a:t>
+              </a:r>
+              <a:endParaRPr lang="ko-KR" altLang="en-US" sz="1600" dirty="0"/>
+            </a:p>
+          </p:txBody>
+        </p:sp>
+      </p:grpSp>
+      <p:grpSp>
+        <p:nvGrpSpPr>
+          <p:cNvPr id="240" name="그룹 239"/>
+          <p:cNvGrpSpPr/>
+          <p:nvPr/>
+        </p:nvGrpSpPr>
+        <p:grpSpPr>
+          <a:xfrm>
+            <a:off x="5243219" y="3021113"/>
+            <a:ext cx="758389" cy="1569394"/>
+            <a:chOff x="5243220" y="1298916"/>
+            <a:chExt cx="758389" cy="1569394"/>
+          </a:xfrm>
+        </p:grpSpPr>
+        <p:grpSp>
+          <p:nvGrpSpPr>
+            <p:cNvPr id="241" name="그룹 240"/>
+            <p:cNvGrpSpPr/>
+            <p:nvPr/>
+          </p:nvGrpSpPr>
+          <p:grpSpPr>
+            <a:xfrm rot="2973746">
+              <a:off x="5554041" y="1914165"/>
+              <a:ext cx="465295" cy="429840"/>
+              <a:chOff x="5764817" y="2081712"/>
+              <a:chExt cx="465295" cy="429840"/>
+            </a:xfrm>
+          </p:grpSpPr>
+          <p:sp>
+            <p:nvSpPr>
+              <p:cNvPr id="243" name="타원 242"/>
+              <p:cNvSpPr/>
+              <p:nvPr/>
+            </p:nvSpPr>
+            <p:spPr>
+              <a:xfrm>
+                <a:off x="5764817" y="2081712"/>
+                <a:ext cx="254984" cy="254984"/>
+              </a:xfrm>
+              <a:prstGeom prst="ellipse">
+                <a:avLst/>
+              </a:prstGeom>
+              <a:noFill/>
+              <a:ln w="38100">
+                <a:solidFill>
+                  <a:schemeClr val="accent1"/>
+                </a:solidFill>
+              </a:ln>
+            </p:spPr>
+            <p:style>
+              <a:lnRef idx="2">
+                <a:schemeClr val="accent1">
+                  <a:shade val="50000"/>
+                </a:schemeClr>
+              </a:lnRef>
+              <a:fillRef idx="1">
+                <a:schemeClr val="accent1"/>
+              </a:fillRef>
+              <a:effectRef idx="0">
+                <a:schemeClr val="accent1"/>
+              </a:effectRef>
+              <a:fontRef idx="minor">
+                <a:schemeClr val="lt1"/>
+              </a:fontRef>
+            </p:style>
+            <p:txBody>
+              <a:bodyPr rtlCol="0" anchor="ctr"/>
+              <a:lstStyle/>
+              <a:p>
+                <a:pPr algn="ctr"/>
+                <a:endParaRPr lang="ko-KR" altLang="en-US"/>
+              </a:p>
+            </p:txBody>
+          </p:sp>
+          <p:cxnSp>
+            <p:nvCxnSpPr>
+              <p:cNvPr id="244" name="직선 연결선 243"/>
+              <p:cNvCxnSpPr>
+                <a:endCxn id="243" idx="5"/>
+              </p:cNvCxnSpPr>
+              <p:nvPr/>
+            </p:nvCxnSpPr>
+            <p:spPr>
+              <a:xfrm flipH="1" flipV="1">
+                <a:off x="5982459" y="2299354"/>
+                <a:ext cx="247653" cy="212198"/>
+              </a:xfrm>
+              <a:prstGeom prst="line">
+                <a:avLst/>
+              </a:prstGeom>
+              <a:ln w="38100">
+                <a:headEnd type="stealth" w="lg" len="lg"/>
+              </a:ln>
+            </p:spPr>
+            <p:style>
+              <a:lnRef idx="1">
+                <a:schemeClr val="accent1"/>
+              </a:lnRef>
+              <a:fillRef idx="0">
+                <a:schemeClr val="accent1"/>
+              </a:fillRef>
+              <a:effectRef idx="0">
+                <a:schemeClr val="accent1"/>
+              </a:effectRef>
+              <a:fontRef idx="minor">
+                <a:schemeClr val="tx1"/>
+              </a:fontRef>
+            </p:style>
+          </p:cxnSp>
+        </p:grpSp>
+        <p:sp>
+          <p:nvSpPr>
+            <p:cNvPr id="242" name="TextBox 241"/>
+            <p:cNvSpPr txBox="1"/>
+            <p:nvPr/>
+          </p:nvSpPr>
+          <p:spPr>
+            <a:xfrm rot="16200000">
+              <a:off x="4673967" y="1868169"/>
+              <a:ext cx="1569394" cy="430887"/>
+            </a:xfrm>
+            <a:prstGeom prst="rect">
+              <a:avLst/>
+            </a:prstGeom>
+            <a:noFill/>
+          </p:spPr>
+          <p:txBody>
+            <a:bodyPr wrap="square" rtlCol="0">
+              <a:spAutoFit/>
+            </a:bodyPr>
+            <a:lstStyle/>
+            <a:p>
+              <a:pPr algn="ctr"/>
+              <a:r>
+                <a:rPr lang="ko-KR" altLang="en-US" sz="1100" dirty="0" smtClean="0"/>
+                <a:t>조회할 강의평가 </a:t>
+              </a:r>
+              <a:endParaRPr lang="en-US" altLang="ko-KR" sz="1100" dirty="0"/>
+            </a:p>
+            <a:p>
+              <a:pPr algn="ctr"/>
+              <a:r>
+                <a:rPr lang="ko-KR" altLang="en-US" sz="1100" dirty="0" smtClean="0"/>
+                <a:t>결과 조회 정보</a:t>
+              </a:r>
+              <a:endParaRPr lang="ko-KR" altLang="en-US" sz="1600" dirty="0"/>
+            </a:p>
+          </p:txBody>
+        </p:sp>
+      </p:grpSp>
     </p:spTree>
     <p:extLst>
       <p:ext uri="{BB962C8B-B14F-4D97-AF65-F5344CB8AC3E}">
@@ -7101,7 +6875,7 @@
 </p:sld>
 </file>
 
-<file path=ppt/slides/slide3.xml><?xml version="1.0" encoding="utf-8"?>
+<file path=ppt/slides/slide2.xml><?xml version="1.0" encoding="utf-8"?>
 <p:sld xmlns:a="http://schemas.openxmlformats.org/drawingml/2006/main" xmlns:r="http://schemas.openxmlformats.org/officeDocument/2006/relationships" xmlns:p="http://schemas.openxmlformats.org/presentationml/2006/main">
   <p:cSld>
     <p:spTree>
@@ -7528,6 +7302,232 @@
 </p:sld>
 </file>
 
+<file path=ppt/slides/slide3.xml><?xml version="1.0" encoding="utf-8"?>
+<p:sld xmlns:a="http://schemas.openxmlformats.org/drawingml/2006/main" xmlns:r="http://schemas.openxmlformats.org/officeDocument/2006/relationships" xmlns:p="http://schemas.openxmlformats.org/presentationml/2006/main">
+  <p:cSld>
+    <p:spTree>
+      <p:nvGrpSpPr>
+        <p:cNvPr id="1" name=""/>
+        <p:cNvGrpSpPr/>
+        <p:nvPr/>
+      </p:nvGrpSpPr>
+      <p:grpSpPr>
+        <a:xfrm>
+          <a:off x="0" y="0"/>
+          <a:ext cx="0" cy="0"/>
+          <a:chOff x="0" y="0"/>
+          <a:chExt cx="0" cy="0"/>
+        </a:xfrm>
+      </p:grpSpPr>
+      <p:sp>
+        <p:nvSpPr>
+          <p:cNvPr id="5" name="직사각형 4"/>
+          <p:cNvSpPr/>
+          <p:nvPr/>
+        </p:nvSpPr>
+        <p:spPr>
+          <a:xfrm>
+            <a:off x="5363483" y="1882520"/>
+            <a:ext cx="1556992" cy="726131"/>
+          </a:xfrm>
+          <a:prstGeom prst="rect">
+            <a:avLst/>
+          </a:prstGeom>
+          <a:noFill/>
+          <a:ln w="31750">
+            <a:solidFill>
+              <a:schemeClr val="accent1">
+                <a:shade val="50000"/>
+              </a:schemeClr>
+            </a:solidFill>
+          </a:ln>
+        </p:spPr>
+        <p:style>
+          <a:lnRef idx="2">
+            <a:schemeClr val="accent1">
+              <a:shade val="50000"/>
+            </a:schemeClr>
+          </a:lnRef>
+          <a:fillRef idx="1">
+            <a:schemeClr val="accent1"/>
+          </a:fillRef>
+          <a:effectRef idx="0">
+            <a:schemeClr val="accent1"/>
+          </a:effectRef>
+          <a:fontRef idx="minor">
+            <a:schemeClr val="lt1"/>
+          </a:fontRef>
+        </p:style>
+        <p:txBody>
+          <a:bodyPr rtlCol="0" anchor="ctr"/>
+          <a:lstStyle/>
+          <a:p>
+            <a:pPr algn="ctr"/>
+            <a:r>
+              <a:rPr lang="ko-KR" altLang="en-US" sz="1100" dirty="0">
+                <a:solidFill>
+                  <a:sysClr val="windowText" lastClr="000000"/>
+                </a:solidFill>
+              </a:rPr>
+              <a:t>강의평가 결과 </a:t>
+            </a:r>
+            <a:endParaRPr lang="en-US" altLang="ko-KR" sz="1100" dirty="0" smtClean="0">
+              <a:solidFill>
+                <a:sysClr val="windowText" lastClr="000000"/>
+              </a:solidFill>
+            </a:endParaRPr>
+          </a:p>
+          <a:p>
+            <a:pPr algn="ctr"/>
+            <a:r>
+              <a:rPr lang="ko-KR" altLang="en-US" sz="1100" dirty="0" smtClean="0">
+                <a:solidFill>
+                  <a:sysClr val="windowText" lastClr="000000"/>
+                </a:solidFill>
+              </a:rPr>
+              <a:t>조회 정보 입력</a:t>
+            </a:r>
+            <a:endParaRPr lang="ko-KR" altLang="en-US" sz="1100" dirty="0">
+              <a:solidFill>
+                <a:sysClr val="windowText" lastClr="000000"/>
+              </a:solidFill>
+            </a:endParaRPr>
+          </a:p>
+        </p:txBody>
+      </p:sp>
+      <p:sp>
+        <p:nvSpPr>
+          <p:cNvPr id="18" name="직사각형 17"/>
+          <p:cNvSpPr/>
+          <p:nvPr/>
+        </p:nvSpPr>
+        <p:spPr>
+          <a:xfrm>
+            <a:off x="5363483" y="4230057"/>
+            <a:ext cx="1556992" cy="726131"/>
+          </a:xfrm>
+          <a:prstGeom prst="rect">
+            <a:avLst/>
+          </a:prstGeom>
+          <a:noFill/>
+          <a:ln w="31750">
+            <a:solidFill>
+              <a:schemeClr val="accent1">
+                <a:shade val="50000"/>
+              </a:schemeClr>
+            </a:solidFill>
+          </a:ln>
+        </p:spPr>
+        <p:style>
+          <a:lnRef idx="2">
+            <a:schemeClr val="accent1">
+              <a:shade val="50000"/>
+            </a:schemeClr>
+          </a:lnRef>
+          <a:fillRef idx="1">
+            <a:schemeClr val="accent1"/>
+          </a:fillRef>
+          <a:effectRef idx="0">
+            <a:schemeClr val="accent1"/>
+          </a:effectRef>
+          <a:fontRef idx="minor">
+            <a:schemeClr val="lt1"/>
+          </a:fontRef>
+        </p:style>
+        <p:txBody>
+          <a:bodyPr rtlCol="0" anchor="ctr"/>
+          <a:lstStyle/>
+          <a:p>
+            <a:pPr algn="ctr"/>
+            <a:r>
+              <a:rPr lang="ko-KR" altLang="en-US" sz="1100" dirty="0" smtClean="0">
+                <a:solidFill>
+                  <a:sysClr val="windowText" lastClr="000000"/>
+                </a:solidFill>
+              </a:rPr>
+              <a:t>강의평가 </a:t>
+            </a:r>
+            <a:r>
+              <a:rPr lang="ko-KR" altLang="en-US" sz="1100" dirty="0" smtClean="0">
+                <a:solidFill>
+                  <a:sysClr val="windowText" lastClr="000000"/>
+                </a:solidFill>
+              </a:rPr>
+              <a:t>결과 </a:t>
+            </a:r>
+            <a:endParaRPr lang="en-US" altLang="ko-KR" sz="1100" dirty="0" smtClean="0">
+              <a:solidFill>
+                <a:sysClr val="windowText" lastClr="000000"/>
+              </a:solidFill>
+            </a:endParaRPr>
+          </a:p>
+          <a:p>
+            <a:pPr algn="ctr"/>
+            <a:r>
+              <a:rPr lang="ko-KR" altLang="en-US" sz="1100" dirty="0" smtClean="0">
+                <a:solidFill>
+                  <a:sysClr val="windowText" lastClr="000000"/>
+                </a:solidFill>
+              </a:rPr>
+              <a:t>조회 정보 입력</a:t>
+            </a:r>
+            <a:endParaRPr lang="ko-KR" altLang="en-US" sz="1100" dirty="0">
+              <a:solidFill>
+                <a:sysClr val="windowText" lastClr="000000"/>
+              </a:solidFill>
+            </a:endParaRPr>
+          </a:p>
+        </p:txBody>
+      </p:sp>
+      <p:cxnSp>
+        <p:nvCxnSpPr>
+          <p:cNvPr id="24" name="직선 화살표 연결선 23"/>
+          <p:cNvCxnSpPr>
+            <a:stCxn id="5" idx="2"/>
+            <a:endCxn id="18" idx="0"/>
+          </p:cNvCxnSpPr>
+          <p:nvPr/>
+        </p:nvCxnSpPr>
+        <p:spPr>
+          <a:xfrm>
+            <a:off x="6141979" y="2608651"/>
+            <a:ext cx="0" cy="1621406"/>
+          </a:xfrm>
+          <a:prstGeom prst="straightConnector1">
+            <a:avLst/>
+          </a:prstGeom>
+          <a:ln w="38100">
+            <a:tailEnd type="triangle"/>
+          </a:ln>
+        </p:spPr>
+        <p:style>
+          <a:lnRef idx="1">
+            <a:schemeClr val="accent1"/>
+          </a:lnRef>
+          <a:fillRef idx="0">
+            <a:schemeClr val="accent1"/>
+          </a:fillRef>
+          <a:effectRef idx="0">
+            <a:schemeClr val="accent1"/>
+          </a:effectRef>
+          <a:fontRef idx="minor">
+            <a:schemeClr val="tx1"/>
+          </a:fontRef>
+        </p:style>
+      </p:cxnSp>
+    </p:spTree>
+    <p:extLst>
+      <p:ext uri="{BB962C8B-B14F-4D97-AF65-F5344CB8AC3E}">
+        <p14:creationId xmlns:p14="http://schemas.microsoft.com/office/powerpoint/2010/main" val="893250098"/>
+      </p:ext>
+    </p:extLst>
+  </p:cSld>
+  <p:clrMapOvr>
+    <a:masterClrMapping/>
+  </p:clrMapOvr>
+</p:sld>
+</file>
+
 <file path=ppt/slides/slide4.xml><?xml version="1.0" encoding="utf-8"?>
 <p:sld xmlns:a="http://schemas.openxmlformats.org/drawingml/2006/main" xmlns:r="http://schemas.openxmlformats.org/officeDocument/2006/relationships" xmlns:p="http://schemas.openxmlformats.org/presentationml/2006/main">
   <p:cSld>
@@ -7545,942 +7545,436 @@
           <a:chExt cx="0" cy="0"/>
         </a:xfrm>
       </p:grpSpPr>
-      <p:grpSp>
-        <p:nvGrpSpPr>
-          <p:cNvPr id="34" name="그룹 33"/>
-          <p:cNvGrpSpPr/>
+      <p:sp>
+        <p:nvSpPr>
+          <p:cNvPr id="5" name="직사각형 4"/>
+          <p:cNvSpPr/>
           <p:nvPr/>
-        </p:nvGrpSpPr>
-        <p:grpSpPr>
+        </p:nvSpPr>
+        <p:spPr>
           <a:xfrm>
-            <a:off x="1355257" y="1882520"/>
-            <a:ext cx="9572974" cy="3073669"/>
-            <a:chOff x="1355257" y="1637821"/>
-            <a:chExt cx="9572974" cy="3073669"/>
+            <a:off x="7457503" y="4234542"/>
+            <a:ext cx="1556992" cy="726131"/>
           </a:xfrm>
-        </p:grpSpPr>
-        <p:sp>
-          <p:nvSpPr>
-            <p:cNvPr id="4" name="직사각형 3"/>
-            <p:cNvSpPr/>
-            <p:nvPr/>
-          </p:nvSpPr>
-          <p:spPr>
-            <a:xfrm>
-              <a:off x="3359370" y="3985359"/>
-              <a:ext cx="1556992" cy="726131"/>
-            </a:xfrm>
-            <a:prstGeom prst="rect">
-              <a:avLst/>
-            </a:prstGeom>
-            <a:noFill/>
-            <a:ln w="31750">
-              <a:solidFill>
-                <a:schemeClr val="accent1">
-                  <a:shade val="50000"/>
-                </a:schemeClr>
-              </a:solidFill>
-            </a:ln>
-          </p:spPr>
-          <p:style>
-            <a:lnRef idx="2">
+          <a:prstGeom prst="rect">
+            <a:avLst/>
+          </a:prstGeom>
+          <a:noFill/>
+          <a:ln w="31750">
+            <a:solidFill>
               <a:schemeClr val="accent1">
                 <a:shade val="50000"/>
               </a:schemeClr>
-            </a:lnRef>
-            <a:fillRef idx="1">
-              <a:schemeClr val="accent1"/>
-            </a:fillRef>
-            <a:effectRef idx="0">
-              <a:schemeClr val="accent1"/>
-            </a:effectRef>
-            <a:fontRef idx="minor">
-              <a:schemeClr val="lt1"/>
-            </a:fontRef>
-          </p:style>
-          <p:txBody>
-            <a:bodyPr rtlCol="0" anchor="ctr"/>
-            <a:lstStyle/>
-            <a:p>
-              <a:pPr algn="ctr"/>
-              <a:r>
-                <a:rPr lang="ko-KR" altLang="en-US" sz="1100" dirty="0" smtClean="0">
-                  <a:solidFill>
-                    <a:sysClr val="windowText" lastClr="000000"/>
-                  </a:solidFill>
-                </a:rPr>
-                <a:t>강의평가 결과 평가 대상 구분 선택</a:t>
-              </a:r>
-              <a:endParaRPr lang="ko-KR" altLang="en-US" sz="1100" dirty="0">
+            </a:solidFill>
+          </a:ln>
+        </p:spPr>
+        <p:style>
+          <a:lnRef idx="2">
+            <a:schemeClr val="accent1">
+              <a:shade val="50000"/>
+            </a:schemeClr>
+          </a:lnRef>
+          <a:fillRef idx="1">
+            <a:schemeClr val="accent1"/>
+          </a:fillRef>
+          <a:effectRef idx="0">
+            <a:schemeClr val="accent1"/>
+          </a:effectRef>
+          <a:fontRef idx="minor">
+            <a:schemeClr val="lt1"/>
+          </a:fontRef>
+        </p:style>
+        <p:txBody>
+          <a:bodyPr rtlCol="0" anchor="ctr"/>
+          <a:lstStyle/>
+          <a:p>
+            <a:pPr algn="ctr"/>
+            <a:r>
+              <a:rPr lang="ko-KR" altLang="en-US" sz="1100" dirty="0" smtClean="0">
                 <a:solidFill>
                   <a:sysClr val="windowText" lastClr="000000"/>
                 </a:solidFill>
-              </a:endParaRPr>
-            </a:p>
-          </p:txBody>
-        </p:sp>
-        <p:sp>
-          <p:nvSpPr>
-            <p:cNvPr id="5" name="직사각형 4"/>
-            <p:cNvSpPr/>
-            <p:nvPr/>
-          </p:nvSpPr>
-          <p:spPr>
-            <a:xfrm>
-              <a:off x="5363483" y="1637821"/>
-              <a:ext cx="1556992" cy="726131"/>
-            </a:xfrm>
-            <a:prstGeom prst="rect">
-              <a:avLst/>
-            </a:prstGeom>
-            <a:noFill/>
-            <a:ln w="31750">
+              </a:rPr>
+              <a:t>강의평가 </a:t>
+            </a:r>
+            <a:r>
+              <a:rPr lang="ko-KR" altLang="en-US" sz="1100" dirty="0" smtClean="0">
+                <a:solidFill>
+                  <a:sysClr val="windowText" lastClr="000000"/>
+                </a:solidFill>
+              </a:rPr>
+              <a:t>결과 </a:t>
+            </a:r>
+            <a:endParaRPr lang="en-US" altLang="ko-KR" sz="1100" dirty="0" smtClean="0">
               <a:solidFill>
-                <a:schemeClr val="accent1">
-                  <a:shade val="50000"/>
-                </a:schemeClr>
+                <a:sysClr val="windowText" lastClr="000000"/>
               </a:solidFill>
-            </a:ln>
-          </p:spPr>
-          <p:style>
-            <a:lnRef idx="2">
+            </a:endParaRPr>
+          </a:p>
+          <a:p>
+            <a:pPr algn="ctr"/>
+            <a:r>
+              <a:rPr lang="ko-KR" altLang="en-US" sz="1100" dirty="0" smtClean="0">
+                <a:solidFill>
+                  <a:sysClr val="windowText" lastClr="000000"/>
+                </a:solidFill>
+              </a:rPr>
+              <a:t>자료 검색</a:t>
+            </a:r>
+            <a:endParaRPr lang="ko-KR" altLang="en-US" sz="1100" dirty="0">
+              <a:solidFill>
+                <a:sysClr val="windowText" lastClr="000000"/>
+              </a:solidFill>
+            </a:endParaRPr>
+          </a:p>
+        </p:txBody>
+      </p:sp>
+      <p:sp>
+        <p:nvSpPr>
+          <p:cNvPr id="6" name="직사각형 5"/>
+          <p:cNvSpPr/>
+          <p:nvPr/>
+        </p:nvSpPr>
+        <p:spPr>
+          <a:xfrm>
+            <a:off x="5363483" y="1882520"/>
+            <a:ext cx="1556992" cy="726131"/>
+          </a:xfrm>
+          <a:prstGeom prst="rect">
+            <a:avLst/>
+          </a:prstGeom>
+          <a:noFill/>
+          <a:ln w="31750">
+            <a:solidFill>
               <a:schemeClr val="accent1">
                 <a:shade val="50000"/>
               </a:schemeClr>
-            </a:lnRef>
-            <a:fillRef idx="1">
-              <a:schemeClr val="accent1"/>
-            </a:fillRef>
-            <a:effectRef idx="0">
-              <a:schemeClr val="accent1"/>
-            </a:effectRef>
-            <a:fontRef idx="minor">
-              <a:schemeClr val="lt1"/>
-            </a:fontRef>
-          </p:style>
-          <p:txBody>
-            <a:bodyPr rtlCol="0" anchor="ctr"/>
-            <a:lstStyle/>
-            <a:p>
-              <a:pPr algn="ctr"/>
-              <a:r>
-                <a:rPr lang="ko-KR" altLang="en-US" sz="1100" dirty="0">
-                  <a:solidFill>
-                    <a:sysClr val="windowText" lastClr="000000"/>
-                  </a:solidFill>
-                </a:rPr>
-                <a:t>강의평가 결과 </a:t>
-              </a:r>
-              <a:endParaRPr lang="en-US" altLang="ko-KR" sz="1100" dirty="0" smtClean="0">
+            </a:solidFill>
+          </a:ln>
+        </p:spPr>
+        <p:style>
+          <a:lnRef idx="2">
+            <a:schemeClr val="accent1">
+              <a:shade val="50000"/>
+            </a:schemeClr>
+          </a:lnRef>
+          <a:fillRef idx="1">
+            <a:schemeClr val="accent1"/>
+          </a:fillRef>
+          <a:effectRef idx="0">
+            <a:schemeClr val="accent1"/>
+          </a:effectRef>
+          <a:fontRef idx="minor">
+            <a:schemeClr val="lt1"/>
+          </a:fontRef>
+        </p:style>
+        <p:txBody>
+          <a:bodyPr rtlCol="0" anchor="ctr"/>
+          <a:lstStyle/>
+          <a:p>
+            <a:pPr algn="ctr"/>
+            <a:r>
+              <a:rPr lang="ko-KR" altLang="en-US" sz="1100" dirty="0">
                 <a:solidFill>
                   <a:sysClr val="windowText" lastClr="000000"/>
                 </a:solidFill>
-              </a:endParaRPr>
-            </a:p>
-            <a:p>
-              <a:pPr algn="ctr"/>
-              <a:r>
-                <a:rPr lang="ko-KR" altLang="en-US" sz="1100" dirty="0" smtClean="0">
-                  <a:solidFill>
-                    <a:sysClr val="windowText" lastClr="000000"/>
-                  </a:solidFill>
-                </a:rPr>
-                <a:t>조회 정보 입력</a:t>
-              </a:r>
-              <a:endParaRPr lang="ko-KR" altLang="en-US" sz="1100" dirty="0">
+              </a:rPr>
+              <a:t>강의평가 결과 </a:t>
+            </a:r>
+            <a:endParaRPr lang="en-US" altLang="ko-KR" sz="1100" dirty="0" smtClean="0">
+              <a:solidFill>
+                <a:sysClr val="windowText" lastClr="000000"/>
+              </a:solidFill>
+            </a:endParaRPr>
+          </a:p>
+          <a:p>
+            <a:pPr algn="ctr"/>
+            <a:r>
+              <a:rPr lang="ko-KR" altLang="en-US" sz="1100" dirty="0" smtClean="0">
                 <a:solidFill>
                   <a:sysClr val="windowText" lastClr="000000"/>
                 </a:solidFill>
-              </a:endParaRPr>
-            </a:p>
-          </p:txBody>
-        </p:sp>
-        <p:sp>
-          <p:nvSpPr>
-            <p:cNvPr id="6" name="직사각형 5"/>
-            <p:cNvSpPr/>
-            <p:nvPr/>
-          </p:nvSpPr>
-          <p:spPr>
-            <a:xfrm>
-              <a:off x="1355257" y="3985359"/>
-              <a:ext cx="1556992" cy="726131"/>
-            </a:xfrm>
-            <a:prstGeom prst="rect">
-              <a:avLst/>
-            </a:prstGeom>
-            <a:noFill/>
-            <a:ln w="31750">
+              </a:rPr>
+              <a:t>조회 정보 </a:t>
+            </a:r>
+            <a:r>
+              <a:rPr lang="ko-KR" altLang="en-US" sz="1100" dirty="0" smtClean="0">
+                <a:solidFill>
+                  <a:sysClr val="windowText" lastClr="000000"/>
+                </a:solidFill>
+              </a:rPr>
+              <a:t>변환</a:t>
+            </a:r>
+            <a:endParaRPr lang="ko-KR" altLang="en-US" sz="1100" dirty="0">
               <a:solidFill>
-                <a:schemeClr val="accent1">
-                  <a:shade val="50000"/>
-                </a:schemeClr>
+                <a:sysClr val="windowText" lastClr="000000"/>
               </a:solidFill>
-            </a:ln>
-          </p:spPr>
-          <p:style>
-            <a:lnRef idx="2">
+            </a:endParaRPr>
+          </a:p>
+        </p:txBody>
+      </p:sp>
+      <p:sp>
+        <p:nvSpPr>
+          <p:cNvPr id="7" name="직사각형 6"/>
+          <p:cNvSpPr/>
+          <p:nvPr/>
+        </p:nvSpPr>
+        <p:spPr>
+          <a:xfrm>
+            <a:off x="5363483" y="4234542"/>
+            <a:ext cx="1556992" cy="726131"/>
+          </a:xfrm>
+          <a:prstGeom prst="rect">
+            <a:avLst/>
+          </a:prstGeom>
+          <a:noFill/>
+          <a:ln w="31750">
+            <a:solidFill>
               <a:schemeClr val="accent1">
                 <a:shade val="50000"/>
               </a:schemeClr>
-            </a:lnRef>
-            <a:fillRef idx="1">
-              <a:schemeClr val="accent1"/>
-            </a:fillRef>
-            <a:effectRef idx="0">
-              <a:schemeClr val="accent1"/>
-            </a:effectRef>
-            <a:fontRef idx="minor">
-              <a:schemeClr val="lt1"/>
-            </a:fontRef>
-          </p:style>
-          <p:txBody>
-            <a:bodyPr rtlCol="0" anchor="ctr"/>
-            <a:lstStyle/>
-            <a:p>
-              <a:pPr algn="ctr"/>
-              <a:r>
-                <a:rPr lang="ko-KR" altLang="en-US" sz="1100" dirty="0" smtClean="0">
-                  <a:solidFill>
-                    <a:schemeClr val="tx1"/>
-                  </a:solidFill>
-                </a:rPr>
-                <a:t>강의평가 결과 코드 입력</a:t>
-              </a:r>
-              <a:endParaRPr lang="ko-KR" altLang="en-US" sz="1100" dirty="0">
+            </a:solidFill>
+          </a:ln>
+        </p:spPr>
+        <p:style>
+          <a:lnRef idx="2">
+            <a:schemeClr val="accent1">
+              <a:shade val="50000"/>
+            </a:schemeClr>
+          </a:lnRef>
+          <a:fillRef idx="1">
+            <a:schemeClr val="accent1"/>
+          </a:fillRef>
+          <a:effectRef idx="0">
+            <a:schemeClr val="accent1"/>
+          </a:effectRef>
+          <a:fontRef idx="minor">
+            <a:schemeClr val="lt1"/>
+          </a:fontRef>
+        </p:style>
+        <p:txBody>
+          <a:bodyPr rtlCol="0" anchor="ctr"/>
+          <a:lstStyle/>
+          <a:p>
+            <a:pPr algn="ctr"/>
+            <a:r>
+              <a:rPr lang="ko-KR" altLang="en-US" sz="1100" dirty="0" smtClean="0">
                 <a:solidFill>
                   <a:schemeClr val="tx1"/>
                 </a:solidFill>
-              </a:endParaRPr>
-            </a:p>
-          </p:txBody>
-        </p:sp>
-        <p:cxnSp>
-          <p:nvCxnSpPr>
-            <p:cNvPr id="11" name="직선 화살표 연결선 10"/>
-            <p:cNvCxnSpPr>
-              <a:stCxn id="5" idx="2"/>
-              <a:endCxn id="6" idx="0"/>
-            </p:cNvCxnSpPr>
-            <p:nvPr/>
-          </p:nvCxnSpPr>
-          <p:spPr>
-            <a:xfrm flipH="1">
-              <a:off x="2133753" y="2363952"/>
-              <a:ext cx="4008226" cy="1621407"/>
-            </a:xfrm>
-            <a:prstGeom prst="straightConnector1">
-              <a:avLst/>
-            </a:prstGeom>
-            <a:ln w="38100">
-              <a:headEnd w="lg" len="lg"/>
-              <a:tailEnd type="triangle"/>
-            </a:ln>
-          </p:spPr>
-          <p:style>
-            <a:lnRef idx="1">
-              <a:schemeClr val="accent1"/>
-            </a:lnRef>
-            <a:fillRef idx="0">
-              <a:schemeClr val="accent1"/>
-            </a:fillRef>
-            <a:effectRef idx="0">
-              <a:schemeClr val="accent1"/>
-            </a:effectRef>
-            <a:fontRef idx="minor">
-              <a:schemeClr val="tx1"/>
-            </a:fontRef>
-          </p:style>
-        </p:cxnSp>
-        <p:cxnSp>
-          <p:nvCxnSpPr>
-            <p:cNvPr id="12" name="직선 화살표 연결선 11"/>
-            <p:cNvCxnSpPr>
-              <a:stCxn id="5" idx="2"/>
-              <a:endCxn id="4" idx="0"/>
-            </p:cNvCxnSpPr>
-            <p:nvPr/>
-          </p:nvCxnSpPr>
-          <p:spPr>
-            <a:xfrm flipH="1">
-              <a:off x="4137866" y="2363952"/>
-              <a:ext cx="2004113" cy="1621407"/>
-            </a:xfrm>
-            <a:prstGeom prst="straightConnector1">
-              <a:avLst/>
-            </a:prstGeom>
-            <a:ln w="38100">
-              <a:headEnd w="lg" len="lg"/>
-              <a:tailEnd type="triangle"/>
-            </a:ln>
-          </p:spPr>
-          <p:style>
-            <a:lnRef idx="1">
-              <a:schemeClr val="accent1"/>
-            </a:lnRef>
-            <a:fillRef idx="0">
-              <a:schemeClr val="accent1"/>
-            </a:fillRef>
-            <a:effectRef idx="0">
-              <a:schemeClr val="accent1"/>
-            </a:effectRef>
-            <a:fontRef idx="minor">
-              <a:schemeClr val="tx1"/>
-            </a:fontRef>
-          </p:style>
-        </p:cxnSp>
-        <p:sp>
-          <p:nvSpPr>
-            <p:cNvPr id="18" name="직사각형 17"/>
-            <p:cNvSpPr/>
-            <p:nvPr/>
-          </p:nvSpPr>
-          <p:spPr>
-            <a:xfrm>
-              <a:off x="5363483" y="3985358"/>
-              <a:ext cx="1556992" cy="726131"/>
-            </a:xfrm>
-            <a:prstGeom prst="rect">
-              <a:avLst/>
-            </a:prstGeom>
-            <a:noFill/>
-            <a:ln w="31750">
+              </a:rPr>
+              <a:t>강의평가 결과 </a:t>
+            </a:r>
+            <a:endParaRPr lang="en-US" altLang="ko-KR" sz="1100" dirty="0" smtClean="0">
               <a:solidFill>
-                <a:schemeClr val="accent1">
-                  <a:shade val="50000"/>
-                </a:schemeClr>
+                <a:schemeClr val="tx1"/>
               </a:solidFill>
-            </a:ln>
-          </p:spPr>
-          <p:style>
-            <a:lnRef idx="2">
+            </a:endParaRPr>
+          </a:p>
+          <a:p>
+            <a:pPr algn="ctr"/>
+            <a:r>
+              <a:rPr lang="ko-KR" altLang="en-US" sz="1100" dirty="0" smtClean="0">
+                <a:solidFill>
+                  <a:schemeClr val="tx1"/>
+                </a:solidFill>
+              </a:rPr>
+              <a:t>조회 권한 확인</a:t>
+            </a:r>
+            <a:endParaRPr lang="ko-KR" altLang="en-US" sz="1100" dirty="0">
+              <a:solidFill>
+                <a:schemeClr val="tx1"/>
+              </a:solidFill>
+            </a:endParaRPr>
+          </a:p>
+        </p:txBody>
+      </p:sp>
+      <p:cxnSp>
+        <p:nvCxnSpPr>
+          <p:cNvPr id="8" name="직선 화살표 연결선 7"/>
+          <p:cNvCxnSpPr>
+            <a:stCxn id="6" idx="2"/>
+            <a:endCxn id="7" idx="0"/>
+          </p:cNvCxnSpPr>
+          <p:nvPr/>
+        </p:nvCxnSpPr>
+        <p:spPr>
+          <a:xfrm>
+            <a:off x="6141979" y="2608651"/>
+            <a:ext cx="0" cy="1625891"/>
+          </a:xfrm>
+          <a:prstGeom prst="straightConnector1">
+            <a:avLst/>
+          </a:prstGeom>
+          <a:ln w="38100">
+            <a:headEnd w="lg" len="lg"/>
+            <a:tailEnd type="triangle"/>
+          </a:ln>
+        </p:spPr>
+        <p:style>
+          <a:lnRef idx="1">
+            <a:schemeClr val="accent1"/>
+          </a:lnRef>
+          <a:fillRef idx="0">
+            <a:schemeClr val="accent1"/>
+          </a:fillRef>
+          <a:effectRef idx="0">
+            <a:schemeClr val="accent1"/>
+          </a:effectRef>
+          <a:fontRef idx="minor">
+            <a:schemeClr val="tx1"/>
+          </a:fontRef>
+        </p:style>
+      </p:cxnSp>
+      <p:cxnSp>
+        <p:nvCxnSpPr>
+          <p:cNvPr id="9" name="직선 화살표 연결선 8"/>
+          <p:cNvCxnSpPr>
+            <a:stCxn id="6" idx="2"/>
+            <a:endCxn id="5" idx="0"/>
+          </p:cNvCxnSpPr>
+          <p:nvPr/>
+        </p:nvCxnSpPr>
+        <p:spPr>
+          <a:xfrm>
+            <a:off x="6141979" y="2608651"/>
+            <a:ext cx="2094020" cy="1625891"/>
+          </a:xfrm>
+          <a:prstGeom prst="straightConnector1">
+            <a:avLst/>
+          </a:prstGeom>
+          <a:ln w="38100">
+            <a:headEnd w="lg" len="lg"/>
+            <a:tailEnd type="triangle"/>
+          </a:ln>
+        </p:spPr>
+        <p:style>
+          <a:lnRef idx="1">
+            <a:schemeClr val="accent1"/>
+          </a:lnRef>
+          <a:fillRef idx="0">
+            <a:schemeClr val="accent1"/>
+          </a:fillRef>
+          <a:effectRef idx="0">
+            <a:schemeClr val="accent1"/>
+          </a:effectRef>
+          <a:fontRef idx="minor">
+            <a:schemeClr val="tx1"/>
+          </a:fontRef>
+        </p:style>
+      </p:cxnSp>
+      <p:sp>
+        <p:nvSpPr>
+          <p:cNvPr id="19" name="직사각형 18"/>
+          <p:cNvSpPr/>
+          <p:nvPr/>
+        </p:nvSpPr>
+        <p:spPr>
+          <a:xfrm>
+            <a:off x="3269464" y="4234542"/>
+            <a:ext cx="1556992" cy="726131"/>
+          </a:xfrm>
+          <a:prstGeom prst="rect">
+            <a:avLst/>
+          </a:prstGeom>
+          <a:noFill/>
+          <a:ln w="31750">
+            <a:solidFill>
               <a:schemeClr val="accent1">
                 <a:shade val="50000"/>
               </a:schemeClr>
-            </a:lnRef>
-            <a:fillRef idx="1">
-              <a:schemeClr val="accent1"/>
-            </a:fillRef>
-            <a:effectRef idx="0">
-              <a:schemeClr val="accent1"/>
-            </a:effectRef>
-            <a:fontRef idx="minor">
-              <a:schemeClr val="lt1"/>
-            </a:fontRef>
-          </p:style>
-          <p:txBody>
-            <a:bodyPr rtlCol="0" anchor="ctr"/>
-            <a:lstStyle/>
-            <a:p>
-              <a:pPr algn="ctr"/>
-              <a:r>
-                <a:rPr lang="ko-KR" altLang="en-US" sz="1100" dirty="0" smtClean="0">
-                  <a:solidFill>
-                    <a:sysClr val="windowText" lastClr="000000"/>
-                  </a:solidFill>
-                </a:rPr>
-                <a:t>강의평가 결과 유효 기간 입력</a:t>
-              </a:r>
-              <a:endParaRPr lang="ko-KR" altLang="en-US" sz="1100" dirty="0">
-                <a:solidFill>
-                  <a:sysClr val="windowText" lastClr="000000"/>
-                </a:solidFill>
-              </a:endParaRPr>
-            </a:p>
-          </p:txBody>
-        </p:sp>
-        <p:sp>
-          <p:nvSpPr>
-            <p:cNvPr id="19" name="직사각형 18"/>
-            <p:cNvSpPr/>
-            <p:nvPr/>
-          </p:nvSpPr>
-          <p:spPr>
-            <a:xfrm>
-              <a:off x="7367596" y="3985357"/>
-              <a:ext cx="1556992" cy="726131"/>
-            </a:xfrm>
-            <a:prstGeom prst="rect">
-              <a:avLst/>
-            </a:prstGeom>
-            <a:noFill/>
-            <a:ln w="31750">
-              <a:solidFill>
-                <a:schemeClr val="accent1">
-                  <a:shade val="50000"/>
-                </a:schemeClr>
-              </a:solidFill>
-            </a:ln>
-          </p:spPr>
-          <p:style>
-            <a:lnRef idx="2">
-              <a:schemeClr val="accent1">
-                <a:shade val="50000"/>
-              </a:schemeClr>
-            </a:lnRef>
-            <a:fillRef idx="1">
-              <a:schemeClr val="accent1"/>
-            </a:fillRef>
-            <a:effectRef idx="0">
-              <a:schemeClr val="accent1"/>
-            </a:effectRef>
-            <a:fontRef idx="minor">
-              <a:schemeClr val="lt1"/>
-            </a:fontRef>
-          </p:style>
-          <p:txBody>
-            <a:bodyPr rtlCol="0" anchor="ctr"/>
-            <a:lstStyle/>
-            <a:p>
-              <a:pPr algn="ctr"/>
-              <a:r>
-                <a:rPr lang="ko-KR" altLang="en-US" sz="1100" dirty="0" smtClean="0">
-                  <a:solidFill>
-                    <a:sysClr val="windowText" lastClr="000000"/>
-                  </a:solidFill>
-                </a:rPr>
-                <a:t>강의평가 결과 질문 정보 입력</a:t>
-              </a:r>
-              <a:endParaRPr lang="ko-KR" altLang="en-US" sz="1100" dirty="0">
-                <a:solidFill>
-                  <a:sysClr val="windowText" lastClr="000000"/>
-                </a:solidFill>
-              </a:endParaRPr>
-            </a:p>
-          </p:txBody>
-        </p:sp>
-        <p:sp>
-          <p:nvSpPr>
-            <p:cNvPr id="20" name="직사각형 19"/>
-            <p:cNvSpPr/>
-            <p:nvPr/>
-          </p:nvSpPr>
-          <p:spPr>
-            <a:xfrm>
-              <a:off x="9371239" y="3985356"/>
-              <a:ext cx="1556992" cy="726131"/>
-            </a:xfrm>
-            <a:prstGeom prst="rect">
-              <a:avLst/>
-            </a:prstGeom>
-            <a:noFill/>
-            <a:ln w="31750">
-              <a:solidFill>
-                <a:schemeClr val="accent1">
-                  <a:shade val="50000"/>
-                </a:schemeClr>
-              </a:solidFill>
-            </a:ln>
-          </p:spPr>
-          <p:style>
-            <a:lnRef idx="2">
-              <a:schemeClr val="accent1">
-                <a:shade val="50000"/>
-              </a:schemeClr>
-            </a:lnRef>
-            <a:fillRef idx="1">
-              <a:schemeClr val="accent1"/>
-            </a:fillRef>
-            <a:effectRef idx="0">
-              <a:schemeClr val="accent1"/>
-            </a:effectRef>
-            <a:fontRef idx="minor">
-              <a:schemeClr val="lt1"/>
-            </a:fontRef>
-          </p:style>
-          <p:txBody>
-            <a:bodyPr rtlCol="0" anchor="ctr"/>
-            <a:lstStyle/>
-            <a:p>
-              <a:pPr algn="ctr"/>
-              <a:r>
-                <a:rPr lang="ko-KR" altLang="en-US" sz="1100" dirty="0" smtClean="0">
-                  <a:solidFill>
-                    <a:sysClr val="windowText" lastClr="000000"/>
-                  </a:solidFill>
-                </a:rPr>
-                <a:t>강의평가 결과 답안 정보 선택</a:t>
-              </a:r>
-              <a:endParaRPr lang="ko-KR" altLang="en-US" sz="1100" dirty="0">
-                <a:solidFill>
-                  <a:sysClr val="windowText" lastClr="000000"/>
-                </a:solidFill>
-              </a:endParaRPr>
-            </a:p>
-          </p:txBody>
-        </p:sp>
-        <p:cxnSp>
-          <p:nvCxnSpPr>
-            <p:cNvPr id="24" name="직선 화살표 연결선 23"/>
-            <p:cNvCxnSpPr>
-              <a:stCxn id="5" idx="2"/>
-              <a:endCxn id="18" idx="0"/>
-            </p:cNvCxnSpPr>
-            <p:nvPr/>
-          </p:nvCxnSpPr>
-          <p:spPr>
-            <a:xfrm>
-              <a:off x="6141979" y="2363952"/>
-              <a:ext cx="0" cy="1621406"/>
-            </a:xfrm>
-            <a:prstGeom prst="straightConnector1">
-              <a:avLst/>
-            </a:prstGeom>
-            <a:ln w="38100">
-              <a:tailEnd type="triangle"/>
-            </a:ln>
-          </p:spPr>
-          <p:style>
-            <a:lnRef idx="1">
-              <a:schemeClr val="accent1"/>
-            </a:lnRef>
-            <a:fillRef idx="0">
-              <a:schemeClr val="accent1"/>
-            </a:fillRef>
-            <a:effectRef idx="0">
-              <a:schemeClr val="accent1"/>
-            </a:effectRef>
-            <a:fontRef idx="minor">
-              <a:schemeClr val="tx1"/>
-            </a:fontRef>
-          </p:style>
-        </p:cxnSp>
-        <p:cxnSp>
-          <p:nvCxnSpPr>
-            <p:cNvPr id="26" name="직선 화살표 연결선 25"/>
-            <p:cNvCxnSpPr>
-              <a:stCxn id="5" idx="2"/>
-              <a:endCxn id="19" idx="0"/>
-            </p:cNvCxnSpPr>
-            <p:nvPr/>
-          </p:nvCxnSpPr>
-          <p:spPr>
-            <a:xfrm>
-              <a:off x="6141979" y="2363952"/>
-              <a:ext cx="2004113" cy="1621405"/>
-            </a:xfrm>
-            <a:prstGeom prst="straightConnector1">
-              <a:avLst/>
-            </a:prstGeom>
-            <a:ln w="38100">
-              <a:tailEnd type="triangle"/>
-            </a:ln>
-          </p:spPr>
-          <p:style>
-            <a:lnRef idx="1">
-              <a:schemeClr val="accent1"/>
-            </a:lnRef>
-            <a:fillRef idx="0">
-              <a:schemeClr val="accent1"/>
-            </a:fillRef>
-            <a:effectRef idx="0">
-              <a:schemeClr val="accent1"/>
-            </a:effectRef>
-            <a:fontRef idx="minor">
-              <a:schemeClr val="tx1"/>
-            </a:fontRef>
-          </p:style>
-        </p:cxnSp>
-        <p:cxnSp>
-          <p:nvCxnSpPr>
-            <p:cNvPr id="28" name="직선 화살표 연결선 27"/>
-            <p:cNvCxnSpPr>
-              <a:stCxn id="5" idx="2"/>
-              <a:endCxn id="20" idx="0"/>
-            </p:cNvCxnSpPr>
-            <p:nvPr/>
-          </p:nvCxnSpPr>
-          <p:spPr>
-            <a:xfrm>
-              <a:off x="6141979" y="2363952"/>
-              <a:ext cx="4007756" cy="1621404"/>
-            </a:xfrm>
-            <a:prstGeom prst="straightConnector1">
-              <a:avLst/>
-            </a:prstGeom>
-            <a:ln w="38100">
-              <a:tailEnd type="triangle"/>
-            </a:ln>
-          </p:spPr>
-          <p:style>
-            <a:lnRef idx="1">
-              <a:schemeClr val="accent1"/>
-            </a:lnRef>
-            <a:fillRef idx="0">
-              <a:schemeClr val="accent1"/>
-            </a:fillRef>
-            <a:effectRef idx="0">
-              <a:schemeClr val="accent1"/>
-            </a:effectRef>
-            <a:fontRef idx="minor">
-              <a:schemeClr val="tx1"/>
-            </a:fontRef>
-          </p:style>
-        </p:cxnSp>
-      </p:grpSp>
-    </p:spTree>
-    <p:extLst>
-      <p:ext uri="{BB962C8B-B14F-4D97-AF65-F5344CB8AC3E}">
-        <p14:creationId xmlns:p14="http://schemas.microsoft.com/office/powerpoint/2010/main" val="893250098"/>
-      </p:ext>
-    </p:extLst>
-  </p:cSld>
-  <p:clrMapOvr>
-    <a:masterClrMapping/>
-  </p:clrMapOvr>
-</p:sld>
-</file>
-
-<file path=ppt/slides/slide5.xml><?xml version="1.0" encoding="utf-8"?>
-<p:sld xmlns:a="http://schemas.openxmlformats.org/drawingml/2006/main" xmlns:r="http://schemas.openxmlformats.org/officeDocument/2006/relationships" xmlns:p="http://schemas.openxmlformats.org/presentationml/2006/main">
-  <p:cSld>
-    <p:spTree>
-      <p:nvGrpSpPr>
-        <p:cNvPr id="1" name=""/>
-        <p:cNvGrpSpPr/>
-        <p:nvPr/>
-      </p:nvGrpSpPr>
-      <p:grpSpPr>
-        <a:xfrm>
-          <a:off x="0" y="0"/>
-          <a:ext cx="0" cy="0"/>
-          <a:chOff x="0" y="0"/>
-          <a:chExt cx="0" cy="0"/>
-        </a:xfrm>
-      </p:grpSpPr>
-      <p:grpSp>
-        <p:nvGrpSpPr>
-          <p:cNvPr id="4" name="그룹 3"/>
-          <p:cNvGrpSpPr/>
-          <p:nvPr/>
-        </p:nvGrpSpPr>
-        <p:grpSpPr>
-          <a:xfrm>
-            <a:off x="3806491" y="1882520"/>
-            <a:ext cx="4670976" cy="3078154"/>
-            <a:chOff x="3806491" y="1637821"/>
-            <a:chExt cx="4670976" cy="3078154"/>
-          </a:xfrm>
-        </p:grpSpPr>
-        <p:sp>
-          <p:nvSpPr>
-            <p:cNvPr id="5" name="직사각형 4"/>
-            <p:cNvSpPr/>
-            <p:nvPr/>
-          </p:nvSpPr>
-          <p:spPr>
-            <a:xfrm>
-              <a:off x="6920475" y="3989843"/>
-              <a:ext cx="1556992" cy="726131"/>
-            </a:xfrm>
-            <a:prstGeom prst="rect">
-              <a:avLst/>
-            </a:prstGeom>
-            <a:noFill/>
-            <a:ln w="31750">
-              <a:solidFill>
-                <a:schemeClr val="accent1">
-                  <a:shade val="50000"/>
-                </a:schemeClr>
-              </a:solidFill>
-            </a:ln>
-          </p:spPr>
-          <p:style>
-            <a:lnRef idx="2">
-              <a:schemeClr val="accent1">
-                <a:shade val="50000"/>
-              </a:schemeClr>
-            </a:lnRef>
-            <a:fillRef idx="1">
-              <a:schemeClr val="accent1"/>
-            </a:fillRef>
-            <a:effectRef idx="0">
-              <a:schemeClr val="accent1"/>
-            </a:effectRef>
-            <a:fontRef idx="minor">
-              <a:schemeClr val="lt1"/>
-            </a:fontRef>
-          </p:style>
-          <p:txBody>
-            <a:bodyPr rtlCol="0" anchor="ctr"/>
-            <a:lstStyle/>
-            <a:p>
-              <a:pPr algn="ctr"/>
-              <a:r>
-                <a:rPr lang="ko-KR" altLang="en-US" sz="1100" dirty="0" smtClean="0">
-                  <a:solidFill>
-                    <a:sysClr val="windowText" lastClr="000000"/>
-                  </a:solidFill>
-                </a:rPr>
-                <a:t>강의평가 </a:t>
-              </a:r>
-              <a:r>
-                <a:rPr lang="ko-KR" altLang="en-US" sz="1100" dirty="0" smtClean="0">
-                  <a:solidFill>
-                    <a:sysClr val="windowText" lastClr="000000"/>
-                  </a:solidFill>
-                </a:rPr>
-                <a:t>결과 </a:t>
-              </a:r>
-              <a:endParaRPr lang="en-US" altLang="ko-KR" sz="1100" dirty="0" smtClean="0">
-                <a:solidFill>
-                  <a:sysClr val="windowText" lastClr="000000"/>
-                </a:solidFill>
-              </a:endParaRPr>
-            </a:p>
-            <a:p>
-              <a:pPr algn="ctr"/>
-              <a:r>
-                <a:rPr lang="ko-KR" altLang="en-US" sz="1100" dirty="0" smtClean="0">
-                  <a:solidFill>
-                    <a:sysClr val="windowText" lastClr="000000"/>
-                  </a:solidFill>
-                </a:rPr>
-                <a:t>자료 검색</a:t>
-              </a:r>
-              <a:endParaRPr lang="ko-KR" altLang="en-US" sz="1100" dirty="0">
-                <a:solidFill>
-                  <a:sysClr val="windowText" lastClr="000000"/>
-                </a:solidFill>
-              </a:endParaRPr>
-            </a:p>
-          </p:txBody>
-        </p:sp>
-        <p:sp>
-          <p:nvSpPr>
-            <p:cNvPr id="6" name="직사각형 5"/>
-            <p:cNvSpPr/>
-            <p:nvPr/>
-          </p:nvSpPr>
-          <p:spPr>
-            <a:xfrm>
-              <a:off x="5363483" y="1637821"/>
-              <a:ext cx="1556992" cy="726131"/>
-            </a:xfrm>
-            <a:prstGeom prst="rect">
-              <a:avLst/>
-            </a:prstGeom>
-            <a:noFill/>
-            <a:ln w="31750">
-              <a:solidFill>
-                <a:schemeClr val="accent1">
-                  <a:shade val="50000"/>
-                </a:schemeClr>
-              </a:solidFill>
-            </a:ln>
-          </p:spPr>
-          <p:style>
-            <a:lnRef idx="2">
-              <a:schemeClr val="accent1">
-                <a:shade val="50000"/>
-              </a:schemeClr>
-            </a:lnRef>
-            <a:fillRef idx="1">
-              <a:schemeClr val="accent1"/>
-            </a:fillRef>
-            <a:effectRef idx="0">
-              <a:schemeClr val="accent1"/>
-            </a:effectRef>
-            <a:fontRef idx="minor">
-              <a:schemeClr val="lt1"/>
-            </a:fontRef>
-          </p:style>
-          <p:txBody>
-            <a:bodyPr rtlCol="0" anchor="ctr"/>
-            <a:lstStyle/>
-            <a:p>
-              <a:pPr algn="ctr"/>
-              <a:r>
-                <a:rPr lang="ko-KR" altLang="en-US" sz="1100" dirty="0">
-                  <a:solidFill>
-                    <a:sysClr val="windowText" lastClr="000000"/>
-                  </a:solidFill>
-                </a:rPr>
-                <a:t>강의평가 결과 </a:t>
-              </a:r>
-              <a:endParaRPr lang="en-US" altLang="ko-KR" sz="1100" dirty="0" smtClean="0">
-                <a:solidFill>
-                  <a:sysClr val="windowText" lastClr="000000"/>
-                </a:solidFill>
-              </a:endParaRPr>
-            </a:p>
-            <a:p>
-              <a:pPr algn="ctr"/>
-              <a:r>
-                <a:rPr lang="ko-KR" altLang="en-US" sz="1100" dirty="0" smtClean="0">
-                  <a:solidFill>
-                    <a:sysClr val="windowText" lastClr="000000"/>
-                  </a:solidFill>
-                </a:rPr>
-                <a:t>조회 정보 </a:t>
-              </a:r>
-              <a:r>
-                <a:rPr lang="ko-KR" altLang="en-US" sz="1100" dirty="0" smtClean="0">
-                  <a:solidFill>
-                    <a:sysClr val="windowText" lastClr="000000"/>
-                  </a:solidFill>
-                </a:rPr>
-                <a:t>변환</a:t>
-              </a:r>
-              <a:endParaRPr lang="ko-KR" altLang="en-US" sz="1100" dirty="0">
-                <a:solidFill>
-                  <a:sysClr val="windowText" lastClr="000000"/>
-                </a:solidFill>
-              </a:endParaRPr>
-            </a:p>
-          </p:txBody>
-        </p:sp>
-        <p:sp>
-          <p:nvSpPr>
-            <p:cNvPr id="7" name="직사각형 6"/>
-            <p:cNvSpPr/>
-            <p:nvPr/>
-          </p:nvSpPr>
-          <p:spPr>
-            <a:xfrm>
-              <a:off x="3806491" y="3989844"/>
-              <a:ext cx="1556992" cy="726131"/>
-            </a:xfrm>
-            <a:prstGeom prst="rect">
-              <a:avLst/>
-            </a:prstGeom>
-            <a:noFill/>
-            <a:ln w="31750">
-              <a:solidFill>
-                <a:schemeClr val="accent1">
-                  <a:shade val="50000"/>
-                </a:schemeClr>
-              </a:solidFill>
-            </a:ln>
-          </p:spPr>
-          <p:style>
-            <a:lnRef idx="2">
-              <a:schemeClr val="accent1">
-                <a:shade val="50000"/>
-              </a:schemeClr>
-            </a:lnRef>
-            <a:fillRef idx="1">
-              <a:schemeClr val="accent1"/>
-            </a:fillRef>
-            <a:effectRef idx="0">
-              <a:schemeClr val="accent1"/>
-            </a:effectRef>
-            <a:fontRef idx="minor">
-              <a:schemeClr val="lt1"/>
-            </a:fontRef>
-          </p:style>
-          <p:txBody>
-            <a:bodyPr rtlCol="0" anchor="ctr"/>
-            <a:lstStyle/>
-            <a:p>
-              <a:pPr algn="ctr"/>
-              <a:r>
-                <a:rPr lang="ko-KR" altLang="en-US" sz="1100" dirty="0" smtClean="0">
-                  <a:solidFill>
-                    <a:schemeClr val="tx1"/>
-                  </a:solidFill>
-                </a:rPr>
-                <a:t>강의평가 결과 </a:t>
-              </a:r>
-              <a:endParaRPr lang="en-US" altLang="ko-KR" sz="1100" dirty="0" smtClean="0">
+            </a:solidFill>
+          </a:ln>
+        </p:spPr>
+        <p:style>
+          <a:lnRef idx="2">
+            <a:schemeClr val="accent1">
+              <a:shade val="50000"/>
+            </a:schemeClr>
+          </a:lnRef>
+          <a:fillRef idx="1">
+            <a:schemeClr val="accent1"/>
+          </a:fillRef>
+          <a:effectRef idx="0">
+            <a:schemeClr val="accent1"/>
+          </a:effectRef>
+          <a:fontRef idx="minor">
+            <a:schemeClr val="lt1"/>
+          </a:fontRef>
+        </p:style>
+        <p:txBody>
+          <a:bodyPr rtlCol="0" anchor="ctr"/>
+          <a:lstStyle/>
+          <a:p>
+            <a:pPr algn="ctr"/>
+            <a:r>
+              <a:rPr lang="ko-KR" altLang="en-US" sz="1100" dirty="0" smtClean="0">
                 <a:solidFill>
                   <a:schemeClr val="tx1"/>
                 </a:solidFill>
-              </a:endParaRPr>
-            </a:p>
-            <a:p>
-              <a:pPr algn="ctr"/>
-              <a:r>
-                <a:rPr lang="ko-KR" altLang="en-US" sz="1100" dirty="0" smtClean="0">
-                  <a:solidFill>
-                    <a:schemeClr val="tx1"/>
-                  </a:solidFill>
-                </a:rPr>
-                <a:t>조회 권한 확인</a:t>
-              </a:r>
-              <a:endParaRPr lang="ko-KR" altLang="en-US" sz="1100" dirty="0">
+              </a:rPr>
+              <a:t>강의평가 결과 </a:t>
+            </a:r>
+            <a:endParaRPr lang="en-US" altLang="ko-KR" sz="1100" dirty="0" smtClean="0">
+              <a:solidFill>
+                <a:schemeClr val="tx1"/>
+              </a:solidFill>
+            </a:endParaRPr>
+          </a:p>
+          <a:p>
+            <a:pPr algn="ctr"/>
+            <a:r>
+              <a:rPr lang="ko-KR" altLang="en-US" sz="1100" dirty="0" smtClean="0">
                 <a:solidFill>
                   <a:schemeClr val="tx1"/>
                 </a:solidFill>
-              </a:endParaRPr>
-            </a:p>
-          </p:txBody>
-        </p:sp>
-        <p:cxnSp>
-          <p:nvCxnSpPr>
-            <p:cNvPr id="8" name="직선 화살표 연결선 7"/>
-            <p:cNvCxnSpPr>
-              <a:stCxn id="6" idx="2"/>
-              <a:endCxn id="7" idx="0"/>
-            </p:cNvCxnSpPr>
-            <p:nvPr/>
-          </p:nvCxnSpPr>
-          <p:spPr>
-            <a:xfrm flipH="1">
-              <a:off x="4584987" y="2363952"/>
-              <a:ext cx="1556992" cy="1625892"/>
-            </a:xfrm>
-            <a:prstGeom prst="straightConnector1">
-              <a:avLst/>
-            </a:prstGeom>
-            <a:ln w="38100">
-              <a:headEnd w="lg" len="lg"/>
-              <a:tailEnd type="triangle"/>
-            </a:ln>
-          </p:spPr>
-          <p:style>
-            <a:lnRef idx="1">
-              <a:schemeClr val="accent1"/>
-            </a:lnRef>
-            <a:fillRef idx="0">
-              <a:schemeClr val="accent1"/>
-            </a:fillRef>
-            <a:effectRef idx="0">
-              <a:schemeClr val="accent1"/>
-            </a:effectRef>
-            <a:fontRef idx="minor">
-              <a:schemeClr val="tx1"/>
-            </a:fontRef>
-          </p:style>
-        </p:cxnSp>
-        <p:cxnSp>
-          <p:nvCxnSpPr>
-            <p:cNvPr id="9" name="직선 화살표 연결선 8"/>
-            <p:cNvCxnSpPr>
-              <a:stCxn id="6" idx="2"/>
-              <a:endCxn id="5" idx="0"/>
-            </p:cNvCxnSpPr>
-            <p:nvPr/>
-          </p:nvCxnSpPr>
-          <p:spPr>
-            <a:xfrm>
-              <a:off x="6141979" y="2363952"/>
-              <a:ext cx="1556992" cy="1625891"/>
-            </a:xfrm>
-            <a:prstGeom prst="straightConnector1">
-              <a:avLst/>
-            </a:prstGeom>
-            <a:ln w="38100">
-              <a:headEnd w="lg" len="lg"/>
-              <a:tailEnd type="triangle"/>
-            </a:ln>
-          </p:spPr>
-          <p:style>
-            <a:lnRef idx="1">
-              <a:schemeClr val="accent1"/>
-            </a:lnRef>
-            <a:fillRef idx="0">
-              <a:schemeClr val="accent1"/>
-            </a:fillRef>
-            <a:effectRef idx="0">
-              <a:schemeClr val="accent1"/>
-            </a:effectRef>
-            <a:fontRef idx="minor">
-              <a:schemeClr val="tx1"/>
-            </a:fontRef>
-          </p:style>
-        </p:cxnSp>
-      </p:grpSp>
+              </a:rPr>
+              <a:t>정보 읽음</a:t>
+            </a:r>
+            <a:endParaRPr lang="ko-KR" altLang="en-US" sz="1100" dirty="0">
+              <a:solidFill>
+                <a:schemeClr val="tx1"/>
+              </a:solidFill>
+            </a:endParaRPr>
+          </a:p>
+        </p:txBody>
+      </p:sp>
+      <p:cxnSp>
+        <p:nvCxnSpPr>
+          <p:cNvPr id="20" name="직선 화살표 연결선 19"/>
+          <p:cNvCxnSpPr>
+            <a:stCxn id="6" idx="2"/>
+          </p:cNvCxnSpPr>
+          <p:nvPr/>
+        </p:nvCxnSpPr>
+        <p:spPr>
+          <a:xfrm flipH="1">
+            <a:off x="4047960" y="2608651"/>
+            <a:ext cx="2094019" cy="1625891"/>
+          </a:xfrm>
+          <a:prstGeom prst="straightConnector1">
+            <a:avLst/>
+          </a:prstGeom>
+          <a:ln w="38100">
+            <a:headEnd w="lg" len="lg"/>
+            <a:tailEnd type="triangle"/>
+          </a:ln>
+        </p:spPr>
+        <p:style>
+          <a:lnRef idx="1">
+            <a:schemeClr val="accent1"/>
+          </a:lnRef>
+          <a:fillRef idx="0">
+            <a:schemeClr val="accent1"/>
+          </a:fillRef>
+          <a:effectRef idx="0">
+            <a:schemeClr val="accent1"/>
+          </a:effectRef>
+          <a:fontRef idx="minor">
+            <a:schemeClr val="tx1"/>
+          </a:fontRef>
+        </p:style>
+      </p:cxnSp>
     </p:spTree>
     <p:extLst>
       <p:ext uri="{BB962C8B-B14F-4D97-AF65-F5344CB8AC3E}">
@@ -8494,7 +7988,7 @@
 </p:sld>
 </file>
 
-<file path=ppt/slides/slide6.xml><?xml version="1.0" encoding="utf-8"?>
+<file path=ppt/slides/slide5.xml><?xml version="1.0" encoding="utf-8"?>
 <p:sld xmlns:a="http://schemas.openxmlformats.org/drawingml/2006/main" xmlns:r="http://schemas.openxmlformats.org/officeDocument/2006/relationships" xmlns:p="http://schemas.openxmlformats.org/presentationml/2006/main">
   <p:cSld>
     <p:spTree>
@@ -8849,7 +8343,7 @@
 </p:sld>
 </file>
 
-<file path=ppt/slides/slide7.xml><?xml version="1.0" encoding="utf-8"?>
+<file path=ppt/slides/slide6.xml><?xml version="1.0" encoding="utf-8"?>
 <p:sld xmlns:a="http://schemas.openxmlformats.org/drawingml/2006/main" xmlns:r="http://schemas.openxmlformats.org/officeDocument/2006/relationships" xmlns:p="http://schemas.openxmlformats.org/presentationml/2006/main">
   <p:cSld>
     <p:spTree>
@@ -9336,4 +8830,265 @@
     </a:ext>
   </a:extLst>
 </a:theme>
+</file>
+
+<file path=ppt/theme/theme2.xml><?xml version="1.0" encoding="utf-8"?>
+<a:theme xmlns:a="http://schemas.openxmlformats.org/drawingml/2006/main" name="Office 테마">
+  <a:themeElements>
+    <a:clrScheme name="Office">
+      <a:dk1>
+        <a:sysClr val="windowText" lastClr="000000"/>
+      </a:dk1>
+      <a:lt1>
+        <a:sysClr val="window" lastClr="FFFFFF"/>
+      </a:lt1>
+      <a:dk2>
+        <a:srgbClr val="44546A"/>
+      </a:dk2>
+      <a:lt2>
+        <a:srgbClr val="E7E6E6"/>
+      </a:lt2>
+      <a:accent1>
+        <a:srgbClr val="5B9BD5"/>
+      </a:accent1>
+      <a:accent2>
+        <a:srgbClr val="ED7D31"/>
+      </a:accent2>
+      <a:accent3>
+        <a:srgbClr val="A5A5A5"/>
+      </a:accent3>
+      <a:accent4>
+        <a:srgbClr val="FFC000"/>
+      </a:accent4>
+      <a:accent5>
+        <a:srgbClr val="4472C4"/>
+      </a:accent5>
+      <a:accent6>
+        <a:srgbClr val="70AD47"/>
+      </a:accent6>
+      <a:hlink>
+        <a:srgbClr val="0563C1"/>
+      </a:hlink>
+      <a:folHlink>
+        <a:srgbClr val="954F72"/>
+      </a:folHlink>
+    </a:clrScheme>
+    <a:fontScheme name="Office">
+      <a:majorFont>
+        <a:latin typeface="맑은 고딕" panose="020F0302020204030204"/>
+        <a:ea typeface=""/>
+        <a:cs typeface=""/>
+        <a:font script="Jpan" typeface="ＭＳ Ｐゴシック"/>
+        <a:font script="Hang" typeface="맑은 고딕"/>
+        <a:font script="Hans" typeface="宋体"/>
+        <a:font script="Hant" typeface="新細明體"/>
+        <a:font script="Arab" typeface="Times New Roman"/>
+        <a:font script="Hebr" typeface="Times New Roman"/>
+        <a:font script="Thai" typeface="Angsana New"/>
+        <a:font script="Ethi" typeface="Nyala"/>
+        <a:font script="Beng" typeface="Vrinda"/>
+        <a:font script="Gujr" typeface="Shruti"/>
+        <a:font script="Khmr" typeface="MoolBoran"/>
+        <a:font script="Knda" typeface="Tunga"/>
+        <a:font script="Guru" typeface="Raavi"/>
+        <a:font script="Cans" typeface="Euphemia"/>
+        <a:font script="Cher" typeface="Plantagenet Cherokee"/>
+        <a:font script="Yiii" typeface="Microsoft Yi Baiti"/>
+        <a:font script="Tibt" typeface="Microsoft Himalaya"/>
+        <a:font script="Thaa" typeface="MV Boli"/>
+        <a:font script="Deva" typeface="Mangal"/>
+        <a:font script="Telu" typeface="Gautami"/>
+        <a:font script="Taml" typeface="Latha"/>
+        <a:font script="Syrc" typeface="Estrangelo Edessa"/>
+        <a:font script="Orya" typeface="Kalinga"/>
+        <a:font script="Mlym" typeface="Kartika"/>
+        <a:font script="Laoo" typeface="DokChampa"/>
+        <a:font script="Sinh" typeface="Iskoola Pota"/>
+        <a:font script="Mong" typeface="Mongolian Baiti"/>
+        <a:font script="Viet" typeface="Times New Roman"/>
+        <a:font script="Uigh" typeface="Microsoft Uighur"/>
+        <a:font script="Geor" typeface="Sylfaen"/>
+      </a:majorFont>
+      <a:minorFont>
+        <a:latin typeface="맑은 고딕" panose="020F0502020204030204"/>
+        <a:ea typeface=""/>
+        <a:cs typeface=""/>
+        <a:font script="Jpan" typeface="ＭＳ Ｐゴシック"/>
+        <a:font script="Hang" typeface="맑은 고딕"/>
+        <a:font script="Hans" typeface="宋体"/>
+        <a:font script="Hant" typeface="新細明體"/>
+        <a:font script="Arab" typeface="Arial"/>
+        <a:font script="Hebr" typeface="Arial"/>
+        <a:font script="Thai" typeface="Cordia New"/>
+        <a:font script="Ethi" typeface="Nyala"/>
+        <a:font script="Beng" typeface="Vrinda"/>
+        <a:font script="Gujr" typeface="Shruti"/>
+        <a:font script="Khmr" typeface="DaunPenh"/>
+        <a:font script="Knda" typeface="Tunga"/>
+        <a:font script="Guru" typeface="Raavi"/>
+        <a:font script="Cans" typeface="Euphemia"/>
+        <a:font script="Cher" typeface="Plantagenet Cherokee"/>
+        <a:font script="Yiii" typeface="Microsoft Yi Baiti"/>
+        <a:font script="Tibt" typeface="Microsoft Himalaya"/>
+        <a:font script="Thaa" typeface="MV Boli"/>
+        <a:font script="Deva" typeface="Mangal"/>
+        <a:font script="Telu" typeface="Gautami"/>
+        <a:font script="Taml" typeface="Latha"/>
+        <a:font script="Syrc" typeface="Estrangelo Edessa"/>
+        <a:font script="Orya" typeface="Kalinga"/>
+        <a:font script="Mlym" typeface="Kartika"/>
+        <a:font script="Laoo" typeface="DokChampa"/>
+        <a:font script="Sinh" typeface="Iskoola Pota"/>
+        <a:font script="Mong" typeface="Mongolian Baiti"/>
+        <a:font script="Viet" typeface="Arial"/>
+        <a:font script="Uigh" typeface="Microsoft Uighur"/>
+        <a:font script="Geor" typeface="Sylfaen"/>
+      </a:minorFont>
+    </a:fontScheme>
+    <a:fmtScheme name="Office">
+      <a:fillStyleLst>
+        <a:solidFill>
+          <a:schemeClr val="phClr"/>
+        </a:solidFill>
+        <a:gradFill rotWithShape="1">
+          <a:gsLst>
+            <a:gs pos="0">
+              <a:schemeClr val="phClr">
+                <a:lumMod val="110000"/>
+                <a:satMod val="105000"/>
+                <a:tint val="67000"/>
+              </a:schemeClr>
+            </a:gs>
+            <a:gs pos="50000">
+              <a:schemeClr val="phClr">
+                <a:lumMod val="105000"/>
+                <a:satMod val="103000"/>
+                <a:tint val="73000"/>
+              </a:schemeClr>
+            </a:gs>
+            <a:gs pos="100000">
+              <a:schemeClr val="phClr">
+                <a:lumMod val="105000"/>
+                <a:satMod val="109000"/>
+                <a:tint val="81000"/>
+              </a:schemeClr>
+            </a:gs>
+          </a:gsLst>
+          <a:lin ang="5400000" scaled="0"/>
+        </a:gradFill>
+        <a:gradFill rotWithShape="1">
+          <a:gsLst>
+            <a:gs pos="0">
+              <a:schemeClr val="phClr">
+                <a:satMod val="103000"/>
+                <a:lumMod val="102000"/>
+                <a:tint val="94000"/>
+              </a:schemeClr>
+            </a:gs>
+            <a:gs pos="50000">
+              <a:schemeClr val="phClr">
+                <a:satMod val="110000"/>
+                <a:lumMod val="100000"/>
+                <a:shade val="100000"/>
+              </a:schemeClr>
+            </a:gs>
+            <a:gs pos="100000">
+              <a:schemeClr val="phClr">
+                <a:lumMod val="99000"/>
+                <a:satMod val="120000"/>
+                <a:shade val="78000"/>
+              </a:schemeClr>
+            </a:gs>
+          </a:gsLst>
+          <a:lin ang="5400000" scaled="0"/>
+        </a:gradFill>
+      </a:fillStyleLst>
+      <a:lnStyleLst>
+        <a:ln w="6350" cap="flat" cmpd="sng" algn="ctr">
+          <a:solidFill>
+            <a:schemeClr val="phClr"/>
+          </a:solidFill>
+          <a:prstDash val="solid"/>
+          <a:miter lim="800000"/>
+        </a:ln>
+        <a:ln w="12700" cap="flat" cmpd="sng" algn="ctr">
+          <a:solidFill>
+            <a:schemeClr val="phClr"/>
+          </a:solidFill>
+          <a:prstDash val="solid"/>
+          <a:miter lim="800000"/>
+        </a:ln>
+        <a:ln w="19050" cap="flat" cmpd="sng" algn="ctr">
+          <a:solidFill>
+            <a:schemeClr val="phClr"/>
+          </a:solidFill>
+          <a:prstDash val="solid"/>
+          <a:miter lim="800000"/>
+        </a:ln>
+      </a:lnStyleLst>
+      <a:effectStyleLst>
+        <a:effectStyle>
+          <a:effectLst/>
+        </a:effectStyle>
+        <a:effectStyle>
+          <a:effectLst/>
+        </a:effectStyle>
+        <a:effectStyle>
+          <a:effectLst>
+            <a:outerShdw blurRad="57150" dist="19050" dir="5400000" algn="ctr" rotWithShape="0">
+              <a:srgbClr val="000000">
+                <a:alpha val="63000"/>
+              </a:srgbClr>
+            </a:outerShdw>
+          </a:effectLst>
+        </a:effectStyle>
+      </a:effectStyleLst>
+      <a:bgFillStyleLst>
+        <a:solidFill>
+          <a:schemeClr val="phClr"/>
+        </a:solidFill>
+        <a:solidFill>
+          <a:schemeClr val="phClr">
+            <a:tint val="95000"/>
+            <a:satMod val="170000"/>
+          </a:schemeClr>
+        </a:solidFill>
+        <a:gradFill rotWithShape="1">
+          <a:gsLst>
+            <a:gs pos="0">
+              <a:schemeClr val="phClr">
+                <a:tint val="93000"/>
+                <a:satMod val="150000"/>
+                <a:shade val="98000"/>
+                <a:lumMod val="102000"/>
+              </a:schemeClr>
+            </a:gs>
+            <a:gs pos="50000">
+              <a:schemeClr val="phClr">
+                <a:tint val="98000"/>
+                <a:satMod val="130000"/>
+                <a:shade val="90000"/>
+                <a:lumMod val="103000"/>
+              </a:schemeClr>
+            </a:gs>
+            <a:gs pos="100000">
+              <a:schemeClr val="phClr">
+                <a:shade val="63000"/>
+                <a:satMod val="120000"/>
+              </a:schemeClr>
+            </a:gs>
+          </a:gsLst>
+          <a:lin ang="5400000" scaled="0"/>
+        </a:gradFill>
+      </a:bgFillStyleLst>
+    </a:fmtScheme>
+  </a:themeElements>
+  <a:objectDefaults/>
+  <a:extraClrSchemeLst/>
+  <a:extLst>
+    <a:ext uri="{05A4C25C-085E-4340-85A3-A5531E510DB2}">
+      <thm15:themeFamily xmlns:thm15="http://schemas.microsoft.com/office/thememl/2012/main" name="Office Theme" id="{62F939B6-93AF-4DB8-9C6B-D6C7DFDC589F}" vid="{4A3C46E8-61CC-4603-A589-7422A47A8E4A}"/>
+    </a:ext>
+  </a:extLst>
+</a:theme>
 </file>